--- a/Documents/Universalnaya_sistema_testirovania_v_web_i_na.pptx
+++ b/Documents/Universalnaya_sistema_testirovania_v_web_i_na.pptx
@@ -9,14 +9,13 @@
     <p:sldId id="257" r:id="rId3"/>
     <p:sldId id="259" r:id="rId4"/>
     <p:sldId id="260" r:id="rId5"/>
-    <p:sldId id="261" r:id="rId6"/>
-    <p:sldId id="262" r:id="rId7"/>
-    <p:sldId id="263" r:id="rId8"/>
-    <p:sldId id="264" r:id="rId9"/>
-    <p:sldId id="265" r:id="rId10"/>
-    <p:sldId id="267" r:id="rId11"/>
-    <p:sldId id="269" r:id="rId12"/>
-    <p:sldId id="268" r:id="rId13"/>
+    <p:sldId id="262" r:id="rId6"/>
+    <p:sldId id="263" r:id="rId7"/>
+    <p:sldId id="264" r:id="rId8"/>
+    <p:sldId id="265" r:id="rId9"/>
+    <p:sldId id="267" r:id="rId10"/>
+    <p:sldId id="269" r:id="rId11"/>
+    <p:sldId id="268" r:id="rId12"/>
   </p:sldIdLst>
   <p:sldSz cx="9144000" cy="6858000" type="screen4x3"/>
   <p:notesSz cx="6858000" cy="9144000"/>
@@ -262,7 +261,7 @@
             <a:fld id="{1B5E77D8-EFA7-41C5-89CA-4EA8B792707B}" type="datetimeFigureOut">
               <a:rPr lang="ru-RU" smtClean="0"/>
               <a:pPr/>
-              <a:t>27.10.2015</a:t>
+              <a:t>14.02.2016</a:t>
             </a:fld>
             <a:endParaRPr lang="ru-RU"/>
           </a:p>
@@ -623,7 +622,7 @@
             <a:fld id="{1B5E77D8-EFA7-41C5-89CA-4EA8B792707B}" type="datetimeFigureOut">
               <a:rPr lang="ru-RU" smtClean="0"/>
               <a:pPr/>
-              <a:t>27.10.2015</a:t>
+              <a:t>14.02.2016</a:t>
             </a:fld>
             <a:endParaRPr lang="ru-RU"/>
           </a:p>
@@ -800,7 +799,7 @@
             <a:fld id="{1B5E77D8-EFA7-41C5-89CA-4EA8B792707B}" type="datetimeFigureOut">
               <a:rPr lang="ru-RU" smtClean="0"/>
               <a:pPr/>
-              <a:t>27.10.2015</a:t>
+              <a:t>14.02.2016</a:t>
             </a:fld>
             <a:endParaRPr lang="ru-RU"/>
           </a:p>
@@ -1037,7 +1036,7 @@
             <a:fld id="{1B5E77D8-EFA7-41C5-89CA-4EA8B792707B}" type="datetimeFigureOut">
               <a:rPr lang="ru-RU" smtClean="0"/>
               <a:pPr/>
-              <a:t>27.10.2015</a:t>
+              <a:t>14.02.2016</a:t>
             </a:fld>
             <a:endParaRPr lang="ru-RU"/>
           </a:p>
@@ -1308,7 +1307,7 @@
             <a:fld id="{1B5E77D8-EFA7-41C5-89CA-4EA8B792707B}" type="datetimeFigureOut">
               <a:rPr lang="ru-RU" smtClean="0"/>
               <a:pPr/>
-              <a:t>27.10.2015</a:t>
+              <a:t>14.02.2016</a:t>
             </a:fld>
             <a:endParaRPr lang="ru-RU"/>
           </a:p>
@@ -1530,7 +1529,7 @@
             <a:fld id="{1B5E77D8-EFA7-41C5-89CA-4EA8B792707B}" type="datetimeFigureOut">
               <a:rPr lang="ru-RU" smtClean="0"/>
               <a:pPr/>
-              <a:t>27.10.2015</a:t>
+              <a:t>14.02.2016</a:t>
             </a:fld>
             <a:endParaRPr lang="ru-RU"/>
           </a:p>
@@ -1884,7 +1883,7 @@
             <a:fld id="{1B5E77D8-EFA7-41C5-89CA-4EA8B792707B}" type="datetimeFigureOut">
               <a:rPr lang="ru-RU" smtClean="0"/>
               <a:pPr/>
-              <a:t>27.10.2015</a:t>
+              <a:t>14.02.2016</a:t>
             </a:fld>
             <a:endParaRPr lang="ru-RU"/>
           </a:p>
@@ -2118,7 +2117,7 @@
             <a:fld id="{1B5E77D8-EFA7-41C5-89CA-4EA8B792707B}" type="datetimeFigureOut">
               <a:rPr lang="ru-RU" smtClean="0"/>
               <a:pPr/>
-              <a:t>27.10.2015</a:t>
+              <a:t>14.02.2016</a:t>
             </a:fld>
             <a:endParaRPr lang="ru-RU"/>
           </a:p>
@@ -2260,7 +2259,7 @@
             <a:fld id="{1B5E77D8-EFA7-41C5-89CA-4EA8B792707B}" type="datetimeFigureOut">
               <a:rPr lang="ru-RU" smtClean="0"/>
               <a:pPr/>
-              <a:t>27.10.2015</a:t>
+              <a:t>14.02.2016</a:t>
             </a:fld>
             <a:endParaRPr lang="ru-RU"/>
           </a:p>
@@ -2539,7 +2538,7 @@
             <a:fld id="{1B5E77D8-EFA7-41C5-89CA-4EA8B792707B}" type="datetimeFigureOut">
               <a:rPr lang="ru-RU" smtClean="0"/>
               <a:pPr/>
-              <a:t>27.10.2015</a:t>
+              <a:t>14.02.2016</a:t>
             </a:fld>
             <a:endParaRPr lang="ru-RU"/>
           </a:p>
@@ -2948,7 +2947,7 @@
             <a:fld id="{1B5E77D8-EFA7-41C5-89CA-4EA8B792707B}" type="datetimeFigureOut">
               <a:rPr lang="ru-RU" smtClean="0"/>
               <a:pPr/>
-              <a:t>27.10.2015</a:t>
+              <a:t>14.02.2016</a:t>
             </a:fld>
             <a:endParaRPr lang="ru-RU"/>
           </a:p>
@@ -3288,7 +3287,7 @@
             <a:fld id="{1B5E77D8-EFA7-41C5-89CA-4EA8B792707B}" type="datetimeFigureOut">
               <a:rPr lang="ru-RU" smtClean="0"/>
               <a:pPr/>
-              <a:t>27.10.2015</a:t>
+              <a:t>14.02.2016</a:t>
             </a:fld>
             <a:endParaRPr lang="ru-RU"/>
           </a:p>
@@ -4033,7 +4032,29 @@
                   </a:schemeClr>
                 </a:solidFill>
               </a:rPr>
-              <a:t>1.4</a:t>
+              <a:t>1</a:t>
+            </a:r>
+            <a:r>
+              <a:rPr lang="en-US" dirty="0" smtClean="0">
+                <a:solidFill>
+                  <a:schemeClr val="tx1">
+                    <a:lumMod val="85000"/>
+                    <a:lumOff val="15000"/>
+                  </a:schemeClr>
+                </a:solidFill>
+              </a:rPr>
+              <a:t>1</a:t>
+            </a:r>
+            <a:r>
+              <a:rPr lang="ru-RU" dirty="0" smtClean="0">
+                <a:solidFill>
+                  <a:schemeClr val="tx1">
+                    <a:lumMod val="85000"/>
+                    <a:lumOff val="15000"/>
+                  </a:schemeClr>
+                </a:solidFill>
+              </a:rPr>
+              <a:t>.4</a:t>
             </a:r>
             <a:r>
               <a:rPr lang="en-US" dirty="0" smtClean="0">
@@ -4142,88 +4163,6 @@
           <a:p>
             <a:r>
               <a:rPr lang="ru-RU" dirty="0" smtClean="0"/>
-              <a:t>Выводы</a:t>
-            </a:r>
-            <a:endParaRPr lang="ru-RU" dirty="0"/>
-          </a:p>
-        </p:txBody>
-      </p:sp>
-      <p:sp>
-        <p:nvSpPr>
-          <p:cNvPr id="3" name="Содержимое 2"/>
-          <p:cNvSpPr>
-            <a:spLocks noGrp="1"/>
-          </p:cNvSpPr>
-          <p:nvPr>
-            <p:ph sz="quarter" idx="1"/>
-          </p:nvPr>
-        </p:nvSpPr>
-        <p:spPr/>
-        <p:txBody>
-          <a:bodyPr/>
-          <a:lstStyle/>
-          <a:p>
-            <a:r>
-              <a:rPr lang="ru-RU" dirty="0" smtClean="0"/>
-              <a:t>В результате была получена универсальная система </a:t>
-            </a:r>
-            <a:r>
-              <a:rPr lang="ru-RU" dirty="0" smtClean="0"/>
-              <a:t>тестирования, которая позволяет проводить оценку знаний учащихся лицея, учащихся различных школ, а также проводить социологические опросы.</a:t>
-            </a:r>
-            <a:endParaRPr lang="ru-RU" dirty="0"/>
-          </a:p>
-        </p:txBody>
-      </p:sp>
-    </p:spTree>
-  </p:cSld>
-  <p:clrMapOvr>
-    <a:masterClrMapping/>
-  </p:clrMapOvr>
-  <p:timing>
-    <p:tnLst>
-      <p:par>
-        <p:cTn id="1" dur="indefinite" restart="never" nodeType="tmRoot"/>
-      </p:par>
-    </p:tnLst>
-  </p:timing>
-</p:sld>
-</file>
-
-<file path=ppt/slides/slide11.xml><?xml version="1.0" encoding="utf-8"?>
-<p:sld xmlns:a="http://schemas.openxmlformats.org/drawingml/2006/main" xmlns:r="http://schemas.openxmlformats.org/officeDocument/2006/relationships" xmlns:p="http://schemas.openxmlformats.org/presentationml/2006/main">
-  <p:cSld>
-    <p:spTree>
-      <p:nvGrpSpPr>
-        <p:cNvPr id="1" name=""/>
-        <p:cNvGrpSpPr/>
-        <p:nvPr/>
-      </p:nvGrpSpPr>
-      <p:grpSpPr>
-        <a:xfrm>
-          <a:off x="0" y="0"/>
-          <a:ext cx="0" cy="0"/>
-          <a:chOff x="0" y="0"/>
-          <a:chExt cx="0" cy="0"/>
-        </a:xfrm>
-      </p:grpSpPr>
-      <p:sp>
-        <p:nvSpPr>
-          <p:cNvPr id="2" name="Заголовок 1"/>
-          <p:cNvSpPr>
-            <a:spLocks noGrp="1"/>
-          </p:cNvSpPr>
-          <p:nvPr>
-            <p:ph type="title"/>
-          </p:nvPr>
-        </p:nvSpPr>
-        <p:spPr/>
-        <p:txBody>
-          <a:bodyPr/>
-          <a:lstStyle/>
-          <a:p>
-            <a:r>
-              <a:rPr lang="ru-RU" dirty="0" smtClean="0"/>
               <a:t>Направления дальнейших разработок</a:t>
             </a:r>
             <a:endParaRPr lang="ru-RU" dirty="0"/>
@@ -4249,22 +4188,13 @@
           <a:p>
             <a:r>
               <a:rPr lang="ru-RU" dirty="0" smtClean="0"/>
-              <a:t>Фильтрация реальных </a:t>
-            </a:r>
+              <a:t>Фильтрация реальных пользователей</a:t>
+            </a:r>
+          </a:p>
+          <a:p>
             <a:r>
               <a:rPr lang="ru-RU" dirty="0" smtClean="0"/>
-              <a:t>пользователей</a:t>
-            </a:r>
-            <a:endParaRPr lang="ru-RU" dirty="0" smtClean="0"/>
-          </a:p>
-          <a:p>
-            <a:r>
-              <a:rPr lang="ru-RU" dirty="0" smtClean="0"/>
-              <a:t>Приближение </a:t>
-            </a:r>
-            <a:r>
-              <a:rPr lang="ru-RU" dirty="0" smtClean="0"/>
-              <a:t>функционала </a:t>
+              <a:t>Приближение функционала </a:t>
             </a:r>
             <a:r>
               <a:rPr lang="ru-RU" dirty="0" err="1" smtClean="0"/>
@@ -4272,36 +4202,19 @@
             </a:r>
             <a:r>
               <a:rPr lang="ru-RU" dirty="0" smtClean="0"/>
-              <a:t> приложения к </a:t>
-            </a:r>
+              <a:t> приложения к функционалу сайта</a:t>
+            </a:r>
+          </a:p>
+          <a:p>
             <a:r>
               <a:rPr lang="ru-RU" dirty="0" smtClean="0"/>
-              <a:t>функционалу сайта</a:t>
+              <a:t> Реализовать еще несколько видов теста</a:t>
             </a:r>
           </a:p>
           <a:p>
             <a:r>
               <a:rPr lang="ru-RU" dirty="0" smtClean="0"/>
-              <a:t> </a:t>
-            </a:r>
-            <a:r>
-              <a:rPr lang="ru-RU" dirty="0" smtClean="0"/>
-              <a:t>Реализовать еще несколько видов </a:t>
-            </a:r>
-            <a:r>
-              <a:rPr lang="ru-RU" dirty="0" smtClean="0"/>
-              <a:t>теста</a:t>
-            </a:r>
-            <a:endParaRPr lang="ru-RU" dirty="0" smtClean="0"/>
-          </a:p>
-          <a:p>
-            <a:r>
-              <a:rPr lang="ru-RU" dirty="0" smtClean="0"/>
-              <a:t> </a:t>
-            </a:r>
-            <a:r>
-              <a:rPr lang="ru-RU" dirty="0" smtClean="0"/>
-              <a:t>Большее применение </a:t>
+              <a:t> Большее применение </a:t>
             </a:r>
             <a:r>
               <a:rPr lang="ru-RU" dirty="0" err="1" smtClean="0"/>
@@ -4315,51 +4228,29 @@
           <a:p>
             <a:r>
               <a:rPr lang="ru-RU" dirty="0" smtClean="0"/>
-              <a:t> </a:t>
-            </a:r>
+              <a:t> Добавить функцию массового добавления изображений</a:t>
+            </a:r>
+          </a:p>
+          <a:p>
             <a:r>
               <a:rPr lang="ru-RU" dirty="0" smtClean="0"/>
-              <a:t>Добавить функцию массового добавления </a:t>
-            </a:r>
+              <a:t> Добавить функцию выбора картинки в качестве ответа</a:t>
+            </a:r>
+          </a:p>
+          <a:p>
             <a:r>
               <a:rPr lang="ru-RU" dirty="0" smtClean="0"/>
-              <a:t>изображений</a:t>
-            </a:r>
-            <a:endParaRPr lang="ru-RU" dirty="0" smtClean="0"/>
+              <a:t> Дополнить возможности личных настроек</a:t>
+            </a:r>
           </a:p>
           <a:p>
             <a:r>
               <a:rPr lang="ru-RU" dirty="0" smtClean="0"/>
-              <a:t> </a:t>
+              <a:t>Дополнить систему </a:t>
             </a:r>
             <a:r>
               <a:rPr lang="ru-RU" dirty="0" smtClean="0"/>
-              <a:t>Добавить функцию выбора картинки в качестве </a:t>
-            </a:r>
-            <a:r>
-              <a:rPr lang="ru-RU" dirty="0" smtClean="0"/>
-              <a:t>ответа</a:t>
-            </a:r>
-            <a:endParaRPr lang="ru-RU" dirty="0" smtClean="0"/>
-          </a:p>
-          <a:p>
-            <a:r>
-              <a:rPr lang="ru-RU" dirty="0" smtClean="0"/>
-              <a:t> </a:t>
-            </a:r>
-            <a:r>
-              <a:rPr lang="ru-RU" dirty="0" smtClean="0"/>
-              <a:t>Дополнить возможности личных </a:t>
-            </a:r>
-            <a:r>
-              <a:rPr lang="ru-RU" dirty="0" smtClean="0"/>
-              <a:t>настроек</a:t>
-            </a:r>
-          </a:p>
-          <a:p>
-            <a:r>
-              <a:rPr lang="ru-RU" dirty="0" smtClean="0"/>
-              <a:t>Реализовать систему «</a:t>
+              <a:t>«</a:t>
             </a:r>
             <a:r>
               <a:rPr lang="ru-RU" dirty="0" err="1" smtClean="0"/>
@@ -4381,7 +4272,7 @@
 </p:sld>
 </file>
 
-<file path=ppt/slides/slide12.xml><?xml version="1.0" encoding="utf-8"?>
+<file path=ppt/slides/slide11.xml><?xml version="1.0" encoding="utf-8"?>
 <p:sld xmlns:a="http://schemas.openxmlformats.org/drawingml/2006/main" xmlns:r="http://schemas.openxmlformats.org/officeDocument/2006/relationships" xmlns:p="http://schemas.openxmlformats.org/presentationml/2006/main">
   <p:cSld>
     <p:spTree>
@@ -4866,7 +4757,7 @@
             <a:pPr marL="685800" lvl="1"/>
             <a:r>
               <a:rPr lang="ru-RU" sz="2000" dirty="0" smtClean="0"/>
-              <a:t>Контрольные списки суждений или закрытые тесты с ответами «</a:t>
+              <a:t>«</a:t>
             </a:r>
             <a:r>
               <a:rPr lang="ru-RU" sz="2000" dirty="0" err="1" smtClean="0"/>
@@ -4881,7 +4772,7 @@
             <a:pPr marL="685800" lvl="1"/>
             <a:r>
               <a:rPr lang="ru-RU" sz="2000" dirty="0" smtClean="0"/>
-              <a:t>Списки суждений с дробной шкалой согласия, например «</a:t>
+              <a:t>«</a:t>
             </a:r>
             <a:r>
               <a:rPr lang="ru-RU" sz="2000" dirty="0" err="1" smtClean="0"/>
@@ -4896,22 +4787,25 @@
             <a:pPr marL="685800" lvl="1"/>
             <a:r>
               <a:rPr lang="ru-RU" sz="2000" dirty="0" smtClean="0"/>
-              <a:t>Задания, предполагающие некоторое количество ответов, из которых надо выбрать только один.</a:t>
-            </a:r>
+              <a:t>Один вариант ответа</a:t>
+            </a:r>
+            <a:endParaRPr lang="ru-RU" sz="2000" dirty="0" smtClean="0"/>
           </a:p>
           <a:p>
             <a:pPr marL="685800" lvl="1"/>
             <a:r>
               <a:rPr lang="ru-RU" sz="2000" dirty="0" smtClean="0"/>
-              <a:t>Задания, предполагающие некоторое количество ответов, из которых надо выбрать несколько.</a:t>
-            </a:r>
+              <a:t>Несколько вариантов ответа</a:t>
+            </a:r>
+            <a:endParaRPr lang="ru-RU" sz="2000" dirty="0" smtClean="0"/>
           </a:p>
           <a:p>
             <a:pPr marL="685800" lvl="1"/>
             <a:r>
               <a:rPr lang="ru-RU" sz="2000" dirty="0" smtClean="0"/>
-              <a:t>Вопросы с кратким свободным ответом (в виде числа, в виде одного слова). </a:t>
-            </a:r>
+              <a:t>Краткий свободный ответ</a:t>
+            </a:r>
+            <a:endParaRPr lang="ru-RU" sz="2000" dirty="0" smtClean="0"/>
           </a:p>
           <a:p>
             <a:pPr lvl="1"/>
@@ -5010,6 +4904,14 @@
             </a:r>
           </a:p>
           <a:p>
+            <a:r>
+              <a:rPr lang="ru-RU" dirty="0" smtClean="0"/>
+              <a:t>Удобная система с интеграцией </a:t>
+            </a:r>
+            <a:r>
+              <a:rPr lang="en-US" smtClean="0"/>
+              <a:t>SCORM</a:t>
+            </a:r>
             <a:endParaRPr lang="ru-RU" dirty="0"/>
           </a:p>
         </p:txBody>
@@ -5063,816 +4965,491 @@
           <a:p>
             <a:r>
               <a:rPr lang="ru-RU" dirty="0" smtClean="0"/>
-              <a:t>Обзор </a:t>
-            </a:r>
+              <a:t>Архитектура проекта</a:t>
+            </a:r>
+            <a:endParaRPr lang="ru-RU" dirty="0"/>
+          </a:p>
+        </p:txBody>
+      </p:sp>
+      <p:sp>
+        <p:nvSpPr>
+          <p:cNvPr id="3" name="Содержимое 2"/>
+          <p:cNvSpPr>
+            <a:spLocks noGrp="1"/>
+          </p:cNvSpPr>
+          <p:nvPr>
+            <p:ph sz="quarter" idx="1"/>
+          </p:nvPr>
+        </p:nvSpPr>
+        <p:spPr/>
+        <p:txBody>
+          <a:bodyPr/>
+          <a:lstStyle/>
+          <a:p>
+            <a:endParaRPr lang="ru-RU" dirty="0"/>
+          </a:p>
+        </p:txBody>
+      </p:sp>
+      <p:sp>
+        <p:nvSpPr>
+          <p:cNvPr id="52" name="Прямоугольник 51"/>
+          <p:cNvSpPr/>
+          <p:nvPr/>
+        </p:nvSpPr>
+        <p:spPr>
+          <a:xfrm>
+            <a:off x="1259632" y="2060848"/>
+            <a:ext cx="1728192" cy="1224136"/>
+          </a:xfrm>
+          <a:prstGeom prst="rect">
+            <a:avLst/>
+          </a:prstGeom>
+        </p:spPr>
+        <p:style>
+          <a:lnRef idx="2">
+            <a:schemeClr val="accent1">
+              <a:shade val="50000"/>
+            </a:schemeClr>
+          </a:lnRef>
+          <a:fillRef idx="1">
+            <a:schemeClr val="accent1"/>
+          </a:fillRef>
+          <a:effectRef idx="0">
+            <a:schemeClr val="accent1"/>
+          </a:effectRef>
+          <a:fontRef idx="minor">
+            <a:schemeClr val="lt1"/>
+          </a:fontRef>
+        </p:style>
+        <p:txBody>
+          <a:bodyPr rtlCol="0" anchor="ctr"/>
+          <a:lstStyle/>
+          <a:p>
+            <a:pPr algn="ctr"/>
             <a:r>
               <a:rPr lang="ru-RU" dirty="0" smtClean="0"/>
-              <a:t>аналогов</a:t>
+              <a:t>Сервер</a:t>
             </a:r>
             <a:endParaRPr lang="ru-RU" dirty="0"/>
           </a:p>
         </p:txBody>
       </p:sp>
-      <p:graphicFrame>
-        <p:nvGraphicFramePr>
-          <p:cNvPr id="4" name="Содержимое 3"/>
-          <p:cNvGraphicFramePr>
-            <a:graphicFrameLocks noGrp="1"/>
-          </p:cNvGraphicFramePr>
-          <p:nvPr>
-            <p:ph sz="quarter" idx="1"/>
-          </p:nvPr>
-        </p:nvGraphicFramePr>
-        <p:xfrm>
-          <a:off x="1043608" y="1340768"/>
-          <a:ext cx="6912768" cy="5262950"/>
-        </p:xfrm>
-        <a:graphic>
-          <a:graphicData uri="http://schemas.openxmlformats.org/drawingml/2006/table">
-            <a:tbl>
-              <a:tblPr firstRow="1" bandRow="1">
-                <a:tableStyleId>{5C22544A-7EE6-4342-B048-85BDC9FD1C3A}</a:tableStyleId>
-              </a:tblPr>
-              <a:tblGrid>
-                <a:gridCol w="1316736"/>
-                <a:gridCol w="1347560"/>
-                <a:gridCol w="1285912"/>
-                <a:gridCol w="1594408"/>
-                <a:gridCol w="1368152"/>
-              </a:tblGrid>
-              <a:tr h="930606">
-                <a:tc>
-                  <a:txBody>
-                    <a:bodyPr/>
-                    <a:lstStyle/>
-                    <a:p>
-                      <a:pPr algn="ctr"/>
-                      <a:r>
-                        <a:rPr lang="ru-RU" dirty="0" smtClean="0"/>
-                        <a:t>Продукт</a:t>
-                      </a:r>
-                      <a:endParaRPr lang="ru-RU" dirty="0"/>
-                    </a:p>
-                  </a:txBody>
-                  <a:tcPr/>
-                </a:tc>
-                <a:tc>
-                  <a:txBody>
-                    <a:bodyPr/>
-                    <a:lstStyle/>
-                    <a:p>
-                      <a:pPr algn="ctr"/>
-                      <a:r>
-                        <a:rPr lang="ru-RU" dirty="0" smtClean="0"/>
-                        <a:t>Поддержка мобильных устройств</a:t>
-                      </a:r>
-                      <a:endParaRPr lang="ru-RU" dirty="0"/>
-                    </a:p>
-                  </a:txBody>
-                  <a:tcPr/>
-                </a:tc>
-                <a:tc>
-                  <a:txBody>
-                    <a:bodyPr/>
-                    <a:lstStyle/>
-                    <a:p>
-                      <a:pPr algn="ctr"/>
-                      <a:r>
-                        <a:rPr lang="ru-RU" dirty="0" smtClean="0"/>
-                        <a:t>Возможность работать через </a:t>
-                      </a:r>
-                      <a:r>
-                        <a:rPr lang="en-US" dirty="0" smtClean="0"/>
-                        <a:t>web </a:t>
-                      </a:r>
-                      <a:r>
-                        <a:rPr lang="ru-RU" dirty="0" smtClean="0"/>
-                        <a:t>интерфейс</a:t>
-                      </a:r>
-                      <a:endParaRPr lang="ru-RU" dirty="0"/>
-                    </a:p>
-                  </a:txBody>
-                  <a:tcPr/>
-                </a:tc>
-                <a:tc>
-                  <a:txBody>
-                    <a:bodyPr/>
-                    <a:lstStyle/>
-                    <a:p>
-                      <a:pPr algn="ctr"/>
-                      <a:r>
-                        <a:rPr lang="ru-RU" dirty="0" smtClean="0"/>
-                        <a:t>Возможность</a:t>
-                      </a:r>
-                      <a:r>
-                        <a:rPr lang="ru-RU" baseline="0" dirty="0" smtClean="0"/>
-                        <a:t> загрузки </a:t>
-                      </a:r>
-                      <a:r>
-                        <a:rPr lang="ru-RU" baseline="0" dirty="0" err="1" smtClean="0"/>
-                        <a:t>медиа</a:t>
-                      </a:r>
-                      <a:r>
-                        <a:rPr lang="ru-RU" baseline="0" dirty="0" smtClean="0"/>
-                        <a:t> </a:t>
-                      </a:r>
-                      <a:r>
-                        <a:rPr lang="ru-RU" baseline="0" dirty="0" err="1" smtClean="0"/>
-                        <a:t>контента</a:t>
-                      </a:r>
-                      <a:endParaRPr lang="ru-RU" dirty="0"/>
-                    </a:p>
-                  </a:txBody>
-                  <a:tcPr/>
-                </a:tc>
-                <a:tc>
-                  <a:txBody>
-                    <a:bodyPr/>
-                    <a:lstStyle/>
-                    <a:p>
-                      <a:pPr algn="ctr"/>
-                      <a:r>
-                        <a:rPr lang="ru-RU" dirty="0" smtClean="0"/>
-                        <a:t>Стационарная версия</a:t>
-                      </a:r>
-                      <a:endParaRPr lang="ru-RU" dirty="0"/>
-                    </a:p>
-                  </a:txBody>
-                  <a:tcPr/>
-                </a:tc>
-              </a:tr>
-              <a:tr h="706778">
-                <a:tc>
-                  <a:txBody>
-                    <a:bodyPr/>
-                    <a:lstStyle/>
-                    <a:p>
-                      <a:pPr marL="0" marR="0" indent="0" algn="ctr" defTabSz="914400" rtl="0" eaLnBrk="1" fontAlgn="auto" latinLnBrk="0" hangingPunct="1">
-                        <a:lnSpc>
-                          <a:spcPct val="100000"/>
-                        </a:lnSpc>
-                        <a:spcBef>
-                          <a:spcPts val="0"/>
-                        </a:spcBef>
-                        <a:spcAft>
-                          <a:spcPts val="0"/>
-                        </a:spcAft>
-                        <a:buClrTx/>
-                        <a:buSzTx/>
-                        <a:buFontTx/>
-                        <a:buNone/>
-                        <a:tabLst/>
-                        <a:defRPr/>
-                      </a:pPr>
-                      <a:r>
-                        <a:rPr lang="en-US" sz="1800" dirty="0" smtClean="0">
-                          <a:effectLst/>
-                        </a:rPr>
-                        <a:t>My</a:t>
-                      </a:r>
-                      <a:r>
-                        <a:rPr lang="ru-RU" sz="1800" dirty="0" smtClean="0">
-                          <a:effectLst/>
-                        </a:rPr>
-                        <a:t> </a:t>
-                      </a:r>
-                      <a:r>
-                        <a:rPr lang="en-US" sz="1800" dirty="0" smtClean="0">
-                          <a:effectLst/>
-                        </a:rPr>
-                        <a:t>Test</a:t>
-                      </a:r>
-                      <a:endParaRPr lang="ru-RU" sz="1800" dirty="0" smtClean="0">
-                        <a:effectLst/>
-                        <a:latin typeface="Calibri" panose="020F0502020204030204" pitchFamily="34" charset="0"/>
-                        <a:ea typeface="Calibri" panose="020F0502020204030204" pitchFamily="34" charset="0"/>
-                        <a:cs typeface="Times New Roman" panose="02020603050405020304" pitchFamily="18" charset="0"/>
-                      </a:endParaRPr>
-                    </a:p>
-                    <a:p>
-                      <a:pPr algn="ctr"/>
-                      <a:endParaRPr lang="ru-RU" dirty="0"/>
-                    </a:p>
-                  </a:txBody>
-                  <a:tcPr/>
-                </a:tc>
-                <a:tc>
-                  <a:txBody>
-                    <a:bodyPr/>
-                    <a:lstStyle/>
-                    <a:p>
-                      <a:pPr algn="ctr"/>
-                      <a:r>
-                        <a:rPr lang="ru-RU" dirty="0" smtClean="0"/>
-                        <a:t>Нет</a:t>
-                      </a:r>
-                      <a:endParaRPr lang="ru-RU" dirty="0"/>
-                    </a:p>
-                  </a:txBody>
-                  <a:tcPr/>
-                </a:tc>
-                <a:tc>
-                  <a:txBody>
-                    <a:bodyPr/>
-                    <a:lstStyle/>
-                    <a:p>
-                      <a:pPr algn="ctr"/>
-                      <a:r>
-                        <a:rPr lang="ru-RU" dirty="0" smtClean="0"/>
-                        <a:t>Нет</a:t>
-                      </a:r>
-                      <a:endParaRPr lang="ru-RU" dirty="0"/>
-                    </a:p>
-                  </a:txBody>
-                  <a:tcPr/>
-                </a:tc>
-                <a:tc>
-                  <a:txBody>
-                    <a:bodyPr/>
-                    <a:lstStyle/>
-                    <a:p>
-                      <a:pPr algn="ctr"/>
-                      <a:r>
-                        <a:rPr lang="ru-RU" dirty="0" smtClean="0"/>
-                        <a:t>Да</a:t>
-                      </a:r>
-                      <a:endParaRPr lang="ru-RU" dirty="0"/>
-                    </a:p>
-                  </a:txBody>
-                  <a:tcPr/>
-                </a:tc>
-                <a:tc>
-                  <a:txBody>
-                    <a:bodyPr/>
-                    <a:lstStyle/>
-                    <a:p>
-                      <a:pPr algn="ctr"/>
-                      <a:r>
-                        <a:rPr lang="ru-RU" dirty="0" smtClean="0"/>
-                        <a:t>Да</a:t>
-                      </a:r>
-                      <a:endParaRPr lang="ru-RU" dirty="0"/>
-                    </a:p>
-                  </a:txBody>
-                  <a:tcPr/>
-                </a:tc>
-              </a:tr>
-              <a:tr h="710502">
-                <a:tc>
-                  <a:txBody>
-                    <a:bodyPr/>
-                    <a:lstStyle/>
-                    <a:p>
-                      <a:pPr algn="ctr">
-                        <a:lnSpc>
-                          <a:spcPct val="100000"/>
-                        </a:lnSpc>
-                        <a:spcAft>
-                          <a:spcPts val="0"/>
-                        </a:spcAft>
-                      </a:pPr>
-                      <a:r>
-                        <a:rPr lang="en-US" sz="1800" dirty="0" err="1" smtClean="0">
-                          <a:effectLst/>
-                          <a:latin typeface="Calibri" panose="020F0502020204030204" pitchFamily="34" charset="0"/>
-                          <a:ea typeface="Calibri" panose="020F0502020204030204" pitchFamily="34" charset="0"/>
-                          <a:cs typeface="Times New Roman" panose="02020603050405020304" pitchFamily="18" charset="0"/>
-                        </a:rPr>
-                        <a:t>Moodle</a:t>
-                      </a:r>
-                      <a:endParaRPr lang="ru-RU" sz="1800" dirty="0" smtClean="0">
-                        <a:effectLst/>
-                        <a:latin typeface="Calibri" panose="020F0502020204030204" pitchFamily="34" charset="0"/>
-                        <a:ea typeface="Calibri" panose="020F0502020204030204" pitchFamily="34" charset="0"/>
-                        <a:cs typeface="Times New Roman" panose="02020603050405020304" pitchFamily="18" charset="0"/>
-                      </a:endParaRPr>
-                    </a:p>
-                    <a:p>
-                      <a:pPr algn="ctr"/>
-                      <a:endParaRPr lang="ru-RU" dirty="0"/>
-                    </a:p>
-                  </a:txBody>
-                  <a:tcPr/>
-                </a:tc>
-                <a:tc>
-                  <a:txBody>
-                    <a:bodyPr/>
-                    <a:lstStyle/>
-                    <a:p>
-                      <a:pPr algn="ctr"/>
-                      <a:r>
-                        <a:rPr lang="ru-RU" dirty="0" smtClean="0"/>
-                        <a:t>Нет</a:t>
-                      </a:r>
-                      <a:endParaRPr lang="ru-RU" dirty="0"/>
-                    </a:p>
-                  </a:txBody>
-                  <a:tcPr/>
-                </a:tc>
-                <a:tc>
-                  <a:txBody>
-                    <a:bodyPr/>
-                    <a:lstStyle/>
-                    <a:p>
-                      <a:pPr algn="ctr"/>
-                      <a:r>
-                        <a:rPr lang="ru-RU" dirty="0" smtClean="0"/>
-                        <a:t>Да</a:t>
-                      </a:r>
-                      <a:endParaRPr lang="ru-RU" dirty="0"/>
-                    </a:p>
-                  </a:txBody>
-                  <a:tcPr/>
-                </a:tc>
-                <a:tc>
-                  <a:txBody>
-                    <a:bodyPr/>
-                    <a:lstStyle/>
-                    <a:p>
-                      <a:pPr algn="ctr"/>
-                      <a:r>
-                        <a:rPr lang="ru-RU" dirty="0" smtClean="0"/>
-                        <a:t>Да</a:t>
-                      </a:r>
-                      <a:endParaRPr lang="ru-RU" dirty="0"/>
-                    </a:p>
-                  </a:txBody>
-                  <a:tcPr/>
-                </a:tc>
-                <a:tc>
-                  <a:txBody>
-                    <a:bodyPr/>
-                    <a:lstStyle/>
-                    <a:p>
-                      <a:pPr algn="ctr"/>
-                      <a:r>
-                        <a:rPr lang="ru-RU" dirty="0" smtClean="0"/>
-                        <a:t>Нет</a:t>
-                      </a:r>
-                      <a:endParaRPr lang="ru-RU" dirty="0"/>
-                    </a:p>
-                  </a:txBody>
-                  <a:tcPr/>
-                </a:tc>
-              </a:tr>
-              <a:tr h="706778">
-                <a:tc>
-                  <a:txBody>
-                    <a:bodyPr/>
-                    <a:lstStyle/>
-                    <a:p>
-                      <a:pPr algn="ctr">
-                        <a:lnSpc>
-                          <a:spcPct val="107000"/>
-                        </a:lnSpc>
-                        <a:spcAft>
-                          <a:spcPts val="800"/>
-                        </a:spcAft>
-                      </a:pPr>
-                      <a:r>
-                        <a:rPr lang="en-US" sz="1800" b="0" dirty="0" err="1" smtClean="0">
-                          <a:latin typeface="+mn-lt"/>
-                          <a:ea typeface="Calibri"/>
-                          <a:cs typeface="Times New Roman"/>
-                        </a:rPr>
-                        <a:t>WebSoft</a:t>
-                      </a:r>
-                      <a:r>
-                        <a:rPr lang="en-US" sz="1800" b="0" dirty="0" smtClean="0">
-                          <a:latin typeface="+mn-lt"/>
-                          <a:ea typeface="Calibri"/>
-                          <a:cs typeface="Times New Roman"/>
-                        </a:rPr>
-                        <a:t> </a:t>
-                      </a:r>
-                      <a:r>
-                        <a:rPr lang="en-US" sz="1800" b="0" dirty="0" err="1">
-                          <a:latin typeface="+mn-lt"/>
-                          <a:ea typeface="Calibri"/>
-                          <a:cs typeface="Times New Roman"/>
-                        </a:rPr>
-                        <a:t>CourseLab</a:t>
-                      </a:r>
-                      <a:endParaRPr lang="ru-RU" sz="1800" b="0" dirty="0">
-                        <a:latin typeface="+mn-lt"/>
-                        <a:ea typeface="Calibri"/>
-                        <a:cs typeface="Times New Roman"/>
-                      </a:endParaRPr>
-                    </a:p>
-                  </a:txBody>
-                  <a:tcPr marL="68580" marR="68580" marT="0" marB="0"/>
-                </a:tc>
-                <a:tc>
-                  <a:txBody>
-                    <a:bodyPr/>
-                    <a:lstStyle/>
-                    <a:p>
-                      <a:pPr algn="ctr">
-                        <a:lnSpc>
-                          <a:spcPct val="107000"/>
-                        </a:lnSpc>
-                        <a:spcAft>
-                          <a:spcPts val="800"/>
-                        </a:spcAft>
-                      </a:pPr>
-                      <a:r>
-                        <a:rPr lang="ru-RU" sz="1800" b="0" dirty="0">
-                          <a:latin typeface="+mn-lt"/>
-                          <a:ea typeface="Calibri"/>
-                          <a:cs typeface="Times New Roman"/>
-                        </a:rPr>
-                        <a:t>Нет.</a:t>
-                      </a:r>
-                    </a:p>
-                    <a:p>
-                      <a:pPr algn="ctr">
-                        <a:lnSpc>
-                          <a:spcPct val="107000"/>
-                        </a:lnSpc>
-                        <a:spcAft>
-                          <a:spcPts val="800"/>
-                        </a:spcAft>
-                      </a:pPr>
-                      <a:r>
-                        <a:rPr lang="ru-RU" sz="1800" b="0" dirty="0">
-                          <a:latin typeface="+mn-lt"/>
-                          <a:ea typeface="Calibri"/>
-                          <a:cs typeface="Times New Roman"/>
-                        </a:rPr>
-                        <a:t>Только </a:t>
-                      </a:r>
-                      <a:r>
-                        <a:rPr lang="en-US" sz="1800" b="0" dirty="0">
-                          <a:latin typeface="+mn-lt"/>
-                          <a:ea typeface="Calibri"/>
-                          <a:cs typeface="Times New Roman"/>
-                        </a:rPr>
-                        <a:t>web </a:t>
-                      </a:r>
-                      <a:r>
-                        <a:rPr lang="ru-RU" sz="1800" b="0" dirty="0">
-                          <a:latin typeface="+mn-lt"/>
-                          <a:ea typeface="Calibri"/>
-                          <a:cs typeface="Times New Roman"/>
-                        </a:rPr>
-                        <a:t>интерфейс</a:t>
-                      </a:r>
-                    </a:p>
-                  </a:txBody>
-                  <a:tcPr marL="68580" marR="68580" marT="0" marB="0"/>
-                </a:tc>
-                <a:tc>
-                  <a:txBody>
-                    <a:bodyPr/>
-                    <a:lstStyle/>
-                    <a:p>
-                      <a:pPr algn="ctr">
-                        <a:lnSpc>
-                          <a:spcPct val="107000"/>
-                        </a:lnSpc>
-                        <a:spcAft>
-                          <a:spcPts val="800"/>
-                        </a:spcAft>
-                      </a:pPr>
-                      <a:r>
-                        <a:rPr lang="ru-RU" sz="1800" b="0" dirty="0">
-                          <a:latin typeface="+mn-lt"/>
-                          <a:ea typeface="Calibri"/>
-                          <a:cs typeface="Times New Roman"/>
-                        </a:rPr>
-                        <a:t>Да</a:t>
-                      </a:r>
-                    </a:p>
-                  </a:txBody>
-                  <a:tcPr marL="68580" marR="68580" marT="0" marB="0"/>
-                </a:tc>
-                <a:tc>
-                  <a:txBody>
-                    <a:bodyPr/>
-                    <a:lstStyle/>
-                    <a:p>
-                      <a:pPr algn="ctr">
-                        <a:lnSpc>
-                          <a:spcPct val="115000"/>
-                        </a:lnSpc>
-                        <a:spcAft>
-                          <a:spcPts val="1000"/>
-                        </a:spcAft>
-                      </a:pPr>
-                      <a:r>
-                        <a:rPr lang="ru-RU" sz="1800" b="0">
-                          <a:latin typeface="+mn-lt"/>
-                          <a:ea typeface="Calibri"/>
-                          <a:cs typeface="Times New Roman"/>
-                        </a:rPr>
-                        <a:t>Да</a:t>
-                      </a:r>
-                    </a:p>
-                  </a:txBody>
-                  <a:tcPr marL="68580" marR="68580" marT="0" marB="0"/>
-                </a:tc>
-                <a:tc>
-                  <a:txBody>
-                    <a:bodyPr/>
-                    <a:lstStyle/>
-                    <a:p>
-                      <a:pPr algn="ctr">
-                        <a:lnSpc>
-                          <a:spcPct val="115000"/>
-                        </a:lnSpc>
-                        <a:spcAft>
-                          <a:spcPts val="1000"/>
-                        </a:spcAft>
-                      </a:pPr>
-                      <a:r>
-                        <a:rPr lang="ru-RU" sz="1800" b="0" dirty="0">
-                          <a:latin typeface="+mn-lt"/>
-                          <a:ea typeface="Calibri"/>
-                          <a:cs typeface="Times New Roman"/>
-                        </a:rPr>
-                        <a:t>Нет</a:t>
-                      </a:r>
-                    </a:p>
-                  </a:txBody>
-                  <a:tcPr marL="68580" marR="68580" marT="0" marB="0"/>
-                </a:tc>
-              </a:tr>
-              <a:tr h="706778">
-                <a:tc>
-                  <a:txBody>
-                    <a:bodyPr/>
-                    <a:lstStyle/>
-                    <a:p>
-                      <a:pPr algn="ctr">
-                        <a:lnSpc>
-                          <a:spcPct val="107000"/>
-                        </a:lnSpc>
-                        <a:spcAft>
-                          <a:spcPts val="800"/>
-                        </a:spcAft>
-                      </a:pPr>
-                      <a:r>
-                        <a:rPr lang="en-US" sz="1800" b="0" dirty="0">
-                          <a:latin typeface="Calibri" pitchFamily="34" charset="0"/>
-                          <a:ea typeface="Calibri"/>
-                          <a:cs typeface="Calibri" pitchFamily="34" charset="0"/>
-                        </a:rPr>
-                        <a:t>LIT Test</a:t>
-                      </a:r>
-                      <a:endParaRPr lang="ru-RU" sz="1800" b="0" dirty="0">
-                        <a:latin typeface="Calibri" pitchFamily="34" charset="0"/>
-                        <a:ea typeface="Calibri"/>
-                        <a:cs typeface="Calibri" pitchFamily="34" charset="0"/>
-                      </a:endParaRPr>
-                    </a:p>
-                    <a:p>
-                      <a:pPr algn="ctr">
-                        <a:lnSpc>
-                          <a:spcPct val="107000"/>
-                        </a:lnSpc>
-                        <a:spcAft>
-                          <a:spcPts val="800"/>
-                        </a:spcAft>
-                      </a:pPr>
-                      <a:r>
-                        <a:rPr lang="en-US" sz="1800" b="0" dirty="0">
-                          <a:latin typeface="Calibri" pitchFamily="34" charset="0"/>
-                          <a:ea typeface="Calibri"/>
-                          <a:cs typeface="Calibri" pitchFamily="34" charset="0"/>
-                        </a:rPr>
-                        <a:t>(</a:t>
-                      </a:r>
-                      <a:r>
-                        <a:rPr lang="ru-RU" sz="1800" b="0" dirty="0" err="1">
-                          <a:latin typeface="Calibri" pitchFamily="34" charset="0"/>
-                          <a:ea typeface="Calibri"/>
-                          <a:cs typeface="Calibri" pitchFamily="34" charset="0"/>
-                        </a:rPr>
-                        <a:t>Зайдель</a:t>
-                      </a:r>
-                      <a:r>
-                        <a:rPr lang="en-US" sz="1800" b="0" dirty="0">
-                          <a:latin typeface="Calibri" pitchFamily="34" charset="0"/>
-                          <a:ea typeface="Calibri"/>
-                          <a:cs typeface="Calibri" pitchFamily="34" charset="0"/>
-                        </a:rPr>
-                        <a:t>)</a:t>
-                      </a:r>
-                      <a:endParaRPr lang="ru-RU" sz="1800" b="0" dirty="0">
-                        <a:latin typeface="Calibri" pitchFamily="34" charset="0"/>
-                        <a:ea typeface="Calibri"/>
-                        <a:cs typeface="Calibri" pitchFamily="34" charset="0"/>
-                      </a:endParaRPr>
-                    </a:p>
-                  </a:txBody>
-                  <a:tcPr marL="68580" marR="68580" marT="0" marB="0"/>
-                </a:tc>
-                <a:tc>
-                  <a:txBody>
-                    <a:bodyPr/>
-                    <a:lstStyle/>
-                    <a:p>
-                      <a:pPr algn="ctr">
-                        <a:lnSpc>
-                          <a:spcPct val="107000"/>
-                        </a:lnSpc>
-                        <a:spcAft>
-                          <a:spcPts val="800"/>
-                        </a:spcAft>
-                      </a:pPr>
-                      <a:r>
-                        <a:rPr lang="ru-RU" sz="1800" b="0" dirty="0">
-                          <a:latin typeface="Calibri" pitchFamily="34" charset="0"/>
-                          <a:ea typeface="Calibri"/>
-                          <a:cs typeface="Calibri" pitchFamily="34" charset="0"/>
-                        </a:rPr>
-                        <a:t>Да(</a:t>
-                      </a:r>
-                      <a:r>
-                        <a:rPr lang="en-US" sz="1800" b="0" dirty="0">
-                          <a:latin typeface="Calibri" pitchFamily="34" charset="0"/>
-                          <a:ea typeface="Calibri"/>
-                          <a:cs typeface="Calibri" pitchFamily="34" charset="0"/>
-                        </a:rPr>
-                        <a:t>Android</a:t>
-                      </a:r>
-                      <a:r>
-                        <a:rPr lang="ru-RU" sz="1800" b="0" dirty="0">
-                          <a:latin typeface="Calibri" pitchFamily="34" charset="0"/>
-                          <a:ea typeface="Calibri"/>
-                          <a:cs typeface="Calibri" pitchFamily="34" charset="0"/>
-                        </a:rPr>
-                        <a:t>)</a:t>
-                      </a:r>
-                    </a:p>
-                  </a:txBody>
-                  <a:tcPr marL="68580" marR="68580" marT="0" marB="0"/>
-                </a:tc>
-                <a:tc>
-                  <a:txBody>
-                    <a:bodyPr/>
-                    <a:lstStyle/>
-                    <a:p>
-                      <a:pPr algn="ctr">
-                        <a:lnSpc>
-                          <a:spcPct val="107000"/>
-                        </a:lnSpc>
-                        <a:spcAft>
-                          <a:spcPts val="800"/>
-                        </a:spcAft>
-                      </a:pPr>
-                      <a:r>
-                        <a:rPr lang="ru-RU" sz="1800" b="0" dirty="0">
-                          <a:latin typeface="Calibri" pitchFamily="34" charset="0"/>
-                          <a:ea typeface="Calibri"/>
-                          <a:cs typeface="Calibri" pitchFamily="34" charset="0"/>
-                        </a:rPr>
-                        <a:t>Нет</a:t>
-                      </a:r>
-                    </a:p>
-                  </a:txBody>
-                  <a:tcPr marL="68580" marR="68580" marT="0" marB="0"/>
-                </a:tc>
-                <a:tc>
-                  <a:txBody>
-                    <a:bodyPr/>
-                    <a:lstStyle/>
-                    <a:p>
-                      <a:pPr algn="ctr">
-                        <a:lnSpc>
-                          <a:spcPct val="115000"/>
-                        </a:lnSpc>
-                        <a:spcAft>
-                          <a:spcPts val="1000"/>
-                        </a:spcAft>
-                      </a:pPr>
-                      <a:r>
-                        <a:rPr lang="ru-RU" sz="1800" b="0" dirty="0">
-                          <a:latin typeface="Calibri" pitchFamily="34" charset="0"/>
-                          <a:ea typeface="Calibri"/>
-                          <a:cs typeface="Calibri" pitchFamily="34" charset="0"/>
-                        </a:rPr>
-                        <a:t>Нет</a:t>
-                      </a:r>
-                    </a:p>
-                  </a:txBody>
-                  <a:tcPr marL="68580" marR="68580" marT="0" marB="0"/>
-                </a:tc>
-                <a:tc>
-                  <a:txBody>
-                    <a:bodyPr/>
-                    <a:lstStyle/>
-                    <a:p>
-                      <a:pPr algn="ctr">
-                        <a:lnSpc>
-                          <a:spcPct val="115000"/>
-                        </a:lnSpc>
-                        <a:spcAft>
-                          <a:spcPts val="1000"/>
-                        </a:spcAft>
-                      </a:pPr>
-                      <a:r>
-                        <a:rPr lang="ru-RU" sz="1800" b="0" dirty="0">
-                          <a:latin typeface="Calibri" pitchFamily="34" charset="0"/>
-                          <a:ea typeface="Calibri"/>
-                          <a:cs typeface="Calibri" pitchFamily="34" charset="0"/>
-                        </a:rPr>
-                        <a:t>Да</a:t>
-                      </a:r>
-                    </a:p>
-                  </a:txBody>
-                  <a:tcPr marL="68580" marR="68580" marT="0" marB="0"/>
-                </a:tc>
-              </a:tr>
-              <a:tr h="706778">
-                <a:tc>
-                  <a:txBody>
-                    <a:bodyPr/>
-                    <a:lstStyle/>
-                    <a:p>
-                      <a:pPr algn="ctr"/>
-                      <a:r>
-                        <a:rPr lang="ru-RU" dirty="0" smtClean="0"/>
-                        <a:t>Наш проект</a:t>
-                      </a:r>
-                      <a:endParaRPr lang="ru-RU" dirty="0"/>
-                    </a:p>
-                  </a:txBody>
-                  <a:tcPr/>
-                </a:tc>
-                <a:tc>
-                  <a:txBody>
-                    <a:bodyPr/>
-                    <a:lstStyle/>
-                    <a:p>
-                      <a:pPr algn="ctr"/>
-                      <a:r>
-                        <a:rPr lang="ru-RU" dirty="0" smtClean="0"/>
-                        <a:t>Да(</a:t>
-                      </a:r>
-                      <a:r>
-                        <a:rPr lang="en-US" dirty="0" smtClean="0"/>
-                        <a:t>Android</a:t>
-                      </a:r>
-                      <a:r>
-                        <a:rPr lang="ru-RU" dirty="0" smtClean="0"/>
-                        <a:t>)</a:t>
-                      </a:r>
-                      <a:endParaRPr lang="ru-RU" dirty="0"/>
-                    </a:p>
-                  </a:txBody>
-                  <a:tcPr/>
-                </a:tc>
-                <a:tc>
-                  <a:txBody>
-                    <a:bodyPr/>
-                    <a:lstStyle/>
-                    <a:p>
-                      <a:pPr algn="ctr"/>
-                      <a:r>
-                        <a:rPr lang="ru-RU" dirty="0" smtClean="0"/>
-                        <a:t>Да</a:t>
-                      </a:r>
-                      <a:endParaRPr lang="ru-RU" dirty="0"/>
-                    </a:p>
-                  </a:txBody>
-                  <a:tcPr/>
-                </a:tc>
-                <a:tc>
-                  <a:txBody>
-                    <a:bodyPr/>
-                    <a:lstStyle/>
-                    <a:p>
-                      <a:pPr algn="ctr"/>
-                      <a:r>
-                        <a:rPr lang="ru-RU" dirty="0" smtClean="0"/>
-                        <a:t>Да</a:t>
-                      </a:r>
-                      <a:endParaRPr lang="ru-RU" dirty="0"/>
-                    </a:p>
-                  </a:txBody>
-                  <a:tcPr/>
-                </a:tc>
-                <a:tc>
-                  <a:txBody>
-                    <a:bodyPr/>
-                    <a:lstStyle/>
-                    <a:p>
-                      <a:pPr algn="ctr"/>
-                      <a:r>
-                        <a:rPr lang="ru-RU" dirty="0" smtClean="0"/>
-                        <a:t>Нет</a:t>
-                      </a:r>
-                      <a:endParaRPr lang="ru-RU" dirty="0"/>
-                    </a:p>
-                  </a:txBody>
-                  <a:tcPr/>
-                </a:tc>
-              </a:tr>
-            </a:tbl>
-          </a:graphicData>
-        </a:graphic>
-      </p:graphicFrame>
+      <p:sp>
+        <p:nvSpPr>
+          <p:cNvPr id="53" name="Прямоугольник 52"/>
+          <p:cNvSpPr/>
+          <p:nvPr/>
+        </p:nvSpPr>
+        <p:spPr>
+          <a:xfrm>
+            <a:off x="683568" y="3933056"/>
+            <a:ext cx="1440160" cy="720080"/>
+          </a:xfrm>
+          <a:prstGeom prst="rect">
+            <a:avLst/>
+          </a:prstGeom>
+        </p:spPr>
+        <p:style>
+          <a:lnRef idx="2">
+            <a:schemeClr val="accent1">
+              <a:shade val="50000"/>
+            </a:schemeClr>
+          </a:lnRef>
+          <a:fillRef idx="1">
+            <a:schemeClr val="accent1"/>
+          </a:fillRef>
+          <a:effectRef idx="0">
+            <a:schemeClr val="accent1"/>
+          </a:effectRef>
+          <a:fontRef idx="minor">
+            <a:schemeClr val="lt1"/>
+          </a:fontRef>
+        </p:style>
+        <p:txBody>
+          <a:bodyPr rtlCol="0" anchor="ctr"/>
+          <a:lstStyle/>
+          <a:p>
+            <a:pPr algn="ctr"/>
+            <a:r>
+              <a:rPr lang="ru-RU" dirty="0" smtClean="0"/>
+              <a:t>База данных</a:t>
+            </a:r>
+            <a:endParaRPr lang="ru-RU" dirty="0"/>
+          </a:p>
+        </p:txBody>
+      </p:sp>
+      <p:cxnSp>
+        <p:nvCxnSpPr>
+          <p:cNvPr id="55" name="Прямая со стрелкой 54"/>
+          <p:cNvCxnSpPr>
+            <a:stCxn id="52" idx="2"/>
+            <a:endCxn id="53" idx="0"/>
+          </p:cNvCxnSpPr>
+          <p:nvPr/>
+        </p:nvCxnSpPr>
+        <p:spPr>
+          <a:xfrm flipH="1">
+            <a:off x="1403648" y="3284984"/>
+            <a:ext cx="720000" cy="648072"/>
+          </a:xfrm>
+          <a:prstGeom prst="straightConnector1">
+            <a:avLst/>
+          </a:prstGeom>
+          <a:ln>
+            <a:tailEnd type="arrow"/>
+          </a:ln>
+        </p:spPr>
+        <p:style>
+          <a:lnRef idx="1">
+            <a:schemeClr val="accent1"/>
+          </a:lnRef>
+          <a:fillRef idx="0">
+            <a:schemeClr val="accent1"/>
+          </a:fillRef>
+          <a:effectRef idx="0">
+            <a:schemeClr val="accent1"/>
+          </a:effectRef>
+          <a:fontRef idx="minor">
+            <a:schemeClr val="tx1"/>
+          </a:fontRef>
+        </p:style>
+      </p:cxnSp>
+      <p:sp>
+        <p:nvSpPr>
+          <p:cNvPr id="59" name="Прямоугольник 58"/>
+          <p:cNvSpPr/>
+          <p:nvPr/>
+        </p:nvSpPr>
+        <p:spPr>
+          <a:xfrm>
+            <a:off x="2555776" y="3933056"/>
+            <a:ext cx="1440160" cy="720080"/>
+          </a:xfrm>
+          <a:prstGeom prst="rect">
+            <a:avLst/>
+          </a:prstGeom>
+        </p:spPr>
+        <p:style>
+          <a:lnRef idx="2">
+            <a:schemeClr val="accent1">
+              <a:shade val="50000"/>
+            </a:schemeClr>
+          </a:lnRef>
+          <a:fillRef idx="1">
+            <a:schemeClr val="accent1"/>
+          </a:fillRef>
+          <a:effectRef idx="0">
+            <a:schemeClr val="accent1"/>
+          </a:effectRef>
+          <a:fontRef idx="minor">
+            <a:schemeClr val="lt1"/>
+          </a:fontRef>
+        </p:style>
+        <p:txBody>
+          <a:bodyPr rtlCol="0" anchor="ctr"/>
+          <a:lstStyle/>
+          <a:p>
+            <a:pPr algn="ctr"/>
+            <a:r>
+              <a:rPr lang="ru-RU" dirty="0" smtClean="0"/>
+              <a:t>Серверная часть сайта</a:t>
+            </a:r>
+            <a:endParaRPr lang="ru-RU" dirty="0"/>
+          </a:p>
+        </p:txBody>
+      </p:sp>
+      <p:cxnSp>
+        <p:nvCxnSpPr>
+          <p:cNvPr id="61" name="Прямая со стрелкой 60"/>
+          <p:cNvCxnSpPr>
+            <a:stCxn id="52" idx="2"/>
+            <a:endCxn id="59" idx="0"/>
+          </p:cNvCxnSpPr>
+          <p:nvPr/>
+        </p:nvCxnSpPr>
+        <p:spPr>
+          <a:xfrm>
+            <a:off x="2123728" y="3284984"/>
+            <a:ext cx="1152128" cy="648072"/>
+          </a:xfrm>
+          <a:prstGeom prst="straightConnector1">
+            <a:avLst/>
+          </a:prstGeom>
+          <a:ln>
+            <a:tailEnd type="arrow"/>
+          </a:ln>
+        </p:spPr>
+        <p:style>
+          <a:lnRef idx="1">
+            <a:schemeClr val="accent1"/>
+          </a:lnRef>
+          <a:fillRef idx="0">
+            <a:schemeClr val="accent1"/>
+          </a:fillRef>
+          <a:effectRef idx="0">
+            <a:schemeClr val="accent1"/>
+          </a:effectRef>
+          <a:fontRef idx="minor">
+            <a:schemeClr val="tx1"/>
+          </a:fontRef>
+        </p:style>
+      </p:cxnSp>
+      <p:sp>
+        <p:nvSpPr>
+          <p:cNvPr id="64" name="Прямоугольник 63"/>
+          <p:cNvSpPr/>
+          <p:nvPr/>
+        </p:nvSpPr>
+        <p:spPr>
+          <a:xfrm>
+            <a:off x="3851920" y="2060848"/>
+            <a:ext cx="1728192" cy="1224136"/>
+          </a:xfrm>
+          <a:prstGeom prst="rect">
+            <a:avLst/>
+          </a:prstGeom>
+        </p:spPr>
+        <p:style>
+          <a:lnRef idx="2">
+            <a:schemeClr val="accent1">
+              <a:shade val="50000"/>
+            </a:schemeClr>
+          </a:lnRef>
+          <a:fillRef idx="1">
+            <a:schemeClr val="accent1"/>
+          </a:fillRef>
+          <a:effectRef idx="0">
+            <a:schemeClr val="accent1"/>
+          </a:effectRef>
+          <a:fontRef idx="minor">
+            <a:schemeClr val="lt1"/>
+          </a:fontRef>
+        </p:style>
+        <p:txBody>
+          <a:bodyPr rtlCol="0" anchor="ctr"/>
+          <a:lstStyle/>
+          <a:p>
+            <a:pPr algn="ctr"/>
+            <a:r>
+              <a:rPr lang="ru-RU" dirty="0" err="1" smtClean="0"/>
+              <a:t>Веб</a:t>
+            </a:r>
+            <a:r>
+              <a:rPr lang="ru-RU" dirty="0" smtClean="0"/>
+              <a:t> клиент</a:t>
+            </a:r>
+            <a:endParaRPr lang="ru-RU" dirty="0"/>
+          </a:p>
+        </p:txBody>
+      </p:sp>
+      <p:sp>
+        <p:nvSpPr>
+          <p:cNvPr id="65" name="Прямоугольник 64"/>
+          <p:cNvSpPr/>
+          <p:nvPr/>
+        </p:nvSpPr>
+        <p:spPr>
+          <a:xfrm>
+            <a:off x="6228184" y="2060848"/>
+            <a:ext cx="1728192" cy="1224136"/>
+          </a:xfrm>
+          <a:prstGeom prst="rect">
+            <a:avLst/>
+          </a:prstGeom>
+        </p:spPr>
+        <p:style>
+          <a:lnRef idx="2">
+            <a:schemeClr val="accent1">
+              <a:shade val="50000"/>
+            </a:schemeClr>
+          </a:lnRef>
+          <a:fillRef idx="1">
+            <a:schemeClr val="accent1"/>
+          </a:fillRef>
+          <a:effectRef idx="0">
+            <a:schemeClr val="accent1"/>
+          </a:effectRef>
+          <a:fontRef idx="minor">
+            <a:schemeClr val="lt1"/>
+          </a:fontRef>
+        </p:style>
+        <p:txBody>
+          <a:bodyPr rtlCol="0" anchor="ctr"/>
+          <a:lstStyle/>
+          <a:p>
+            <a:pPr algn="ctr"/>
+            <a:r>
+              <a:rPr lang="en-US" dirty="0" smtClean="0"/>
+              <a:t>Android </a:t>
+            </a:r>
+            <a:r>
+              <a:rPr lang="ru-RU" dirty="0" smtClean="0"/>
+              <a:t>клиент</a:t>
+            </a:r>
+            <a:endParaRPr lang="ru-RU" dirty="0"/>
+          </a:p>
+        </p:txBody>
+      </p:sp>
+      <p:sp>
+        <p:nvSpPr>
+          <p:cNvPr id="67" name="Прямоугольник 66"/>
+          <p:cNvSpPr/>
+          <p:nvPr/>
+        </p:nvSpPr>
+        <p:spPr>
+          <a:xfrm>
+            <a:off x="4211960" y="3933056"/>
+            <a:ext cx="1440160" cy="720080"/>
+          </a:xfrm>
+          <a:prstGeom prst="rect">
+            <a:avLst/>
+          </a:prstGeom>
+        </p:spPr>
+        <p:style>
+          <a:lnRef idx="2">
+            <a:schemeClr val="accent1">
+              <a:shade val="50000"/>
+            </a:schemeClr>
+          </a:lnRef>
+          <a:fillRef idx="1">
+            <a:schemeClr val="accent1"/>
+          </a:fillRef>
+          <a:effectRef idx="0">
+            <a:schemeClr val="accent1"/>
+          </a:effectRef>
+          <a:fontRef idx="minor">
+            <a:schemeClr val="lt1"/>
+          </a:fontRef>
+        </p:style>
+        <p:txBody>
+          <a:bodyPr rtlCol="0" anchor="ctr"/>
+          <a:lstStyle/>
+          <a:p>
+            <a:pPr algn="ctr"/>
+            <a:r>
+              <a:rPr lang="ru-RU" dirty="0" smtClean="0"/>
+              <a:t>Клиентская часть сайта</a:t>
+            </a:r>
+            <a:endParaRPr lang="ru-RU" dirty="0"/>
+          </a:p>
+        </p:txBody>
+      </p:sp>
+      <p:cxnSp>
+        <p:nvCxnSpPr>
+          <p:cNvPr id="69" name="Прямая со стрелкой 68"/>
+          <p:cNvCxnSpPr>
+            <a:stCxn id="64" idx="2"/>
+            <a:endCxn id="67" idx="0"/>
+          </p:cNvCxnSpPr>
+          <p:nvPr/>
+        </p:nvCxnSpPr>
+        <p:spPr>
+          <a:xfrm>
+            <a:off x="4716016" y="3284984"/>
+            <a:ext cx="216024" cy="648072"/>
+          </a:xfrm>
+          <a:prstGeom prst="straightConnector1">
+            <a:avLst/>
+          </a:prstGeom>
+          <a:ln>
+            <a:tailEnd type="arrow"/>
+          </a:ln>
+        </p:spPr>
+        <p:style>
+          <a:lnRef idx="1">
+            <a:schemeClr val="accent1"/>
+          </a:lnRef>
+          <a:fillRef idx="0">
+            <a:schemeClr val="accent1"/>
+          </a:fillRef>
+          <a:effectRef idx="0">
+            <a:schemeClr val="accent1"/>
+          </a:effectRef>
+          <a:fontRef idx="minor">
+            <a:schemeClr val="tx1"/>
+          </a:fontRef>
+        </p:style>
+      </p:cxnSp>
+      <p:sp>
+        <p:nvSpPr>
+          <p:cNvPr id="71" name="Прямоугольник 70"/>
+          <p:cNvSpPr/>
+          <p:nvPr/>
+        </p:nvSpPr>
+        <p:spPr>
+          <a:xfrm>
+            <a:off x="6444208" y="3933056"/>
+            <a:ext cx="1440160" cy="720080"/>
+          </a:xfrm>
+          <a:prstGeom prst="rect">
+            <a:avLst/>
+          </a:prstGeom>
+        </p:spPr>
+        <p:style>
+          <a:lnRef idx="2">
+            <a:schemeClr val="accent1">
+              <a:shade val="50000"/>
+            </a:schemeClr>
+          </a:lnRef>
+          <a:fillRef idx="1">
+            <a:schemeClr val="accent1"/>
+          </a:fillRef>
+          <a:effectRef idx="0">
+            <a:schemeClr val="accent1"/>
+          </a:effectRef>
+          <a:fontRef idx="minor">
+            <a:schemeClr val="lt1"/>
+          </a:fontRef>
+        </p:style>
+        <p:txBody>
+          <a:bodyPr rtlCol="0" anchor="ctr"/>
+          <a:lstStyle/>
+          <a:p>
+            <a:pPr algn="ctr"/>
+            <a:r>
+              <a:rPr lang="ru-RU" dirty="0" smtClean="0"/>
+              <a:t>Мобильное приложение</a:t>
+            </a:r>
+            <a:endParaRPr lang="ru-RU" dirty="0"/>
+          </a:p>
+        </p:txBody>
+      </p:sp>
+      <p:cxnSp>
+        <p:nvCxnSpPr>
+          <p:cNvPr id="73" name="Прямая со стрелкой 72"/>
+          <p:cNvCxnSpPr>
+            <a:stCxn id="65" idx="2"/>
+            <a:endCxn id="71" idx="0"/>
+          </p:cNvCxnSpPr>
+          <p:nvPr/>
+        </p:nvCxnSpPr>
+        <p:spPr>
+          <a:xfrm>
+            <a:off x="7092280" y="3284984"/>
+            <a:ext cx="72008" cy="648072"/>
+          </a:xfrm>
+          <a:prstGeom prst="straightConnector1">
+            <a:avLst/>
+          </a:prstGeom>
+          <a:ln>
+            <a:tailEnd type="arrow"/>
+          </a:ln>
+        </p:spPr>
+        <p:style>
+          <a:lnRef idx="1">
+            <a:schemeClr val="accent1"/>
+          </a:lnRef>
+          <a:fillRef idx="0">
+            <a:schemeClr val="accent1"/>
+          </a:fillRef>
+          <a:effectRef idx="0">
+            <a:schemeClr val="accent1"/>
+          </a:effectRef>
+          <a:fontRef idx="minor">
+            <a:schemeClr val="tx1"/>
+          </a:fontRef>
+        </p:style>
+      </p:cxnSp>
     </p:spTree>
   </p:cSld>
   <p:clrMapOvr>
@@ -5922,7 +5499,7 @@
           <a:p>
             <a:r>
               <a:rPr lang="ru-RU" dirty="0" smtClean="0"/>
-              <a:t>Архитектура проекта</a:t>
+              <a:t>Функции сервера</a:t>
             </a:r>
             <a:endParaRPr lang="ru-RU" dirty="0"/>
           </a:p>
@@ -5949,16 +5526,16 @@
       </p:sp>
       <p:sp>
         <p:nvSpPr>
-          <p:cNvPr id="52" name="Прямоугольник 51"/>
+          <p:cNvPr id="4" name="Блок-схема: процесс 3"/>
           <p:cNvSpPr/>
           <p:nvPr/>
         </p:nvSpPr>
         <p:spPr>
           <a:xfrm>
-            <a:off x="1259632" y="2060848"/>
-            <a:ext cx="1728192" cy="1224136"/>
-          </a:xfrm>
-          <a:prstGeom prst="rect">
+            <a:off x="3635896" y="3140968"/>
+            <a:ext cx="1656184" cy="864096"/>
+          </a:xfrm>
+          <a:prstGeom prst="flowChartProcess">
             <a:avLst/>
           </a:prstGeom>
         </p:spPr>
@@ -5985,7 +5562,7 @@
             <a:pPr algn="ctr"/>
             <a:r>
               <a:rPr lang="ru-RU" dirty="0" smtClean="0"/>
-              <a:t>Сервер</a:t>
+              <a:t>Раздача тестов по сети</a:t>
             </a:r>
             <a:endParaRPr lang="ru-RU" dirty="0"/>
           </a:p>
@@ -5993,16 +5570,16 @@
       </p:sp>
       <p:sp>
         <p:nvSpPr>
-          <p:cNvPr id="53" name="Прямоугольник 52"/>
+          <p:cNvPr id="6" name="Блок-схема: процесс 5"/>
           <p:cNvSpPr/>
           <p:nvPr/>
         </p:nvSpPr>
         <p:spPr>
           <a:xfrm>
-            <a:off x="683568" y="3933056"/>
-            <a:ext cx="1440160" cy="720080"/>
-          </a:xfrm>
-          <a:prstGeom prst="rect">
+            <a:off x="3203848" y="1556792"/>
+            <a:ext cx="2448272" cy="1224136"/>
+          </a:xfrm>
+          <a:prstGeom prst="flowChartProcess">
             <a:avLst/>
           </a:prstGeom>
         </p:spPr>
@@ -6029,7 +5606,7 @@
             <a:pPr algn="ctr"/>
             <a:r>
               <a:rPr lang="ru-RU" dirty="0" smtClean="0"/>
-              <a:t>База данных</a:t>
+              <a:t>Хранение информации о тестах и пользователях в базе данных</a:t>
             </a:r>
             <a:endParaRPr lang="ru-RU" dirty="0"/>
           </a:p>
@@ -6037,17 +5614,17 @@
       </p:sp>
       <p:cxnSp>
         <p:nvCxnSpPr>
-          <p:cNvPr id="55" name="Прямая со стрелкой 54"/>
+          <p:cNvPr id="22" name="Прямая со стрелкой 21"/>
           <p:cNvCxnSpPr>
-            <a:stCxn id="52" idx="2"/>
-            <a:endCxn id="53" idx="0"/>
+            <a:stCxn id="6" idx="2"/>
+            <a:endCxn id="4" idx="0"/>
           </p:cNvCxnSpPr>
           <p:nvPr/>
         </p:nvCxnSpPr>
         <p:spPr>
-          <a:xfrm flipH="1">
-            <a:off x="1403648" y="3284984"/>
-            <a:ext cx="720080" cy="648072"/>
+          <a:xfrm>
+            <a:off x="4427984" y="2780928"/>
+            <a:ext cx="36004" cy="360040"/>
           </a:xfrm>
           <a:prstGeom prst="straightConnector1">
             <a:avLst/>
@@ -6073,16 +5650,16 @@
       </p:cxnSp>
       <p:sp>
         <p:nvSpPr>
-          <p:cNvPr id="59" name="Прямоугольник 58"/>
+          <p:cNvPr id="29" name="Блок-схема: процесс 28"/>
           <p:cNvSpPr/>
           <p:nvPr/>
         </p:nvSpPr>
         <p:spPr>
           <a:xfrm>
-            <a:off x="2555776" y="3933056"/>
-            <a:ext cx="1440160" cy="720080"/>
-          </a:xfrm>
-          <a:prstGeom prst="rect">
+            <a:off x="3491880" y="4365104"/>
+            <a:ext cx="2016224" cy="648072"/>
+          </a:xfrm>
+          <a:prstGeom prst="flowChartProcess">
             <a:avLst/>
           </a:prstGeom>
         </p:spPr>
@@ -6109,7 +5686,7 @@
             <a:pPr algn="ctr"/>
             <a:r>
               <a:rPr lang="ru-RU" dirty="0" smtClean="0"/>
-              <a:t>Серверная часть сайта</a:t>
+              <a:t>Обработка запросов</a:t>
             </a:r>
             <a:endParaRPr lang="ru-RU" dirty="0"/>
           </a:p>
@@ -6117,17 +5694,17 @@
       </p:sp>
       <p:cxnSp>
         <p:nvCxnSpPr>
-          <p:cNvPr id="61" name="Прямая со стрелкой 60"/>
+          <p:cNvPr id="31" name="Прямая со стрелкой 30"/>
           <p:cNvCxnSpPr>
-            <a:stCxn id="52" idx="2"/>
-            <a:endCxn id="59" idx="0"/>
+            <a:stCxn id="4" idx="2"/>
+            <a:endCxn id="29" idx="0"/>
           </p:cNvCxnSpPr>
           <p:nvPr/>
         </p:nvCxnSpPr>
         <p:spPr>
           <a:xfrm>
-            <a:off x="2123728" y="3284984"/>
-            <a:ext cx="1152128" cy="648072"/>
+            <a:off x="4463988" y="4005064"/>
+            <a:ext cx="36004" cy="360040"/>
           </a:xfrm>
           <a:prstGeom prst="straightConnector1">
             <a:avLst/>
@@ -6153,16 +5730,16 @@
       </p:cxnSp>
       <p:sp>
         <p:nvSpPr>
-          <p:cNvPr id="64" name="Прямоугольник 63"/>
+          <p:cNvPr id="34" name="Блок-схема: процесс 33"/>
           <p:cNvSpPr/>
           <p:nvPr/>
         </p:nvSpPr>
         <p:spPr>
           <a:xfrm>
-            <a:off x="3851920" y="2060848"/>
-            <a:ext cx="1728192" cy="1224136"/>
-          </a:xfrm>
-          <a:prstGeom prst="rect">
+            <a:off x="3635896" y="5373216"/>
+            <a:ext cx="1656184" cy="576064"/>
+          </a:xfrm>
+          <a:prstGeom prst="flowChartProcess">
             <a:avLst/>
           </a:prstGeom>
         </p:spPr>
@@ -6188,104 +5765,8 @@
           <a:p>
             <a:pPr algn="ctr"/>
             <a:r>
-              <a:rPr lang="ru-RU" dirty="0" err="1" smtClean="0"/>
-              <a:t>Веб</a:t>
-            </a:r>
-            <a:r>
               <a:rPr lang="ru-RU" dirty="0" smtClean="0"/>
-              <a:t> клиент</a:t>
-            </a:r>
-            <a:endParaRPr lang="ru-RU" dirty="0"/>
-          </a:p>
-        </p:txBody>
-      </p:sp>
-      <p:sp>
-        <p:nvSpPr>
-          <p:cNvPr id="65" name="Прямоугольник 64"/>
-          <p:cNvSpPr/>
-          <p:nvPr/>
-        </p:nvSpPr>
-        <p:spPr>
-          <a:xfrm>
-            <a:off x="6228184" y="2060848"/>
-            <a:ext cx="1728192" cy="1224136"/>
-          </a:xfrm>
-          <a:prstGeom prst="rect">
-            <a:avLst/>
-          </a:prstGeom>
-        </p:spPr>
-        <p:style>
-          <a:lnRef idx="2">
-            <a:schemeClr val="accent1">
-              <a:shade val="50000"/>
-            </a:schemeClr>
-          </a:lnRef>
-          <a:fillRef idx="1">
-            <a:schemeClr val="accent1"/>
-          </a:fillRef>
-          <a:effectRef idx="0">
-            <a:schemeClr val="accent1"/>
-          </a:effectRef>
-          <a:fontRef idx="minor">
-            <a:schemeClr val="lt1"/>
-          </a:fontRef>
-        </p:style>
-        <p:txBody>
-          <a:bodyPr rtlCol="0" anchor="ctr"/>
-          <a:lstStyle/>
-          <a:p>
-            <a:pPr algn="ctr"/>
-            <a:r>
-              <a:rPr lang="en-US" dirty="0" smtClean="0"/>
-              <a:t>Android </a:t>
-            </a:r>
-            <a:r>
-              <a:rPr lang="ru-RU" dirty="0" smtClean="0"/>
-              <a:t>клиент</a:t>
-            </a:r>
-            <a:endParaRPr lang="ru-RU" dirty="0"/>
-          </a:p>
-        </p:txBody>
-      </p:sp>
-      <p:sp>
-        <p:nvSpPr>
-          <p:cNvPr id="67" name="Прямоугольник 66"/>
-          <p:cNvSpPr/>
-          <p:nvPr/>
-        </p:nvSpPr>
-        <p:spPr>
-          <a:xfrm>
-            <a:off x="4211960" y="3933056"/>
-            <a:ext cx="1440160" cy="720080"/>
-          </a:xfrm>
-          <a:prstGeom prst="rect">
-            <a:avLst/>
-          </a:prstGeom>
-        </p:spPr>
-        <p:style>
-          <a:lnRef idx="2">
-            <a:schemeClr val="accent1">
-              <a:shade val="50000"/>
-            </a:schemeClr>
-          </a:lnRef>
-          <a:fillRef idx="1">
-            <a:schemeClr val="accent1"/>
-          </a:fillRef>
-          <a:effectRef idx="0">
-            <a:schemeClr val="accent1"/>
-          </a:effectRef>
-          <a:fontRef idx="minor">
-            <a:schemeClr val="lt1"/>
-          </a:fontRef>
-        </p:style>
-        <p:txBody>
-          <a:bodyPr rtlCol="0" anchor="ctr"/>
-          <a:lstStyle/>
-          <a:p>
-            <a:pPr algn="ctr"/>
-            <a:r>
-              <a:rPr lang="ru-RU" dirty="0" smtClean="0"/>
-              <a:t>Клиентская часть сайта</a:t>
+              <a:t>Занесение данных в БД</a:t>
             </a:r>
             <a:endParaRPr lang="ru-RU" dirty="0"/>
           </a:p>
@@ -6293,97 +5774,17 @@
       </p:sp>
       <p:cxnSp>
         <p:nvCxnSpPr>
-          <p:cNvPr id="69" name="Прямая со стрелкой 68"/>
+          <p:cNvPr id="39" name="Прямая со стрелкой 38"/>
           <p:cNvCxnSpPr>
-            <a:stCxn id="64" idx="2"/>
-            <a:endCxn id="67" idx="0"/>
+            <a:stCxn id="29" idx="2"/>
+            <a:endCxn id="34" idx="0"/>
           </p:cNvCxnSpPr>
           <p:nvPr/>
         </p:nvCxnSpPr>
         <p:spPr>
-          <a:xfrm>
-            <a:off x="4716016" y="3284984"/>
-            <a:ext cx="216024" cy="648072"/>
-          </a:xfrm>
-          <a:prstGeom prst="straightConnector1">
-            <a:avLst/>
-          </a:prstGeom>
-          <a:ln>
-            <a:tailEnd type="arrow"/>
-          </a:ln>
-        </p:spPr>
-        <p:style>
-          <a:lnRef idx="1">
-            <a:schemeClr val="accent1"/>
-          </a:lnRef>
-          <a:fillRef idx="0">
-            <a:schemeClr val="accent1"/>
-          </a:fillRef>
-          <a:effectRef idx="0">
-            <a:schemeClr val="accent1"/>
-          </a:effectRef>
-          <a:fontRef idx="minor">
-            <a:schemeClr val="tx1"/>
-          </a:fontRef>
-        </p:style>
-      </p:cxnSp>
-      <p:sp>
-        <p:nvSpPr>
-          <p:cNvPr id="71" name="Прямоугольник 70"/>
-          <p:cNvSpPr/>
-          <p:nvPr/>
-        </p:nvSpPr>
-        <p:spPr>
-          <a:xfrm>
-            <a:off x="6444208" y="3933056"/>
-            <a:ext cx="1440160" cy="720080"/>
-          </a:xfrm>
-          <a:prstGeom prst="rect">
-            <a:avLst/>
-          </a:prstGeom>
-        </p:spPr>
-        <p:style>
-          <a:lnRef idx="2">
-            <a:schemeClr val="accent1">
-              <a:shade val="50000"/>
-            </a:schemeClr>
-          </a:lnRef>
-          <a:fillRef idx="1">
-            <a:schemeClr val="accent1"/>
-          </a:fillRef>
-          <a:effectRef idx="0">
-            <a:schemeClr val="accent1"/>
-          </a:effectRef>
-          <a:fontRef idx="minor">
-            <a:schemeClr val="lt1"/>
-          </a:fontRef>
-        </p:style>
-        <p:txBody>
-          <a:bodyPr rtlCol="0" anchor="ctr"/>
-          <a:lstStyle/>
-          <a:p>
-            <a:pPr algn="ctr"/>
-            <a:r>
-              <a:rPr lang="ru-RU" dirty="0" smtClean="0"/>
-              <a:t>Мобильное приложение</a:t>
-            </a:r>
-            <a:endParaRPr lang="ru-RU" dirty="0"/>
-          </a:p>
-        </p:txBody>
-      </p:sp>
-      <p:cxnSp>
-        <p:nvCxnSpPr>
-          <p:cNvPr id="73" name="Прямая со стрелкой 72"/>
-          <p:cNvCxnSpPr>
-            <a:stCxn id="65" idx="2"/>
-            <a:endCxn id="71" idx="0"/>
-          </p:cNvCxnSpPr>
-          <p:nvPr/>
-        </p:nvCxnSpPr>
-        <p:spPr>
-          <a:xfrm>
-            <a:off x="7092280" y="3284984"/>
-            <a:ext cx="72008" cy="648072"/>
+          <a:xfrm flipH="1">
+            <a:off x="4463988" y="5013176"/>
+            <a:ext cx="36004" cy="360040"/>
           </a:xfrm>
           <a:prstGeom prst="straightConnector1">
             <a:avLst/>
@@ -6451,50 +5852,55 @@
         </p:nvSpPr>
         <p:spPr/>
         <p:txBody>
+          <a:bodyPr>
+            <a:normAutofit/>
+          </a:bodyPr>
+          <a:lstStyle/>
+          <a:p>
+            <a:r>
+              <a:rPr lang="ru-RU" dirty="0" smtClean="0"/>
+              <a:t>Функции клиента</a:t>
+            </a:r>
+            <a:endParaRPr lang="ru-RU" dirty="0"/>
+          </a:p>
+        </p:txBody>
+      </p:sp>
+      <p:sp>
+        <p:nvSpPr>
+          <p:cNvPr id="5" name="Содержимое 4"/>
+          <p:cNvSpPr>
+            <a:spLocks noGrp="1"/>
+          </p:cNvSpPr>
+          <p:nvPr>
+            <p:ph sz="quarter" idx="1"/>
+          </p:nvPr>
+        </p:nvSpPr>
+        <p:spPr/>
+        <p:txBody>
           <a:bodyPr/>
           <a:lstStyle/>
           <a:p>
-            <a:r>
-              <a:rPr lang="ru-RU" dirty="0" smtClean="0"/>
-              <a:t>Функции сервера</a:t>
-            </a:r>
             <a:endParaRPr lang="ru-RU" dirty="0"/>
           </a:p>
         </p:txBody>
       </p:sp>
       <p:sp>
         <p:nvSpPr>
-          <p:cNvPr id="3" name="Содержимое 2"/>
-          <p:cNvSpPr>
-            <a:spLocks noGrp="1"/>
-          </p:cNvSpPr>
-          <p:nvPr>
-            <p:ph sz="quarter" idx="1"/>
-          </p:nvPr>
-        </p:nvSpPr>
-        <p:spPr/>
-        <p:txBody>
-          <a:bodyPr/>
-          <a:lstStyle/>
-          <a:p>
-            <a:endParaRPr lang="ru-RU" dirty="0"/>
-          </a:p>
-        </p:txBody>
-      </p:sp>
-      <p:sp>
-        <p:nvSpPr>
-          <p:cNvPr id="4" name="Блок-схема: процесс 3"/>
+          <p:cNvPr id="6" name="Блок-схема: процесс 5"/>
           <p:cNvSpPr/>
           <p:nvPr/>
         </p:nvSpPr>
         <p:spPr>
           <a:xfrm>
-            <a:off x="3635896" y="3140968"/>
-            <a:ext cx="1656184" cy="864096"/>
+            <a:off x="899592" y="1340768"/>
+            <a:ext cx="7632848" cy="4104456"/>
           </a:xfrm>
           <a:prstGeom prst="flowChartProcess">
             <a:avLst/>
           </a:prstGeom>
+          <a:solidFill>
+            <a:schemeClr val="bg1"/>
+          </a:solidFill>
         </p:spPr>
         <p:style>
           <a:lnRef idx="2">
@@ -6518,23 +5924,35 @@
           <a:p>
             <a:pPr algn="ctr"/>
             <a:r>
-              <a:rPr lang="ru-RU" dirty="0" smtClean="0"/>
-              <a:t>Раздача тестов по сети</a:t>
-            </a:r>
-            <a:endParaRPr lang="ru-RU" dirty="0"/>
-          </a:p>
-        </p:txBody>
-      </p:sp>
-      <p:sp>
-        <p:nvSpPr>
-          <p:cNvPr id="6" name="Блок-схема: процесс 5"/>
+              <a:rPr lang="ru-RU" sz="3200" dirty="0" smtClean="0">
+                <a:solidFill>
+                  <a:schemeClr val="accent2">
+                    <a:lumMod val="75000"/>
+                  </a:schemeClr>
+                </a:solidFill>
+              </a:rPr>
+              <a:t>Клиент</a:t>
+            </a:r>
+            <a:endParaRPr lang="ru-RU" sz="3200" dirty="0">
+              <a:solidFill>
+                <a:schemeClr val="accent2">
+                  <a:lumMod val="75000"/>
+                </a:schemeClr>
+              </a:solidFill>
+            </a:endParaRPr>
+          </a:p>
+        </p:txBody>
+      </p:sp>
+      <p:sp>
+        <p:nvSpPr>
+          <p:cNvPr id="7" name="Блок-схема: процесс 6"/>
           <p:cNvSpPr/>
           <p:nvPr/>
         </p:nvSpPr>
         <p:spPr>
           <a:xfrm>
-            <a:off x="3203848" y="1556792"/>
-            <a:ext cx="2448272" cy="1224136"/>
+            <a:off x="1979712" y="2492896"/>
+            <a:ext cx="1080120" cy="612648"/>
           </a:xfrm>
           <a:prstGeom prst="flowChartProcess">
             <a:avLst/>
@@ -6563,58 +5981,22 @@
             <a:pPr algn="ctr"/>
             <a:r>
               <a:rPr lang="ru-RU" dirty="0" smtClean="0"/>
-              <a:t>Хранение информации о тестах и пользователях в базе данных</a:t>
+              <a:t>Учитель</a:t>
             </a:r>
             <a:endParaRPr lang="ru-RU" dirty="0"/>
           </a:p>
         </p:txBody>
       </p:sp>
-      <p:cxnSp>
-        <p:nvCxnSpPr>
-          <p:cNvPr id="22" name="Прямая со стрелкой 21"/>
-          <p:cNvCxnSpPr>
-            <a:stCxn id="6" idx="2"/>
-            <a:endCxn id="4" idx="0"/>
-          </p:cNvCxnSpPr>
-          <p:nvPr/>
-        </p:nvCxnSpPr>
-        <p:spPr>
-          <a:xfrm>
-            <a:off x="4427984" y="2780928"/>
-            <a:ext cx="36004" cy="360040"/>
-          </a:xfrm>
-          <a:prstGeom prst="straightConnector1">
-            <a:avLst/>
-          </a:prstGeom>
-          <a:ln>
-            <a:tailEnd type="arrow"/>
-          </a:ln>
-        </p:spPr>
-        <p:style>
-          <a:lnRef idx="1">
-            <a:schemeClr val="accent1"/>
-          </a:lnRef>
-          <a:fillRef idx="0">
-            <a:schemeClr val="accent1"/>
-          </a:fillRef>
-          <a:effectRef idx="0">
-            <a:schemeClr val="accent1"/>
-          </a:effectRef>
-          <a:fontRef idx="minor">
-            <a:schemeClr val="tx1"/>
-          </a:fontRef>
-        </p:style>
-      </p:cxnSp>
-      <p:sp>
-        <p:nvSpPr>
-          <p:cNvPr id="29" name="Блок-схема: процесс 28"/>
+      <p:sp>
+        <p:nvSpPr>
+          <p:cNvPr id="8" name="Блок-схема: процесс 7"/>
           <p:cNvSpPr/>
           <p:nvPr/>
         </p:nvSpPr>
         <p:spPr>
           <a:xfrm>
-            <a:off x="3491880" y="4365104"/>
-            <a:ext cx="2016224" cy="648072"/>
+            <a:off x="6300192" y="2564904"/>
+            <a:ext cx="1080120" cy="612648"/>
           </a:xfrm>
           <a:prstGeom prst="flowChartProcess">
             <a:avLst/>
@@ -6643,62 +6025,31 @@
             <a:pPr algn="ctr"/>
             <a:r>
               <a:rPr lang="ru-RU" dirty="0" smtClean="0"/>
-              <a:t>Обработка запросов</a:t>
+              <a:t>Ученик</a:t>
             </a:r>
             <a:endParaRPr lang="ru-RU" dirty="0"/>
           </a:p>
         </p:txBody>
       </p:sp>
-      <p:cxnSp>
-        <p:nvCxnSpPr>
-          <p:cNvPr id="31" name="Прямая со стрелкой 30"/>
-          <p:cNvCxnSpPr>
-            <a:stCxn id="4" idx="2"/>
-            <a:endCxn id="29" idx="0"/>
-          </p:cNvCxnSpPr>
-          <p:nvPr/>
-        </p:nvCxnSpPr>
-        <p:spPr>
-          <a:xfrm>
-            <a:off x="4463988" y="4005064"/>
-            <a:ext cx="36004" cy="360040"/>
-          </a:xfrm>
-          <a:prstGeom prst="straightConnector1">
-            <a:avLst/>
-          </a:prstGeom>
-          <a:ln>
-            <a:tailEnd type="arrow"/>
-          </a:ln>
-        </p:spPr>
-        <p:style>
-          <a:lnRef idx="1">
-            <a:schemeClr val="accent1"/>
-          </a:lnRef>
-          <a:fillRef idx="0">
-            <a:schemeClr val="accent1"/>
-          </a:fillRef>
-          <a:effectRef idx="0">
-            <a:schemeClr val="accent1"/>
-          </a:effectRef>
-          <a:fontRef idx="minor">
-            <a:schemeClr val="tx1"/>
-          </a:fontRef>
-        </p:style>
-      </p:cxnSp>
-      <p:sp>
-        <p:nvSpPr>
-          <p:cNvPr id="34" name="Блок-схема: процесс 33"/>
+      <p:sp>
+        <p:nvSpPr>
+          <p:cNvPr id="9" name="Блок-схема: процесс 8"/>
           <p:cNvSpPr/>
           <p:nvPr/>
         </p:nvSpPr>
         <p:spPr>
           <a:xfrm>
-            <a:off x="3635896" y="5373216"/>
-            <a:ext cx="1656184" cy="576064"/>
+            <a:off x="899592" y="4221088"/>
+            <a:ext cx="1800200" cy="792088"/>
           </a:xfrm>
           <a:prstGeom prst="flowChartProcess">
             <a:avLst/>
           </a:prstGeom>
+          <a:solidFill>
+            <a:schemeClr val="bg2">
+              <a:lumMod val="75000"/>
+            </a:schemeClr>
+          </a:solidFill>
         </p:spPr>
         <p:style>
           <a:lnRef idx="2">
@@ -6723,7 +6074,153 @@
             <a:pPr algn="ctr"/>
             <a:r>
               <a:rPr lang="ru-RU" dirty="0" smtClean="0"/>
-              <a:t>Занесение данных в БД</a:t>
+              <a:t>Создание тестов, редактирование</a:t>
+            </a:r>
+            <a:endParaRPr lang="ru-RU" dirty="0"/>
+          </a:p>
+        </p:txBody>
+      </p:sp>
+      <p:sp>
+        <p:nvSpPr>
+          <p:cNvPr id="11" name="Блок-схема: процесс 10"/>
+          <p:cNvSpPr/>
+          <p:nvPr/>
+        </p:nvSpPr>
+        <p:spPr>
+          <a:xfrm>
+            <a:off x="2915816" y="4221088"/>
+            <a:ext cx="1800200" cy="792088"/>
+          </a:xfrm>
+          <a:prstGeom prst="flowChartProcess">
+            <a:avLst/>
+          </a:prstGeom>
+          <a:solidFill>
+            <a:schemeClr val="bg2">
+              <a:lumMod val="75000"/>
+            </a:schemeClr>
+          </a:solidFill>
+        </p:spPr>
+        <p:style>
+          <a:lnRef idx="2">
+            <a:schemeClr val="accent1">
+              <a:shade val="50000"/>
+            </a:schemeClr>
+          </a:lnRef>
+          <a:fillRef idx="1">
+            <a:schemeClr val="accent1"/>
+          </a:fillRef>
+          <a:effectRef idx="0">
+            <a:schemeClr val="accent1"/>
+          </a:effectRef>
+          <a:fontRef idx="minor">
+            <a:schemeClr val="lt1"/>
+          </a:fontRef>
+        </p:style>
+        <p:txBody>
+          <a:bodyPr rtlCol="0" anchor="ctr"/>
+          <a:lstStyle/>
+          <a:p>
+            <a:pPr algn="ctr"/>
+            <a:r>
+              <a:rPr lang="ru-RU" dirty="0" smtClean="0"/>
+              <a:t>Просмотр результатов и самих тестов.</a:t>
+            </a:r>
+            <a:endParaRPr lang="ru-RU" dirty="0"/>
+          </a:p>
+        </p:txBody>
+      </p:sp>
+      <p:sp>
+        <p:nvSpPr>
+          <p:cNvPr id="13" name="Блок-схема: процесс 12"/>
+          <p:cNvSpPr/>
+          <p:nvPr/>
+        </p:nvSpPr>
+        <p:spPr>
+          <a:xfrm>
+            <a:off x="7092280" y="4221088"/>
+            <a:ext cx="1440160" cy="792088"/>
+          </a:xfrm>
+          <a:prstGeom prst="flowChartProcess">
+            <a:avLst/>
+          </a:prstGeom>
+          <a:solidFill>
+            <a:schemeClr val="bg2">
+              <a:lumMod val="75000"/>
+            </a:schemeClr>
+          </a:solidFill>
+        </p:spPr>
+        <p:style>
+          <a:lnRef idx="2">
+            <a:schemeClr val="accent1">
+              <a:shade val="50000"/>
+            </a:schemeClr>
+          </a:lnRef>
+          <a:fillRef idx="1">
+            <a:schemeClr val="accent1"/>
+          </a:fillRef>
+          <a:effectRef idx="0">
+            <a:schemeClr val="accent1"/>
+          </a:effectRef>
+          <a:fontRef idx="minor">
+            <a:schemeClr val="lt1"/>
+          </a:fontRef>
+        </p:style>
+        <p:txBody>
+          <a:bodyPr rtlCol="0" anchor="ctr"/>
+          <a:lstStyle/>
+          <a:p>
+            <a:pPr algn="ctr"/>
+            <a:r>
+              <a:rPr lang="ru-RU" dirty="0" smtClean="0"/>
+              <a:t>Просмотр результатов</a:t>
+            </a:r>
+          </a:p>
+        </p:txBody>
+      </p:sp>
+      <p:sp>
+        <p:nvSpPr>
+          <p:cNvPr id="14" name="Блок-схема: процесс 13"/>
+          <p:cNvSpPr/>
+          <p:nvPr/>
+        </p:nvSpPr>
+        <p:spPr>
+          <a:xfrm>
+            <a:off x="5004048" y="4221088"/>
+            <a:ext cx="1656184" cy="792088"/>
+          </a:xfrm>
+          <a:prstGeom prst="flowChartProcess">
+            <a:avLst/>
+          </a:prstGeom>
+          <a:solidFill>
+            <a:schemeClr val="bg2">
+              <a:lumMod val="75000"/>
+            </a:schemeClr>
+          </a:solidFill>
+        </p:spPr>
+        <p:style>
+          <a:lnRef idx="2">
+            <a:schemeClr val="accent1">
+              <a:shade val="50000"/>
+            </a:schemeClr>
+          </a:lnRef>
+          <a:fillRef idx="1">
+            <a:schemeClr val="accent1"/>
+          </a:fillRef>
+          <a:effectRef idx="0">
+            <a:schemeClr val="accent1"/>
+          </a:effectRef>
+          <a:fontRef idx="minor">
+            <a:schemeClr val="lt1"/>
+          </a:fontRef>
+        </p:style>
+        <p:txBody>
+          <a:bodyPr rtlCol="0" anchor="ctr"/>
+          <a:lstStyle/>
+          <a:p>
+            <a:pPr algn="ctr"/>
+            <a:r>
+              <a:rPr lang="ru-RU" dirty="0" smtClean="0"/>
+              <a:t>Прохождение тестов</a:t>
             </a:r>
             <a:endParaRPr lang="ru-RU" dirty="0"/>
           </a:p>
@@ -6731,17 +6228,17 @@
       </p:sp>
       <p:cxnSp>
         <p:nvCxnSpPr>
-          <p:cNvPr id="39" name="Прямая со стрелкой 38"/>
+          <p:cNvPr id="20" name="Прямая со стрелкой 19"/>
           <p:cNvCxnSpPr>
-            <a:stCxn id="29" idx="2"/>
-            <a:endCxn id="34" idx="0"/>
+            <a:stCxn id="7" idx="2"/>
+            <a:endCxn id="9" idx="0"/>
           </p:cNvCxnSpPr>
           <p:nvPr/>
         </p:nvCxnSpPr>
         <p:spPr>
           <a:xfrm flipH="1">
-            <a:off x="4463988" y="5013176"/>
-            <a:ext cx="36004" cy="360040"/>
+            <a:off x="1799692" y="3105544"/>
+            <a:ext cx="720080" cy="1115544"/>
           </a:xfrm>
           <a:prstGeom prst="straightConnector1">
             <a:avLst/>
@@ -6765,6 +6262,163 @@
           </a:fontRef>
         </p:style>
       </p:cxnSp>
+      <p:cxnSp>
+        <p:nvCxnSpPr>
+          <p:cNvPr id="22" name="Прямая со стрелкой 21"/>
+          <p:cNvCxnSpPr>
+            <a:stCxn id="7" idx="2"/>
+            <a:endCxn id="11" idx="0"/>
+          </p:cNvCxnSpPr>
+          <p:nvPr/>
+        </p:nvCxnSpPr>
+        <p:spPr>
+          <a:xfrm>
+            <a:off x="2519772" y="3105544"/>
+            <a:ext cx="1296144" cy="1115544"/>
+          </a:xfrm>
+          <a:prstGeom prst="straightConnector1">
+            <a:avLst/>
+          </a:prstGeom>
+          <a:ln>
+            <a:tailEnd type="arrow"/>
+          </a:ln>
+        </p:spPr>
+        <p:style>
+          <a:lnRef idx="1">
+            <a:schemeClr val="accent1"/>
+          </a:lnRef>
+          <a:fillRef idx="0">
+            <a:schemeClr val="accent1"/>
+          </a:fillRef>
+          <a:effectRef idx="0">
+            <a:schemeClr val="accent1"/>
+          </a:effectRef>
+          <a:fontRef idx="minor">
+            <a:schemeClr val="tx1"/>
+          </a:fontRef>
+        </p:style>
+      </p:cxnSp>
+      <p:cxnSp>
+        <p:nvCxnSpPr>
+          <p:cNvPr id="24" name="Прямая со стрелкой 23"/>
+          <p:cNvCxnSpPr>
+            <a:stCxn id="8" idx="2"/>
+            <a:endCxn id="14" idx="0"/>
+          </p:cNvCxnSpPr>
+          <p:nvPr/>
+        </p:nvCxnSpPr>
+        <p:spPr>
+          <a:xfrm flipH="1">
+            <a:off x="5832140" y="3177552"/>
+            <a:ext cx="1008112" cy="1043536"/>
+          </a:xfrm>
+          <a:prstGeom prst="straightConnector1">
+            <a:avLst/>
+          </a:prstGeom>
+          <a:ln>
+            <a:tailEnd type="arrow"/>
+          </a:ln>
+        </p:spPr>
+        <p:style>
+          <a:lnRef idx="1">
+            <a:schemeClr val="accent1"/>
+          </a:lnRef>
+          <a:fillRef idx="0">
+            <a:schemeClr val="accent1"/>
+          </a:fillRef>
+          <a:effectRef idx="0">
+            <a:schemeClr val="accent1"/>
+          </a:effectRef>
+          <a:fontRef idx="minor">
+            <a:schemeClr val="tx1"/>
+          </a:fontRef>
+        </p:style>
+      </p:cxnSp>
+      <p:cxnSp>
+        <p:nvCxnSpPr>
+          <p:cNvPr id="26" name="Прямая со стрелкой 25"/>
+          <p:cNvCxnSpPr>
+            <a:stCxn id="8" idx="2"/>
+            <a:endCxn id="13" idx="0"/>
+          </p:cNvCxnSpPr>
+          <p:nvPr/>
+        </p:nvCxnSpPr>
+        <p:spPr>
+          <a:xfrm>
+            <a:off x="6840252" y="3177552"/>
+            <a:ext cx="972108" cy="1043536"/>
+          </a:xfrm>
+          <a:prstGeom prst="straightConnector1">
+            <a:avLst/>
+          </a:prstGeom>
+          <a:ln>
+            <a:tailEnd type="arrow"/>
+          </a:ln>
+        </p:spPr>
+        <p:style>
+          <a:lnRef idx="1">
+            <a:schemeClr val="accent1"/>
+          </a:lnRef>
+          <a:fillRef idx="0">
+            <a:schemeClr val="accent1"/>
+          </a:fillRef>
+          <a:effectRef idx="0">
+            <a:schemeClr val="accent1"/>
+          </a:effectRef>
+          <a:fontRef idx="minor">
+            <a:schemeClr val="tx1"/>
+          </a:fontRef>
+        </p:style>
+      </p:cxnSp>
+      <p:sp>
+        <p:nvSpPr>
+          <p:cNvPr id="40" name="Прямоугольник 39"/>
+          <p:cNvSpPr/>
+          <p:nvPr/>
+        </p:nvSpPr>
+        <p:spPr>
+          <a:xfrm>
+            <a:off x="3563888" y="1700808"/>
+            <a:ext cx="1800200" cy="504056"/>
+          </a:xfrm>
+          <a:prstGeom prst="rect">
+            <a:avLst/>
+          </a:prstGeom>
+          <a:solidFill>
+            <a:schemeClr val="accent5">
+              <a:lumMod val="75000"/>
+            </a:schemeClr>
+          </a:solidFill>
+        </p:spPr>
+        <p:style>
+          <a:lnRef idx="2">
+            <a:schemeClr val="accent1">
+              <a:shade val="50000"/>
+            </a:schemeClr>
+          </a:lnRef>
+          <a:fillRef idx="1">
+            <a:schemeClr val="accent1"/>
+          </a:fillRef>
+          <a:effectRef idx="0">
+            <a:schemeClr val="accent1"/>
+          </a:effectRef>
+          <a:fontRef idx="minor">
+            <a:schemeClr val="lt1"/>
+          </a:fontRef>
+        </p:style>
+        <p:txBody>
+          <a:bodyPr rtlCol="0" anchor="ctr"/>
+          <a:lstStyle/>
+          <a:p>
+            <a:pPr algn="ctr"/>
+            <a:r>
+              <a:rPr lang="ru-RU" dirty="0" smtClean="0"/>
+              <a:t>Аутентификация</a:t>
+            </a:r>
+            <a:endParaRPr lang="ru-RU" dirty="0"/>
+          </a:p>
+        </p:txBody>
+      </p:sp>
     </p:spTree>
   </p:cSld>
   <p:clrMapOvr>
@@ -6809,573 +6463,270 @@
         </p:nvSpPr>
         <p:spPr/>
         <p:txBody>
+          <a:bodyPr/>
+          <a:lstStyle/>
+          <a:p>
+            <a:r>
+              <a:rPr lang="ru-RU" dirty="0" smtClean="0"/>
+              <a:t>Программная реализация</a:t>
+            </a:r>
+            <a:endParaRPr lang="ru-RU" dirty="0"/>
+          </a:p>
+        </p:txBody>
+      </p:sp>
+      <p:sp>
+        <p:nvSpPr>
+          <p:cNvPr id="3" name="Содержимое 2"/>
+          <p:cNvSpPr>
+            <a:spLocks noGrp="1"/>
+          </p:cNvSpPr>
+          <p:nvPr>
+            <p:ph sz="quarter" idx="1"/>
+          </p:nvPr>
+        </p:nvSpPr>
+        <p:spPr/>
+        <p:txBody>
           <a:bodyPr>
-            <a:normAutofit/>
+            <a:normAutofit lnSpcReduction="10000"/>
           </a:bodyPr>
           <a:lstStyle/>
           <a:p>
             <a:r>
               <a:rPr lang="ru-RU" dirty="0" smtClean="0"/>
-              <a:t>Функции </a:t>
-            </a:r>
+              <a:t>Сайт, сервер:</a:t>
+            </a:r>
+          </a:p>
+          <a:p>
+            <a:pPr lvl="1"/>
             <a:r>
               <a:rPr lang="ru-RU" dirty="0" smtClean="0"/>
-              <a:t>клиента</a:t>
-            </a:r>
-            <a:endParaRPr lang="ru-RU" dirty="0"/>
-          </a:p>
-        </p:txBody>
-      </p:sp>
-      <p:sp>
-        <p:nvSpPr>
-          <p:cNvPr id="5" name="Содержимое 4"/>
-          <p:cNvSpPr>
-            <a:spLocks noGrp="1"/>
-          </p:cNvSpPr>
-          <p:nvPr>
-            <p:ph sz="quarter" idx="1"/>
-          </p:nvPr>
-        </p:nvSpPr>
-        <p:spPr/>
-        <p:txBody>
-          <a:bodyPr/>
-          <a:lstStyle/>
-          <a:p>
-            <a:endParaRPr lang="ru-RU" dirty="0"/>
-          </a:p>
-        </p:txBody>
-      </p:sp>
-      <p:sp>
-        <p:nvSpPr>
-          <p:cNvPr id="6" name="Блок-схема: процесс 5"/>
-          <p:cNvSpPr/>
-          <p:nvPr/>
-        </p:nvSpPr>
-        <p:spPr>
-          <a:xfrm>
-            <a:off x="899592" y="1340768"/>
-            <a:ext cx="7632848" cy="4104456"/>
-          </a:xfrm>
-          <a:prstGeom prst="flowChartProcess">
-            <a:avLst/>
-          </a:prstGeom>
-          <a:solidFill>
-            <a:schemeClr val="bg1"/>
-          </a:solidFill>
-        </p:spPr>
-        <p:style>
-          <a:lnRef idx="2">
-            <a:schemeClr val="accent1">
-              <a:shade val="50000"/>
-            </a:schemeClr>
-          </a:lnRef>
-          <a:fillRef idx="1">
-            <a:schemeClr val="accent1"/>
-          </a:fillRef>
-          <a:effectRef idx="0">
-            <a:schemeClr val="accent1"/>
-          </a:effectRef>
-          <a:fontRef idx="minor">
-            <a:schemeClr val="lt1"/>
-          </a:fontRef>
-        </p:style>
-        <p:txBody>
-          <a:bodyPr rtlCol="0" anchor="ctr"/>
-          <a:lstStyle/>
-          <a:p>
-            <a:pPr algn="ctr"/>
-            <a:r>
-              <a:rPr lang="ru-RU" sz="3200" dirty="0" smtClean="0">
-                <a:solidFill>
-                  <a:schemeClr val="accent2">
-                    <a:lumMod val="75000"/>
-                  </a:schemeClr>
-                </a:solidFill>
-              </a:rPr>
-              <a:t>Клиент</a:t>
-            </a:r>
-            <a:endParaRPr lang="ru-RU" sz="3200" dirty="0">
-              <a:solidFill>
-                <a:schemeClr val="accent2">
-                  <a:lumMod val="75000"/>
-                </a:schemeClr>
-              </a:solidFill>
-            </a:endParaRPr>
-          </a:p>
-        </p:txBody>
-      </p:sp>
-      <p:sp>
-        <p:nvSpPr>
-          <p:cNvPr id="7" name="Блок-схема: процесс 6"/>
-          <p:cNvSpPr/>
-          <p:nvPr/>
-        </p:nvSpPr>
-        <p:spPr>
-          <a:xfrm>
-            <a:off x="1979712" y="2492896"/>
-            <a:ext cx="1080120" cy="612648"/>
-          </a:xfrm>
-          <a:prstGeom prst="flowChartProcess">
-            <a:avLst/>
-          </a:prstGeom>
-        </p:spPr>
-        <p:style>
-          <a:lnRef idx="2">
-            <a:schemeClr val="accent1">
-              <a:shade val="50000"/>
-            </a:schemeClr>
-          </a:lnRef>
-          <a:fillRef idx="1">
-            <a:schemeClr val="accent1"/>
-          </a:fillRef>
-          <a:effectRef idx="0">
-            <a:schemeClr val="accent1"/>
-          </a:effectRef>
-          <a:fontRef idx="minor">
-            <a:schemeClr val="lt1"/>
-          </a:fontRef>
-        </p:style>
-        <p:txBody>
-          <a:bodyPr rtlCol="0" anchor="ctr"/>
-          <a:lstStyle/>
-          <a:p>
-            <a:pPr algn="ctr"/>
+              <a:t>Язык программирования – </a:t>
+            </a:r>
+            <a:r>
+              <a:rPr lang="en-US" dirty="0" smtClean="0"/>
+              <a:t>P</a:t>
+            </a:r>
+            <a:r>
+              <a:rPr lang="en-US" dirty="0" smtClean="0"/>
+              <a:t>ython</a:t>
+            </a:r>
+            <a:r>
+              <a:rPr lang="en-US" dirty="0" smtClean="0"/>
+              <a:t>, </a:t>
+            </a:r>
+            <a:r>
+              <a:rPr lang="en-US" dirty="0" err="1" smtClean="0"/>
+              <a:t>J</a:t>
+            </a:r>
+            <a:r>
+              <a:rPr lang="en-US" dirty="0" err="1" smtClean="0"/>
+              <a:t>avascript</a:t>
+            </a:r>
+            <a:endParaRPr lang="ru-RU" dirty="0" smtClean="0"/>
+          </a:p>
+          <a:p>
+            <a:pPr lvl="1"/>
             <a:r>
               <a:rPr lang="ru-RU" dirty="0" smtClean="0"/>
-              <a:t>Учитель</a:t>
-            </a:r>
-            <a:endParaRPr lang="ru-RU" dirty="0"/>
-          </a:p>
-        </p:txBody>
-      </p:sp>
-      <p:sp>
-        <p:nvSpPr>
-          <p:cNvPr id="8" name="Блок-схема: процесс 7"/>
-          <p:cNvSpPr/>
-          <p:nvPr/>
-        </p:nvSpPr>
-        <p:spPr>
-          <a:xfrm>
-            <a:off x="6300192" y="2564904"/>
-            <a:ext cx="1080120" cy="612648"/>
-          </a:xfrm>
-          <a:prstGeom prst="flowChartProcess">
-            <a:avLst/>
-          </a:prstGeom>
-        </p:spPr>
-        <p:style>
-          <a:lnRef idx="2">
-            <a:schemeClr val="accent1">
-              <a:shade val="50000"/>
-            </a:schemeClr>
-          </a:lnRef>
-          <a:fillRef idx="1">
-            <a:schemeClr val="accent1"/>
-          </a:fillRef>
-          <a:effectRef idx="0">
-            <a:schemeClr val="accent1"/>
-          </a:effectRef>
-          <a:fontRef idx="minor">
-            <a:schemeClr val="lt1"/>
-          </a:fontRef>
-        </p:style>
-        <p:txBody>
-          <a:bodyPr rtlCol="0" anchor="ctr"/>
-          <a:lstStyle/>
-          <a:p>
-            <a:pPr algn="ctr"/>
+              <a:t>Языки разметки – </a:t>
+            </a:r>
+            <a:r>
+              <a:rPr lang="en-US" dirty="0" smtClean="0"/>
+              <a:t>HTML, XML, JSON, CSS</a:t>
+            </a:r>
+            <a:endParaRPr lang="ru-RU" dirty="0" smtClean="0"/>
+          </a:p>
+          <a:p>
+            <a:pPr lvl="1"/>
             <a:r>
               <a:rPr lang="ru-RU" dirty="0" smtClean="0"/>
-              <a:t>Ученик</a:t>
-            </a:r>
-            <a:endParaRPr lang="ru-RU" dirty="0"/>
-          </a:p>
-        </p:txBody>
-      </p:sp>
-      <p:sp>
-        <p:nvSpPr>
-          <p:cNvPr id="9" name="Блок-схема: процесс 8"/>
-          <p:cNvSpPr/>
-          <p:nvPr/>
-        </p:nvSpPr>
-        <p:spPr>
-          <a:xfrm>
-            <a:off x="899592" y="4221088"/>
-            <a:ext cx="1800200" cy="792088"/>
-          </a:xfrm>
-          <a:prstGeom prst="flowChartProcess">
-            <a:avLst/>
-          </a:prstGeom>
-          <a:solidFill>
-            <a:schemeClr val="bg2">
-              <a:lumMod val="75000"/>
-            </a:schemeClr>
-          </a:solidFill>
-        </p:spPr>
-        <p:style>
-          <a:lnRef idx="2">
-            <a:schemeClr val="accent1">
-              <a:shade val="50000"/>
-            </a:schemeClr>
-          </a:lnRef>
-          <a:fillRef idx="1">
-            <a:schemeClr val="accent1"/>
-          </a:fillRef>
-          <a:effectRef idx="0">
-            <a:schemeClr val="accent1"/>
-          </a:effectRef>
-          <a:fontRef idx="minor">
-            <a:schemeClr val="lt1"/>
-          </a:fontRef>
-        </p:style>
-        <p:txBody>
-          <a:bodyPr rtlCol="0" anchor="ctr"/>
-          <a:lstStyle/>
-          <a:p>
-            <a:pPr algn="ctr"/>
+              <a:t>Платформа – </a:t>
+            </a:r>
+            <a:r>
+              <a:rPr lang="en-US" dirty="0" err="1" smtClean="0"/>
+              <a:t>D</a:t>
+            </a:r>
+            <a:r>
+              <a:rPr lang="en-US" dirty="0" err="1" smtClean="0"/>
+              <a:t>jango</a:t>
+            </a:r>
+            <a:endParaRPr lang="ru-RU" dirty="0" smtClean="0"/>
+          </a:p>
+          <a:p>
+            <a:pPr lvl="1"/>
             <a:r>
               <a:rPr lang="ru-RU" dirty="0" smtClean="0"/>
-              <a:t>Создание тестов, редактирование</a:t>
-            </a:r>
-            <a:endParaRPr lang="ru-RU" dirty="0"/>
-          </a:p>
-        </p:txBody>
-      </p:sp>
-      <p:sp>
-        <p:nvSpPr>
-          <p:cNvPr id="11" name="Блок-схема: процесс 10"/>
-          <p:cNvSpPr/>
-          <p:nvPr/>
-        </p:nvSpPr>
-        <p:spPr>
-          <a:xfrm>
-            <a:off x="2915816" y="4221088"/>
-            <a:ext cx="1800200" cy="792088"/>
-          </a:xfrm>
-          <a:prstGeom prst="flowChartProcess">
-            <a:avLst/>
-          </a:prstGeom>
-          <a:solidFill>
-            <a:schemeClr val="bg2">
-              <a:lumMod val="75000"/>
-            </a:schemeClr>
-          </a:solidFill>
-        </p:spPr>
-        <p:style>
-          <a:lnRef idx="2">
-            <a:schemeClr val="accent1">
-              <a:shade val="50000"/>
-            </a:schemeClr>
-          </a:lnRef>
-          <a:fillRef idx="1">
-            <a:schemeClr val="accent1"/>
-          </a:fillRef>
-          <a:effectRef idx="0">
-            <a:schemeClr val="accent1"/>
-          </a:effectRef>
-          <a:fontRef idx="minor">
-            <a:schemeClr val="lt1"/>
-          </a:fontRef>
-        </p:style>
-        <p:txBody>
-          <a:bodyPr rtlCol="0" anchor="ctr"/>
-          <a:lstStyle/>
-          <a:p>
-            <a:pPr algn="ctr"/>
+              <a:t>Среда – </a:t>
+            </a:r>
+            <a:r>
+              <a:rPr lang="en-US" dirty="0" err="1" smtClean="0"/>
+              <a:t>Pycharm</a:t>
+            </a:r>
+            <a:endParaRPr lang="en-US" dirty="0" smtClean="0"/>
+          </a:p>
+          <a:p>
+            <a:pPr lvl="1"/>
             <a:r>
               <a:rPr lang="ru-RU" dirty="0" smtClean="0"/>
-              <a:t>Просмотр результатов и самих тестов.</a:t>
-            </a:r>
-            <a:endParaRPr lang="ru-RU" dirty="0"/>
-          </a:p>
-        </p:txBody>
-      </p:sp>
-      <p:sp>
-        <p:nvSpPr>
-          <p:cNvPr id="13" name="Блок-схема: процесс 12"/>
-          <p:cNvSpPr/>
-          <p:nvPr/>
-        </p:nvSpPr>
-        <p:spPr>
-          <a:xfrm>
-            <a:off x="7092280" y="4221088"/>
-            <a:ext cx="1440160" cy="792088"/>
-          </a:xfrm>
-          <a:prstGeom prst="flowChartProcess">
-            <a:avLst/>
-          </a:prstGeom>
-          <a:solidFill>
-            <a:schemeClr val="bg2">
-              <a:lumMod val="75000"/>
-            </a:schemeClr>
-          </a:solidFill>
-        </p:spPr>
-        <p:style>
-          <a:lnRef idx="2">
-            <a:schemeClr val="accent1">
-              <a:shade val="50000"/>
-            </a:schemeClr>
-          </a:lnRef>
-          <a:fillRef idx="1">
-            <a:schemeClr val="accent1"/>
-          </a:fillRef>
-          <a:effectRef idx="0">
-            <a:schemeClr val="accent1"/>
-          </a:effectRef>
-          <a:fontRef idx="minor">
-            <a:schemeClr val="lt1"/>
-          </a:fontRef>
-        </p:style>
-        <p:txBody>
-          <a:bodyPr rtlCol="0" anchor="ctr"/>
-          <a:lstStyle/>
-          <a:p>
-            <a:pPr algn="ctr"/>
+              <a:t>Основные библиотеки: </a:t>
+            </a:r>
+            <a:r>
+              <a:rPr lang="en-US" dirty="0" err="1" smtClean="0"/>
+              <a:t>tastypie</a:t>
+            </a:r>
+            <a:r>
+              <a:rPr lang="en-US" dirty="0" smtClean="0"/>
+              <a:t> </a:t>
+            </a:r>
+            <a:r>
+              <a:rPr lang="en-US" dirty="0" err="1" smtClean="0"/>
+              <a:t>api</a:t>
+            </a:r>
+            <a:r>
+              <a:rPr lang="en-US" dirty="0" smtClean="0"/>
+              <a:t> – </a:t>
+            </a:r>
+            <a:r>
+              <a:rPr lang="en-US" dirty="0" err="1" smtClean="0"/>
+              <a:t>api</a:t>
+            </a:r>
+            <a:r>
+              <a:rPr lang="en-US" dirty="0" smtClean="0"/>
+              <a:t> </a:t>
+            </a:r>
             <a:r>
               <a:rPr lang="ru-RU" dirty="0" smtClean="0"/>
-              <a:t>Просмотр результатов</a:t>
-            </a:r>
-          </a:p>
-        </p:txBody>
-      </p:sp>
-      <p:sp>
-        <p:nvSpPr>
-          <p:cNvPr id="14" name="Блок-схема: процесс 13"/>
-          <p:cNvSpPr/>
-          <p:nvPr/>
-        </p:nvSpPr>
-        <p:spPr>
-          <a:xfrm>
-            <a:off x="5004048" y="4221088"/>
-            <a:ext cx="1656184" cy="792088"/>
-          </a:xfrm>
-          <a:prstGeom prst="flowChartProcess">
-            <a:avLst/>
-          </a:prstGeom>
-          <a:solidFill>
-            <a:schemeClr val="bg2">
-              <a:lumMod val="75000"/>
-            </a:schemeClr>
-          </a:solidFill>
-        </p:spPr>
-        <p:style>
-          <a:lnRef idx="2">
-            <a:schemeClr val="accent1">
-              <a:shade val="50000"/>
-            </a:schemeClr>
-          </a:lnRef>
-          <a:fillRef idx="1">
-            <a:schemeClr val="accent1"/>
-          </a:fillRef>
-          <a:effectRef idx="0">
-            <a:schemeClr val="accent1"/>
-          </a:effectRef>
-          <a:fontRef idx="minor">
-            <a:schemeClr val="lt1"/>
-          </a:fontRef>
-        </p:style>
-        <p:txBody>
-          <a:bodyPr rtlCol="0" anchor="ctr"/>
-          <a:lstStyle/>
-          <a:p>
-            <a:pPr algn="ctr"/>
+              <a:t>сайта</a:t>
+            </a:r>
+          </a:p>
+          <a:p>
+            <a:pPr lvl="1"/>
             <a:r>
               <a:rPr lang="ru-RU" dirty="0" smtClean="0"/>
-              <a:t>Прохождение тестов</a:t>
-            </a:r>
-            <a:endParaRPr lang="ru-RU" dirty="0"/>
-          </a:p>
-        </p:txBody>
-      </p:sp>
-      <p:cxnSp>
-        <p:nvCxnSpPr>
-          <p:cNvPr id="20" name="Прямая со стрелкой 19"/>
-          <p:cNvCxnSpPr>
-            <a:stCxn id="7" idx="2"/>
-            <a:endCxn id="9" idx="0"/>
-          </p:cNvCxnSpPr>
-          <p:nvPr/>
-        </p:nvCxnSpPr>
-        <p:spPr>
-          <a:xfrm flipH="1">
-            <a:off x="1799692" y="3105544"/>
-            <a:ext cx="720080" cy="1115544"/>
-          </a:xfrm>
-          <a:prstGeom prst="straightConnector1">
-            <a:avLst/>
-          </a:prstGeom>
-          <a:ln>
-            <a:tailEnd type="arrow"/>
-          </a:ln>
-        </p:spPr>
-        <p:style>
-          <a:lnRef idx="1">
-            <a:schemeClr val="accent1"/>
-          </a:lnRef>
-          <a:fillRef idx="0">
-            <a:schemeClr val="accent1"/>
-          </a:fillRef>
-          <a:effectRef idx="0">
-            <a:schemeClr val="accent1"/>
-          </a:effectRef>
-          <a:fontRef idx="minor">
-            <a:schemeClr val="tx1"/>
-          </a:fontRef>
-        </p:style>
-      </p:cxnSp>
-      <p:cxnSp>
-        <p:nvCxnSpPr>
-          <p:cNvPr id="22" name="Прямая со стрелкой 21"/>
-          <p:cNvCxnSpPr>
-            <a:stCxn id="7" idx="2"/>
-            <a:endCxn id="11" idx="0"/>
-          </p:cNvCxnSpPr>
-          <p:nvPr/>
-        </p:nvCxnSpPr>
-        <p:spPr>
-          <a:xfrm>
-            <a:off x="2519772" y="3105544"/>
-            <a:ext cx="1296144" cy="1115544"/>
-          </a:xfrm>
-          <a:prstGeom prst="straightConnector1">
-            <a:avLst/>
-          </a:prstGeom>
-          <a:ln>
-            <a:tailEnd type="arrow"/>
-          </a:ln>
-        </p:spPr>
-        <p:style>
-          <a:lnRef idx="1">
-            <a:schemeClr val="accent1"/>
-          </a:lnRef>
-          <a:fillRef idx="0">
-            <a:schemeClr val="accent1"/>
-          </a:fillRef>
-          <a:effectRef idx="0">
-            <a:schemeClr val="accent1"/>
-          </a:effectRef>
-          <a:fontRef idx="minor">
-            <a:schemeClr val="tx1"/>
-          </a:fontRef>
-        </p:style>
-      </p:cxnSp>
-      <p:cxnSp>
-        <p:nvCxnSpPr>
-          <p:cNvPr id="24" name="Прямая со стрелкой 23"/>
-          <p:cNvCxnSpPr>
-            <a:stCxn id="8" idx="2"/>
-            <a:endCxn id="14" idx="0"/>
-          </p:cNvCxnSpPr>
-          <p:nvPr/>
-        </p:nvCxnSpPr>
-        <p:spPr>
-          <a:xfrm flipH="1">
-            <a:off x="5832140" y="3177552"/>
-            <a:ext cx="1008112" cy="1043536"/>
-          </a:xfrm>
-          <a:prstGeom prst="straightConnector1">
-            <a:avLst/>
-          </a:prstGeom>
-          <a:ln>
-            <a:tailEnd type="arrow"/>
-          </a:ln>
-        </p:spPr>
-        <p:style>
-          <a:lnRef idx="1">
-            <a:schemeClr val="accent1"/>
-          </a:lnRef>
-          <a:fillRef idx="0">
-            <a:schemeClr val="accent1"/>
-          </a:fillRef>
-          <a:effectRef idx="0">
-            <a:schemeClr val="accent1"/>
-          </a:effectRef>
-          <a:fontRef idx="minor">
-            <a:schemeClr val="tx1"/>
-          </a:fontRef>
-        </p:style>
-      </p:cxnSp>
-      <p:cxnSp>
-        <p:nvCxnSpPr>
-          <p:cNvPr id="26" name="Прямая со стрелкой 25"/>
-          <p:cNvCxnSpPr>
-            <a:stCxn id="8" idx="2"/>
-            <a:endCxn id="13" idx="0"/>
-          </p:cNvCxnSpPr>
-          <p:nvPr/>
-        </p:nvCxnSpPr>
-        <p:spPr>
-          <a:xfrm>
-            <a:off x="6840252" y="3177552"/>
-            <a:ext cx="972108" cy="1043536"/>
-          </a:xfrm>
-          <a:prstGeom prst="straightConnector1">
-            <a:avLst/>
-          </a:prstGeom>
-          <a:ln>
-            <a:tailEnd type="arrow"/>
-          </a:ln>
-        </p:spPr>
-        <p:style>
-          <a:lnRef idx="1">
-            <a:schemeClr val="accent1"/>
-          </a:lnRef>
-          <a:fillRef idx="0">
-            <a:schemeClr val="accent1"/>
-          </a:fillRef>
-          <a:effectRef idx="0">
-            <a:schemeClr val="accent1"/>
-          </a:effectRef>
-          <a:fontRef idx="minor">
-            <a:schemeClr val="tx1"/>
-          </a:fontRef>
-        </p:style>
-      </p:cxnSp>
-      <p:sp>
-        <p:nvSpPr>
-          <p:cNvPr id="40" name="Прямоугольник 39"/>
-          <p:cNvSpPr/>
-          <p:nvPr/>
-        </p:nvSpPr>
-        <p:spPr>
-          <a:xfrm>
-            <a:off x="3563888" y="1700808"/>
-            <a:ext cx="1800200" cy="504056"/>
-          </a:xfrm>
-          <a:prstGeom prst="rect">
-            <a:avLst/>
-          </a:prstGeom>
-          <a:solidFill>
-            <a:schemeClr val="accent5">
-              <a:lumMod val="75000"/>
-            </a:schemeClr>
-          </a:solidFill>
-        </p:spPr>
-        <p:style>
-          <a:lnRef idx="2">
-            <a:schemeClr val="accent1">
-              <a:shade val="50000"/>
-            </a:schemeClr>
-          </a:lnRef>
-          <a:fillRef idx="1">
-            <a:schemeClr val="accent1"/>
-          </a:fillRef>
-          <a:effectRef idx="0">
-            <a:schemeClr val="accent1"/>
-          </a:effectRef>
-          <a:fontRef idx="minor">
-            <a:schemeClr val="lt1"/>
-          </a:fontRef>
-        </p:style>
-        <p:txBody>
-          <a:bodyPr rtlCol="0" anchor="ctr"/>
-          <a:lstStyle/>
-          <a:p>
-            <a:pPr algn="ctr"/>
+              <a:t>База данных – </a:t>
+            </a:r>
+            <a:r>
+              <a:rPr lang="en-US" dirty="0" err="1" smtClean="0"/>
+              <a:t>Mysql</a:t>
+            </a:r>
+            <a:r>
+              <a:rPr lang="en-US" dirty="0" smtClean="0"/>
+              <a:t> </a:t>
+            </a:r>
             <a:r>
               <a:rPr lang="ru-RU" dirty="0" smtClean="0"/>
-              <a:t>Аутентификация</a:t>
-            </a:r>
+              <a:t>с интерфейсом </a:t>
+            </a:r>
+            <a:r>
+              <a:rPr lang="en-US" dirty="0" err="1" smtClean="0"/>
+              <a:t>phpmyadmin</a:t>
+            </a:r>
+            <a:r>
+              <a:rPr lang="en-US" dirty="0" smtClean="0"/>
+              <a:t>.</a:t>
+            </a:r>
+            <a:endParaRPr lang="ru-RU" dirty="0" smtClean="0"/>
+          </a:p>
+          <a:p>
+            <a:pPr lvl="1"/>
+            <a:r>
+              <a:rPr lang="ru-RU" dirty="0" smtClean="0"/>
+              <a:t>Интеграция </a:t>
+            </a:r>
+            <a:r>
+              <a:rPr lang="en-US" dirty="0" smtClean="0"/>
+              <a:t>SCORM/</a:t>
+            </a:r>
+            <a:r>
+              <a:rPr lang="en-US" dirty="0" err="1" smtClean="0"/>
+              <a:t>TinCan</a:t>
+            </a:r>
+            <a:r>
+              <a:rPr lang="en-US" dirty="0" smtClean="0"/>
+              <a:t> </a:t>
+            </a:r>
+            <a:r>
+              <a:rPr lang="ru-RU" dirty="0" smtClean="0"/>
+              <a:t>с помощью </a:t>
+            </a:r>
+            <a:r>
+              <a:rPr lang="en-US" dirty="0" err="1" smtClean="0"/>
+              <a:t>TinCan</a:t>
+            </a:r>
+            <a:r>
+              <a:rPr lang="en-US" dirty="0" smtClean="0"/>
+              <a:t> API</a:t>
+            </a:r>
+            <a:endParaRPr lang="ru-RU" dirty="0" smtClean="0"/>
+          </a:p>
+          <a:p>
+            <a:r>
+              <a:rPr lang="en-US" dirty="0" smtClean="0"/>
+              <a:t>Android </a:t>
+            </a:r>
+            <a:r>
+              <a:rPr lang="ru-RU" dirty="0" smtClean="0"/>
+              <a:t>клиент</a:t>
+            </a:r>
+            <a:r>
+              <a:rPr lang="en-US" dirty="0" smtClean="0"/>
+              <a:t>:</a:t>
+            </a:r>
+            <a:endParaRPr lang="ru-RU" dirty="0" smtClean="0"/>
+          </a:p>
+          <a:p>
+            <a:pPr lvl="1"/>
+            <a:r>
+              <a:rPr lang="ru-RU" dirty="0" smtClean="0"/>
+              <a:t>Язык программирования – </a:t>
+            </a:r>
+            <a:r>
+              <a:rPr lang="en-US" dirty="0" smtClean="0"/>
+              <a:t>Java</a:t>
+            </a:r>
+            <a:endParaRPr lang="ru-RU" dirty="0" smtClean="0"/>
+          </a:p>
+          <a:p>
+            <a:pPr lvl="1"/>
+            <a:r>
+              <a:rPr lang="ru-RU" dirty="0" smtClean="0"/>
+              <a:t>Среда – </a:t>
+            </a:r>
+            <a:r>
+              <a:rPr lang="en-US" dirty="0" err="1" smtClean="0"/>
+              <a:t>Intellij</a:t>
+            </a:r>
+            <a:r>
+              <a:rPr lang="en-US" dirty="0" smtClean="0"/>
+              <a:t> </a:t>
+            </a:r>
+            <a:r>
+              <a:rPr lang="en-US" dirty="0" smtClean="0"/>
+              <a:t>Idea, Android Studio</a:t>
+            </a:r>
+            <a:endParaRPr lang="en-US" dirty="0" smtClean="0"/>
+          </a:p>
+          <a:p>
+            <a:pPr lvl="1"/>
+            <a:r>
+              <a:rPr lang="ru-RU" dirty="0" smtClean="0"/>
+              <a:t>Основные библиотеки: </a:t>
+            </a:r>
+            <a:r>
+              <a:rPr lang="en-US" dirty="0" smtClean="0"/>
+              <a:t>D</a:t>
+            </a:r>
+            <a:r>
+              <a:rPr lang="en-US" dirty="0" smtClean="0"/>
+              <a:t>oc </a:t>
+            </a:r>
+            <a:r>
+              <a:rPr lang="en-US" dirty="0" smtClean="0"/>
+              <a:t>xml</a:t>
+            </a:r>
+          </a:p>
+          <a:p>
+            <a:pPr lvl="1"/>
             <a:endParaRPr lang="ru-RU" dirty="0"/>
           </a:p>
         </p:txBody>
@@ -7429,7 +6780,7 @@
           <a:p>
             <a:r>
               <a:rPr lang="ru-RU" dirty="0" smtClean="0"/>
-              <a:t>Программная реализация</a:t>
+              <a:t>Выводы</a:t>
             </a:r>
             <a:endParaRPr lang="ru-RU" dirty="0"/>
           </a:p>
@@ -7452,167 +6803,8 @@
           <a:p>
             <a:r>
               <a:rPr lang="ru-RU" dirty="0" smtClean="0"/>
-              <a:t>Сайт, сервер:</a:t>
-            </a:r>
-          </a:p>
-          <a:p>
-            <a:pPr lvl="1"/>
-            <a:r>
-              <a:rPr lang="ru-RU" dirty="0" smtClean="0"/>
-              <a:t>Язык программирования – </a:t>
-            </a:r>
-            <a:r>
-              <a:rPr lang="en-US" dirty="0" smtClean="0"/>
-              <a:t>python, </a:t>
-            </a:r>
-            <a:r>
-              <a:rPr lang="en-US" dirty="0" err="1" smtClean="0"/>
-              <a:t>javascript</a:t>
-            </a:r>
-            <a:endParaRPr lang="ru-RU" dirty="0" smtClean="0"/>
-          </a:p>
-          <a:p>
-            <a:pPr lvl="1"/>
-            <a:r>
-              <a:rPr lang="ru-RU" dirty="0" smtClean="0"/>
-              <a:t>Платформа – </a:t>
-            </a:r>
-            <a:r>
-              <a:rPr lang="en-US" dirty="0" err="1" smtClean="0"/>
-              <a:t>django</a:t>
-            </a:r>
-            <a:endParaRPr lang="ru-RU" dirty="0" smtClean="0"/>
-          </a:p>
-          <a:p>
-            <a:pPr lvl="1"/>
-            <a:r>
-              <a:rPr lang="ru-RU" dirty="0" smtClean="0"/>
-              <a:t>Среда – </a:t>
-            </a:r>
-            <a:r>
-              <a:rPr lang="en-US" dirty="0" err="1" smtClean="0"/>
-              <a:t>Pycharm</a:t>
-            </a:r>
-            <a:endParaRPr lang="en-US" dirty="0" smtClean="0"/>
-          </a:p>
-          <a:p>
-            <a:pPr lvl="1"/>
-            <a:r>
-              <a:rPr lang="ru-RU" dirty="0" smtClean="0"/>
-              <a:t>Основные библиотеки: </a:t>
-            </a:r>
-            <a:r>
-              <a:rPr lang="en-US" dirty="0" err="1" smtClean="0"/>
-              <a:t>tastypie</a:t>
-            </a:r>
-            <a:r>
-              <a:rPr lang="en-US" dirty="0" smtClean="0"/>
-              <a:t> </a:t>
-            </a:r>
-            <a:r>
-              <a:rPr lang="en-US" dirty="0" err="1" smtClean="0"/>
-              <a:t>api</a:t>
-            </a:r>
-            <a:r>
-              <a:rPr lang="en-US" dirty="0" smtClean="0"/>
-              <a:t> – </a:t>
-            </a:r>
-            <a:r>
-              <a:rPr lang="en-US" dirty="0" err="1" smtClean="0"/>
-              <a:t>api</a:t>
-            </a:r>
-            <a:r>
-              <a:rPr lang="en-US" dirty="0" smtClean="0"/>
-              <a:t> </a:t>
-            </a:r>
-            <a:r>
-              <a:rPr lang="ru-RU" dirty="0" smtClean="0"/>
-              <a:t>сайта</a:t>
-            </a:r>
-          </a:p>
-          <a:p>
-            <a:pPr lvl="1"/>
-            <a:r>
-              <a:rPr lang="ru-RU" dirty="0" smtClean="0"/>
-              <a:t>База данных – </a:t>
-            </a:r>
-            <a:r>
-              <a:rPr lang="en-US" dirty="0" err="1" smtClean="0"/>
-              <a:t>Mysql</a:t>
-            </a:r>
-            <a:r>
-              <a:rPr lang="en-US" dirty="0" smtClean="0"/>
-              <a:t> </a:t>
-            </a:r>
-            <a:r>
-              <a:rPr lang="ru-RU" dirty="0" smtClean="0"/>
-              <a:t>с интерфейсом </a:t>
-            </a:r>
-            <a:r>
-              <a:rPr lang="en-US" dirty="0" err="1" smtClean="0"/>
-              <a:t>phpmyadmin</a:t>
-            </a:r>
-            <a:r>
-              <a:rPr lang="en-US" dirty="0" smtClean="0"/>
-              <a:t>.</a:t>
-            </a:r>
-            <a:endParaRPr lang="ru-RU" dirty="0" smtClean="0"/>
-          </a:p>
-          <a:p>
-            <a:r>
-              <a:rPr lang="en-US" dirty="0" smtClean="0"/>
-              <a:t>Android </a:t>
-            </a:r>
-            <a:r>
-              <a:rPr lang="ru-RU" dirty="0" smtClean="0"/>
-              <a:t>клиент</a:t>
-            </a:r>
-            <a:r>
-              <a:rPr lang="en-US" dirty="0" smtClean="0"/>
-              <a:t>:</a:t>
-            </a:r>
-            <a:endParaRPr lang="ru-RU" dirty="0" smtClean="0"/>
-          </a:p>
-          <a:p>
-            <a:pPr lvl="1"/>
-            <a:r>
-              <a:rPr lang="ru-RU" dirty="0" smtClean="0"/>
-              <a:t>Язык программирования – </a:t>
-            </a:r>
-            <a:r>
-              <a:rPr lang="en-US" dirty="0" smtClean="0"/>
-              <a:t>Java</a:t>
-            </a:r>
-            <a:endParaRPr lang="ru-RU" dirty="0" smtClean="0"/>
-          </a:p>
-          <a:p>
-            <a:pPr lvl="1"/>
-            <a:r>
-              <a:rPr lang="ru-RU" dirty="0" smtClean="0"/>
-              <a:t>Среда – </a:t>
-            </a:r>
-            <a:r>
-              <a:rPr lang="en-US" dirty="0" err="1" smtClean="0"/>
-              <a:t>Intellij</a:t>
-            </a:r>
-            <a:r>
-              <a:rPr lang="en-US" dirty="0" smtClean="0"/>
-              <a:t> Idea</a:t>
-            </a:r>
-          </a:p>
-          <a:p>
-            <a:pPr lvl="1"/>
-            <a:r>
-              <a:rPr lang="ru-RU" dirty="0" smtClean="0"/>
-              <a:t>Основные библиотеки: </a:t>
-            </a:r>
-            <a:r>
-              <a:rPr lang="en-US" dirty="0" smtClean="0"/>
-              <a:t>doc xml</a:t>
-            </a:r>
-          </a:p>
-          <a:p>
-            <a:pPr lvl="1"/>
+              <a:t>В результате была получена универсальная система тестирования, которая позволяет проводить оценку знаний учащихся лицея, учащихся различных школ, а также проводить социологические опросы.</a:t>
+            </a:r>
             <a:endParaRPr lang="ru-RU" dirty="0"/>
           </a:p>
         </p:txBody>

--- a/Documents/Universalnaya_sistema_testirovania_v_web_i_na.pptx
+++ b/Documents/Universalnaya_sistema_testirovania_v_web_i_na.pptx
@@ -7,15 +7,14 @@
   <p:sldIdLst>
     <p:sldId id="256" r:id="rId2"/>
     <p:sldId id="257" r:id="rId3"/>
-    <p:sldId id="259" r:id="rId4"/>
-    <p:sldId id="260" r:id="rId5"/>
-    <p:sldId id="262" r:id="rId6"/>
-    <p:sldId id="263" r:id="rId7"/>
-    <p:sldId id="264" r:id="rId8"/>
-    <p:sldId id="265" r:id="rId9"/>
-    <p:sldId id="267" r:id="rId10"/>
-    <p:sldId id="269" r:id="rId11"/>
-    <p:sldId id="268" r:id="rId12"/>
+    <p:sldId id="260" r:id="rId4"/>
+    <p:sldId id="262" r:id="rId5"/>
+    <p:sldId id="263" r:id="rId6"/>
+    <p:sldId id="264" r:id="rId7"/>
+    <p:sldId id="265" r:id="rId8"/>
+    <p:sldId id="267" r:id="rId9"/>
+    <p:sldId id="269" r:id="rId10"/>
+    <p:sldId id="268" r:id="rId11"/>
   </p:sldIdLst>
   <p:sldSz cx="9144000" cy="6858000" type="screen4x3"/>
   <p:notesSz cx="6858000" cy="9144000"/>
@@ -261,7 +260,7 @@
             <a:fld id="{1B5E77D8-EFA7-41C5-89CA-4EA8B792707B}" type="datetimeFigureOut">
               <a:rPr lang="ru-RU" smtClean="0"/>
               <a:pPr/>
-              <a:t>14.02.2016</a:t>
+              <a:t>15.02.2016</a:t>
             </a:fld>
             <a:endParaRPr lang="ru-RU"/>
           </a:p>
@@ -622,7 +621,7 @@
             <a:fld id="{1B5E77D8-EFA7-41C5-89CA-4EA8B792707B}" type="datetimeFigureOut">
               <a:rPr lang="ru-RU" smtClean="0"/>
               <a:pPr/>
-              <a:t>14.02.2016</a:t>
+              <a:t>15.02.2016</a:t>
             </a:fld>
             <a:endParaRPr lang="ru-RU"/>
           </a:p>
@@ -799,7 +798,7 @@
             <a:fld id="{1B5E77D8-EFA7-41C5-89CA-4EA8B792707B}" type="datetimeFigureOut">
               <a:rPr lang="ru-RU" smtClean="0"/>
               <a:pPr/>
-              <a:t>14.02.2016</a:t>
+              <a:t>15.02.2016</a:t>
             </a:fld>
             <a:endParaRPr lang="ru-RU"/>
           </a:p>
@@ -1036,7 +1035,7 @@
             <a:fld id="{1B5E77D8-EFA7-41C5-89CA-4EA8B792707B}" type="datetimeFigureOut">
               <a:rPr lang="ru-RU" smtClean="0"/>
               <a:pPr/>
-              <a:t>14.02.2016</a:t>
+              <a:t>15.02.2016</a:t>
             </a:fld>
             <a:endParaRPr lang="ru-RU"/>
           </a:p>
@@ -1307,7 +1306,7 @@
             <a:fld id="{1B5E77D8-EFA7-41C5-89CA-4EA8B792707B}" type="datetimeFigureOut">
               <a:rPr lang="ru-RU" smtClean="0"/>
               <a:pPr/>
-              <a:t>14.02.2016</a:t>
+              <a:t>15.02.2016</a:t>
             </a:fld>
             <a:endParaRPr lang="ru-RU"/>
           </a:p>
@@ -1529,7 +1528,7 @@
             <a:fld id="{1B5E77D8-EFA7-41C5-89CA-4EA8B792707B}" type="datetimeFigureOut">
               <a:rPr lang="ru-RU" smtClean="0"/>
               <a:pPr/>
-              <a:t>14.02.2016</a:t>
+              <a:t>15.02.2016</a:t>
             </a:fld>
             <a:endParaRPr lang="ru-RU"/>
           </a:p>
@@ -1883,7 +1882,7 @@
             <a:fld id="{1B5E77D8-EFA7-41C5-89CA-4EA8B792707B}" type="datetimeFigureOut">
               <a:rPr lang="ru-RU" smtClean="0"/>
               <a:pPr/>
-              <a:t>14.02.2016</a:t>
+              <a:t>15.02.2016</a:t>
             </a:fld>
             <a:endParaRPr lang="ru-RU"/>
           </a:p>
@@ -2117,7 +2116,7 @@
             <a:fld id="{1B5E77D8-EFA7-41C5-89CA-4EA8B792707B}" type="datetimeFigureOut">
               <a:rPr lang="ru-RU" smtClean="0"/>
               <a:pPr/>
-              <a:t>14.02.2016</a:t>
+              <a:t>15.02.2016</a:t>
             </a:fld>
             <a:endParaRPr lang="ru-RU"/>
           </a:p>
@@ -2259,7 +2258,7 @@
             <a:fld id="{1B5E77D8-EFA7-41C5-89CA-4EA8B792707B}" type="datetimeFigureOut">
               <a:rPr lang="ru-RU" smtClean="0"/>
               <a:pPr/>
-              <a:t>14.02.2016</a:t>
+              <a:t>15.02.2016</a:t>
             </a:fld>
             <a:endParaRPr lang="ru-RU"/>
           </a:p>
@@ -2538,7 +2537,7 @@
             <a:fld id="{1B5E77D8-EFA7-41C5-89CA-4EA8B792707B}" type="datetimeFigureOut">
               <a:rPr lang="ru-RU" smtClean="0"/>
               <a:pPr/>
-              <a:t>14.02.2016</a:t>
+              <a:t>15.02.2016</a:t>
             </a:fld>
             <a:endParaRPr lang="ru-RU"/>
           </a:p>
@@ -2947,7 +2946,7 @@
             <a:fld id="{1B5E77D8-EFA7-41C5-89CA-4EA8B792707B}" type="datetimeFigureOut">
               <a:rPr lang="ru-RU" smtClean="0"/>
               <a:pPr/>
-              <a:t>14.02.2016</a:t>
+              <a:t>15.02.2016</a:t>
             </a:fld>
             <a:endParaRPr lang="ru-RU"/>
           </a:p>
@@ -3287,7 +3286,7 @@
             <a:fld id="{1B5E77D8-EFA7-41C5-89CA-4EA8B792707B}" type="datetimeFigureOut">
               <a:rPr lang="ru-RU" smtClean="0"/>
               <a:pPr/>
-              <a:t>14.02.2016</a:t>
+              <a:t>15.02.2016</a:t>
             </a:fld>
             <a:endParaRPr lang="ru-RU"/>
           </a:p>
@@ -4021,18 +4020,7 @@
                   </a:schemeClr>
                 </a:solidFill>
               </a:rPr>
-              <a:t>Исполнители: Молчанов Михаил, Горбачев Александр </a:t>
-            </a:r>
-            <a:r>
-              <a:rPr lang="ru-RU" dirty="0" smtClean="0">
-                <a:solidFill>
-                  <a:schemeClr val="tx1">
-                    <a:lumMod val="85000"/>
-                    <a:lumOff val="15000"/>
-                  </a:schemeClr>
-                </a:solidFill>
-              </a:rPr>
-              <a:t>1</a:t>
+              <a:t>Исполнители: Молчанов Михаил, Горбачев Александр 1</a:t>
             </a:r>
             <a:r>
               <a:rPr lang="en-US" dirty="0" smtClean="0">
@@ -4163,149 +4151,6 @@
           <a:p>
             <a:r>
               <a:rPr lang="ru-RU" dirty="0" smtClean="0"/>
-              <a:t>Направления дальнейших разработок</a:t>
-            </a:r>
-            <a:endParaRPr lang="ru-RU" dirty="0"/>
-          </a:p>
-        </p:txBody>
-      </p:sp>
-      <p:sp>
-        <p:nvSpPr>
-          <p:cNvPr id="3" name="Содержимое 2"/>
-          <p:cNvSpPr>
-            <a:spLocks noGrp="1"/>
-          </p:cNvSpPr>
-          <p:nvPr>
-            <p:ph sz="quarter" idx="1"/>
-          </p:nvPr>
-        </p:nvSpPr>
-        <p:spPr/>
-        <p:txBody>
-          <a:bodyPr>
-            <a:normAutofit lnSpcReduction="10000"/>
-          </a:bodyPr>
-          <a:lstStyle/>
-          <a:p>
-            <a:r>
-              <a:rPr lang="ru-RU" dirty="0" smtClean="0"/>
-              <a:t>Фильтрация реальных пользователей</a:t>
-            </a:r>
-          </a:p>
-          <a:p>
-            <a:r>
-              <a:rPr lang="ru-RU" dirty="0" smtClean="0"/>
-              <a:t>Приближение функционала </a:t>
-            </a:r>
-            <a:r>
-              <a:rPr lang="ru-RU" dirty="0" err="1" smtClean="0"/>
-              <a:t>Android</a:t>
-            </a:r>
-            <a:r>
-              <a:rPr lang="ru-RU" dirty="0" smtClean="0"/>
-              <a:t> приложения к функционалу сайта</a:t>
-            </a:r>
-          </a:p>
-          <a:p>
-            <a:r>
-              <a:rPr lang="ru-RU" dirty="0" smtClean="0"/>
-              <a:t> Реализовать еще несколько видов теста</a:t>
-            </a:r>
-          </a:p>
-          <a:p>
-            <a:r>
-              <a:rPr lang="ru-RU" dirty="0" smtClean="0"/>
-              <a:t> Большее применение </a:t>
-            </a:r>
-            <a:r>
-              <a:rPr lang="ru-RU" dirty="0" err="1" smtClean="0"/>
-              <a:t>ajax</a:t>
-            </a:r>
-            <a:r>
-              <a:rPr lang="ru-RU" dirty="0" smtClean="0"/>
-              <a:t> технологий </a:t>
-            </a:r>
-          </a:p>
-          <a:p>
-            <a:r>
-              <a:rPr lang="ru-RU" dirty="0" smtClean="0"/>
-              <a:t> Добавить функцию массового добавления изображений</a:t>
-            </a:r>
-          </a:p>
-          <a:p>
-            <a:r>
-              <a:rPr lang="ru-RU" dirty="0" smtClean="0"/>
-              <a:t> Добавить функцию выбора картинки в качестве ответа</a:t>
-            </a:r>
-          </a:p>
-          <a:p>
-            <a:r>
-              <a:rPr lang="ru-RU" dirty="0" smtClean="0"/>
-              <a:t> Дополнить возможности личных настроек</a:t>
-            </a:r>
-          </a:p>
-          <a:p>
-            <a:r>
-              <a:rPr lang="ru-RU" dirty="0" smtClean="0"/>
-              <a:t>Дополнить систему </a:t>
-            </a:r>
-            <a:r>
-              <a:rPr lang="ru-RU" dirty="0" smtClean="0"/>
-              <a:t>«</a:t>
-            </a:r>
-            <a:r>
-              <a:rPr lang="ru-RU" dirty="0" err="1" smtClean="0"/>
-              <a:t>кликер</a:t>
-            </a:r>
-            <a:r>
-              <a:rPr lang="ru-RU" dirty="0" smtClean="0"/>
-              <a:t>»</a:t>
-            </a:r>
-            <a:endParaRPr lang="ru-RU" dirty="0"/>
-          </a:p>
-        </p:txBody>
-      </p:sp>
-    </p:spTree>
-  </p:cSld>
-  <p:clrMapOvr>
-    <a:masterClrMapping/>
-  </p:clrMapOvr>
-</p:sld>
-</file>
-
-<file path=ppt/slides/slide11.xml><?xml version="1.0" encoding="utf-8"?>
-<p:sld xmlns:a="http://schemas.openxmlformats.org/drawingml/2006/main" xmlns:r="http://schemas.openxmlformats.org/officeDocument/2006/relationships" xmlns:p="http://schemas.openxmlformats.org/presentationml/2006/main">
-  <p:cSld>
-    <p:spTree>
-      <p:nvGrpSpPr>
-        <p:cNvPr id="1" name=""/>
-        <p:cNvGrpSpPr/>
-        <p:nvPr/>
-      </p:nvGrpSpPr>
-      <p:grpSpPr>
-        <a:xfrm>
-          <a:off x="0" y="0"/>
-          <a:ext cx="0" cy="0"/>
-          <a:chOff x="0" y="0"/>
-          <a:chExt cx="0" cy="0"/>
-        </a:xfrm>
-      </p:grpSpPr>
-      <p:sp>
-        <p:nvSpPr>
-          <p:cNvPr id="2" name="Заголовок 1"/>
-          <p:cNvSpPr>
-            <a:spLocks noGrp="1"/>
-          </p:cNvSpPr>
-          <p:nvPr>
-            <p:ph type="title"/>
-          </p:nvPr>
-        </p:nvSpPr>
-        <p:spPr/>
-        <p:txBody>
-          <a:bodyPr/>
-          <a:lstStyle/>
-          <a:p>
-            <a:r>
-              <a:rPr lang="ru-RU" dirty="0" smtClean="0"/>
               <a:t>Литература</a:t>
             </a:r>
             <a:endParaRPr lang="ru-RU" dirty="0"/>
@@ -4725,7 +4570,7 @@
           <a:p>
             <a:r>
               <a:rPr lang="ru-RU" dirty="0" smtClean="0"/>
-              <a:t>Введение в предметную область</a:t>
+              <a:t>Актуальность темы</a:t>
             </a:r>
             <a:endParaRPr lang="ru-RU" dirty="0"/>
           </a:p>
@@ -4743,72 +4588,36 @@
         </p:nvSpPr>
         <p:spPr/>
         <p:txBody>
-          <a:bodyPr>
-            <a:normAutofit/>
-          </a:bodyPr>
-          <a:lstStyle/>
-          <a:p>
+          <a:bodyPr/>
+          <a:lstStyle/>
+          <a:p>
+            <a:pPr lvl="0"/>
             <a:r>
               <a:rPr lang="ru-RU" dirty="0" smtClean="0"/>
-              <a:t>Виды тестов: </a:t>
-            </a:r>
-          </a:p>
-          <a:p>
-            <a:pPr marL="685800" lvl="1"/>
-            <a:r>
-              <a:rPr lang="ru-RU" sz="2000" dirty="0" smtClean="0"/>
-              <a:t>«</a:t>
-            </a:r>
-            <a:r>
-              <a:rPr lang="ru-RU" sz="2000" dirty="0" err="1" smtClean="0"/>
-              <a:t>да-нет</a:t>
-            </a:r>
-            <a:r>
-              <a:rPr lang="ru-RU" sz="2000" dirty="0" smtClean="0"/>
-              <a:t>»</a:t>
-            </a:r>
-          </a:p>
-          <a:p>
-            <a:pPr marL="685800" lvl="1"/>
-            <a:r>
-              <a:rPr lang="ru-RU" sz="2000" dirty="0" smtClean="0"/>
-              <a:t>«</a:t>
-            </a:r>
-            <a:r>
-              <a:rPr lang="ru-RU" sz="2000" dirty="0" err="1" smtClean="0"/>
-              <a:t>да-нет-не</a:t>
-            </a:r>
-            <a:r>
-              <a:rPr lang="ru-RU" sz="2000" dirty="0" smtClean="0"/>
-              <a:t> знаю»</a:t>
-            </a:r>
-          </a:p>
-          <a:p>
-            <a:pPr marL="685800" lvl="1"/>
-            <a:r>
-              <a:rPr lang="ru-RU" sz="2000" dirty="0" smtClean="0"/>
-              <a:t>Один вариант ответа</a:t>
-            </a:r>
-            <a:endParaRPr lang="ru-RU" sz="2000" dirty="0" smtClean="0"/>
-          </a:p>
-          <a:p>
-            <a:pPr marL="685800" lvl="1"/>
-            <a:r>
-              <a:rPr lang="ru-RU" sz="2000" dirty="0" smtClean="0"/>
-              <a:t>Несколько вариантов ответа</a:t>
-            </a:r>
-            <a:endParaRPr lang="ru-RU" sz="2000" dirty="0" smtClean="0"/>
-          </a:p>
-          <a:p>
-            <a:pPr marL="685800" lvl="1"/>
-            <a:r>
-              <a:rPr lang="ru-RU" sz="2000" dirty="0" smtClean="0"/>
-              <a:t>Краткий свободный ответ</a:t>
-            </a:r>
-            <a:endParaRPr lang="ru-RU" sz="2000" dirty="0" smtClean="0"/>
-          </a:p>
-          <a:p>
-            <a:pPr lvl="1"/>
+              <a:t>Электронное тестирование позволяет почти сразу получить результат, не вынуждая учителя самому проверять ответы учащихся.</a:t>
+            </a:r>
+          </a:p>
+          <a:p>
+            <a:r>
+              <a:rPr lang="ru-RU" sz="2400" dirty="0" smtClean="0"/>
+              <a:t>На выходе выдаётся информация, готовая к анализу.</a:t>
+            </a:r>
+          </a:p>
+          <a:p>
+            <a:r>
+              <a:rPr lang="ru-RU" dirty="0" smtClean="0"/>
+              <a:t>Исключается ошибка учителя при проверки.</a:t>
+            </a:r>
+          </a:p>
+          <a:p>
+            <a:r>
+              <a:rPr lang="ru-RU" dirty="0" smtClean="0"/>
+              <a:t>Удобная система с интеграцией </a:t>
+            </a:r>
+            <a:r>
+              <a:rPr lang="en-US" smtClean="0"/>
+              <a:t>SCORM</a:t>
+            </a:r>
             <a:endParaRPr lang="ru-RU" dirty="0"/>
           </a:p>
         </p:txBody>
@@ -4857,14 +4666,12 @@
         </p:nvSpPr>
         <p:spPr/>
         <p:txBody>
-          <a:bodyPr>
-            <a:normAutofit/>
-          </a:bodyPr>
+          <a:bodyPr/>
           <a:lstStyle/>
           <a:p>
             <a:r>
               <a:rPr lang="ru-RU" dirty="0" smtClean="0"/>
-              <a:t>Актуальность темы</a:t>
+              <a:t>Архитектура проекта</a:t>
             </a:r>
             <a:endParaRPr lang="ru-RU" dirty="0"/>
           </a:p>
@@ -4885,37 +4692,470 @@
           <a:bodyPr/>
           <a:lstStyle/>
           <a:p>
-            <a:pPr lvl="0"/>
+            <a:endParaRPr lang="ru-RU" dirty="0"/>
+          </a:p>
+        </p:txBody>
+      </p:sp>
+      <p:sp>
+        <p:nvSpPr>
+          <p:cNvPr id="52" name="Прямоугольник 51"/>
+          <p:cNvSpPr/>
+          <p:nvPr/>
+        </p:nvSpPr>
+        <p:spPr>
+          <a:xfrm>
+            <a:off x="1259632" y="2060848"/>
+            <a:ext cx="1728192" cy="1224136"/>
+          </a:xfrm>
+          <a:prstGeom prst="rect">
+            <a:avLst/>
+          </a:prstGeom>
+        </p:spPr>
+        <p:style>
+          <a:lnRef idx="2">
+            <a:schemeClr val="accent1">
+              <a:shade val="50000"/>
+            </a:schemeClr>
+          </a:lnRef>
+          <a:fillRef idx="1">
+            <a:schemeClr val="accent1"/>
+          </a:fillRef>
+          <a:effectRef idx="0">
+            <a:schemeClr val="accent1"/>
+          </a:effectRef>
+          <a:fontRef idx="minor">
+            <a:schemeClr val="lt1"/>
+          </a:fontRef>
+        </p:style>
+        <p:txBody>
+          <a:bodyPr rtlCol="0" anchor="ctr"/>
+          <a:lstStyle/>
+          <a:p>
+            <a:pPr algn="ctr"/>
             <a:r>
               <a:rPr lang="ru-RU" dirty="0" smtClean="0"/>
-              <a:t>Электронное тестирование позволяет почти сразу получить результат, не вынуждая учителя самому проверять ответы учащихся.</a:t>
-            </a:r>
-          </a:p>
-          <a:p>
-            <a:r>
-              <a:rPr lang="ru-RU" sz="2400" dirty="0" smtClean="0"/>
-              <a:t>На выходе выдаётся информация, готовая к анализу.</a:t>
-            </a:r>
-          </a:p>
-          <a:p>
+              <a:t>Сервер</a:t>
+            </a:r>
+            <a:endParaRPr lang="ru-RU" dirty="0"/>
+          </a:p>
+        </p:txBody>
+      </p:sp>
+      <p:sp>
+        <p:nvSpPr>
+          <p:cNvPr id="53" name="Прямоугольник 52"/>
+          <p:cNvSpPr/>
+          <p:nvPr/>
+        </p:nvSpPr>
+        <p:spPr>
+          <a:xfrm>
+            <a:off x="683568" y="3933056"/>
+            <a:ext cx="1440160" cy="720080"/>
+          </a:xfrm>
+          <a:prstGeom prst="rect">
+            <a:avLst/>
+          </a:prstGeom>
+        </p:spPr>
+        <p:style>
+          <a:lnRef idx="2">
+            <a:schemeClr val="accent1">
+              <a:shade val="50000"/>
+            </a:schemeClr>
+          </a:lnRef>
+          <a:fillRef idx="1">
+            <a:schemeClr val="accent1"/>
+          </a:fillRef>
+          <a:effectRef idx="0">
+            <a:schemeClr val="accent1"/>
+          </a:effectRef>
+          <a:fontRef idx="minor">
+            <a:schemeClr val="lt1"/>
+          </a:fontRef>
+        </p:style>
+        <p:txBody>
+          <a:bodyPr rtlCol="0" anchor="ctr"/>
+          <a:lstStyle/>
+          <a:p>
+            <a:pPr algn="ctr"/>
             <a:r>
               <a:rPr lang="ru-RU" dirty="0" smtClean="0"/>
-              <a:t>Исключается ошибка учителя при проверки.</a:t>
-            </a:r>
-          </a:p>
-          <a:p>
+              <a:t>База данных</a:t>
+            </a:r>
+            <a:endParaRPr lang="ru-RU" dirty="0"/>
+          </a:p>
+        </p:txBody>
+      </p:sp>
+      <p:cxnSp>
+        <p:nvCxnSpPr>
+          <p:cNvPr id="55" name="Прямая со стрелкой 54"/>
+          <p:cNvCxnSpPr>
+            <a:stCxn id="52" idx="2"/>
+            <a:endCxn id="53" idx="0"/>
+          </p:cNvCxnSpPr>
+          <p:nvPr/>
+        </p:nvCxnSpPr>
+        <p:spPr>
+          <a:xfrm flipH="1">
+            <a:off x="1403648" y="3284984"/>
+            <a:ext cx="720000" cy="648072"/>
+          </a:xfrm>
+          <a:prstGeom prst="straightConnector1">
+            <a:avLst/>
+          </a:prstGeom>
+          <a:ln>
+            <a:tailEnd type="arrow"/>
+          </a:ln>
+        </p:spPr>
+        <p:style>
+          <a:lnRef idx="1">
+            <a:schemeClr val="accent1"/>
+          </a:lnRef>
+          <a:fillRef idx="0">
+            <a:schemeClr val="accent1"/>
+          </a:fillRef>
+          <a:effectRef idx="0">
+            <a:schemeClr val="accent1"/>
+          </a:effectRef>
+          <a:fontRef idx="minor">
+            <a:schemeClr val="tx1"/>
+          </a:fontRef>
+        </p:style>
+      </p:cxnSp>
+      <p:sp>
+        <p:nvSpPr>
+          <p:cNvPr id="59" name="Прямоугольник 58"/>
+          <p:cNvSpPr/>
+          <p:nvPr/>
+        </p:nvSpPr>
+        <p:spPr>
+          <a:xfrm>
+            <a:off x="2555776" y="3933056"/>
+            <a:ext cx="1440160" cy="720080"/>
+          </a:xfrm>
+          <a:prstGeom prst="rect">
+            <a:avLst/>
+          </a:prstGeom>
+        </p:spPr>
+        <p:style>
+          <a:lnRef idx="2">
+            <a:schemeClr val="accent1">
+              <a:shade val="50000"/>
+            </a:schemeClr>
+          </a:lnRef>
+          <a:fillRef idx="1">
+            <a:schemeClr val="accent1"/>
+          </a:fillRef>
+          <a:effectRef idx="0">
+            <a:schemeClr val="accent1"/>
+          </a:effectRef>
+          <a:fontRef idx="minor">
+            <a:schemeClr val="lt1"/>
+          </a:fontRef>
+        </p:style>
+        <p:txBody>
+          <a:bodyPr rtlCol="0" anchor="ctr"/>
+          <a:lstStyle/>
+          <a:p>
+            <a:pPr algn="ctr"/>
             <a:r>
               <a:rPr lang="ru-RU" dirty="0" smtClean="0"/>
-              <a:t>Удобная система с интеграцией </a:t>
-            </a:r>
-            <a:r>
-              <a:rPr lang="en-US" smtClean="0"/>
-              <a:t>SCORM</a:t>
+              <a:t>Серверная часть сайта</a:t>
             </a:r>
             <a:endParaRPr lang="ru-RU" dirty="0"/>
           </a:p>
         </p:txBody>
       </p:sp>
+      <p:cxnSp>
+        <p:nvCxnSpPr>
+          <p:cNvPr id="61" name="Прямая со стрелкой 60"/>
+          <p:cNvCxnSpPr>
+            <a:stCxn id="52" idx="2"/>
+            <a:endCxn id="59" idx="0"/>
+          </p:cNvCxnSpPr>
+          <p:nvPr/>
+        </p:nvCxnSpPr>
+        <p:spPr>
+          <a:xfrm>
+            <a:off x="2123728" y="3284984"/>
+            <a:ext cx="1152128" cy="648072"/>
+          </a:xfrm>
+          <a:prstGeom prst="straightConnector1">
+            <a:avLst/>
+          </a:prstGeom>
+          <a:ln>
+            <a:tailEnd type="arrow"/>
+          </a:ln>
+        </p:spPr>
+        <p:style>
+          <a:lnRef idx="1">
+            <a:schemeClr val="accent1"/>
+          </a:lnRef>
+          <a:fillRef idx="0">
+            <a:schemeClr val="accent1"/>
+          </a:fillRef>
+          <a:effectRef idx="0">
+            <a:schemeClr val="accent1"/>
+          </a:effectRef>
+          <a:fontRef idx="minor">
+            <a:schemeClr val="tx1"/>
+          </a:fontRef>
+        </p:style>
+      </p:cxnSp>
+      <p:sp>
+        <p:nvSpPr>
+          <p:cNvPr id="64" name="Прямоугольник 63"/>
+          <p:cNvSpPr/>
+          <p:nvPr/>
+        </p:nvSpPr>
+        <p:spPr>
+          <a:xfrm>
+            <a:off x="3851920" y="2060848"/>
+            <a:ext cx="1728192" cy="1224136"/>
+          </a:xfrm>
+          <a:prstGeom prst="rect">
+            <a:avLst/>
+          </a:prstGeom>
+        </p:spPr>
+        <p:style>
+          <a:lnRef idx="2">
+            <a:schemeClr val="accent1">
+              <a:shade val="50000"/>
+            </a:schemeClr>
+          </a:lnRef>
+          <a:fillRef idx="1">
+            <a:schemeClr val="accent1"/>
+          </a:fillRef>
+          <a:effectRef idx="0">
+            <a:schemeClr val="accent1"/>
+          </a:effectRef>
+          <a:fontRef idx="minor">
+            <a:schemeClr val="lt1"/>
+          </a:fontRef>
+        </p:style>
+        <p:txBody>
+          <a:bodyPr rtlCol="0" anchor="ctr"/>
+          <a:lstStyle/>
+          <a:p>
+            <a:pPr algn="ctr"/>
+            <a:r>
+              <a:rPr lang="ru-RU" dirty="0" err="1" smtClean="0"/>
+              <a:t>Веб</a:t>
+            </a:r>
+            <a:r>
+              <a:rPr lang="ru-RU" dirty="0" smtClean="0"/>
+              <a:t> клиент</a:t>
+            </a:r>
+            <a:endParaRPr lang="ru-RU" dirty="0"/>
+          </a:p>
+        </p:txBody>
+      </p:sp>
+      <p:sp>
+        <p:nvSpPr>
+          <p:cNvPr id="65" name="Прямоугольник 64"/>
+          <p:cNvSpPr/>
+          <p:nvPr/>
+        </p:nvSpPr>
+        <p:spPr>
+          <a:xfrm>
+            <a:off x="6228184" y="2060848"/>
+            <a:ext cx="1728192" cy="1224136"/>
+          </a:xfrm>
+          <a:prstGeom prst="rect">
+            <a:avLst/>
+          </a:prstGeom>
+        </p:spPr>
+        <p:style>
+          <a:lnRef idx="2">
+            <a:schemeClr val="accent1">
+              <a:shade val="50000"/>
+            </a:schemeClr>
+          </a:lnRef>
+          <a:fillRef idx="1">
+            <a:schemeClr val="accent1"/>
+          </a:fillRef>
+          <a:effectRef idx="0">
+            <a:schemeClr val="accent1"/>
+          </a:effectRef>
+          <a:fontRef idx="minor">
+            <a:schemeClr val="lt1"/>
+          </a:fontRef>
+        </p:style>
+        <p:txBody>
+          <a:bodyPr rtlCol="0" anchor="ctr"/>
+          <a:lstStyle/>
+          <a:p>
+            <a:pPr algn="ctr"/>
+            <a:r>
+              <a:rPr lang="en-US" dirty="0" smtClean="0"/>
+              <a:t>Android </a:t>
+            </a:r>
+            <a:r>
+              <a:rPr lang="ru-RU" dirty="0" smtClean="0"/>
+              <a:t>клиент</a:t>
+            </a:r>
+            <a:endParaRPr lang="ru-RU" dirty="0"/>
+          </a:p>
+        </p:txBody>
+      </p:sp>
+      <p:sp>
+        <p:nvSpPr>
+          <p:cNvPr id="67" name="Прямоугольник 66"/>
+          <p:cNvSpPr/>
+          <p:nvPr/>
+        </p:nvSpPr>
+        <p:spPr>
+          <a:xfrm>
+            <a:off x="4211960" y="3933056"/>
+            <a:ext cx="1440160" cy="720080"/>
+          </a:xfrm>
+          <a:prstGeom prst="rect">
+            <a:avLst/>
+          </a:prstGeom>
+        </p:spPr>
+        <p:style>
+          <a:lnRef idx="2">
+            <a:schemeClr val="accent1">
+              <a:shade val="50000"/>
+            </a:schemeClr>
+          </a:lnRef>
+          <a:fillRef idx="1">
+            <a:schemeClr val="accent1"/>
+          </a:fillRef>
+          <a:effectRef idx="0">
+            <a:schemeClr val="accent1"/>
+          </a:effectRef>
+          <a:fontRef idx="minor">
+            <a:schemeClr val="lt1"/>
+          </a:fontRef>
+        </p:style>
+        <p:txBody>
+          <a:bodyPr rtlCol="0" anchor="ctr"/>
+          <a:lstStyle/>
+          <a:p>
+            <a:pPr algn="ctr"/>
+            <a:r>
+              <a:rPr lang="ru-RU" dirty="0" smtClean="0"/>
+              <a:t>Клиентская часть сайта</a:t>
+            </a:r>
+            <a:endParaRPr lang="ru-RU" dirty="0"/>
+          </a:p>
+        </p:txBody>
+      </p:sp>
+      <p:cxnSp>
+        <p:nvCxnSpPr>
+          <p:cNvPr id="69" name="Прямая со стрелкой 68"/>
+          <p:cNvCxnSpPr>
+            <a:stCxn id="64" idx="2"/>
+            <a:endCxn id="67" idx="0"/>
+          </p:cNvCxnSpPr>
+          <p:nvPr/>
+        </p:nvCxnSpPr>
+        <p:spPr>
+          <a:xfrm>
+            <a:off x="4716016" y="3284984"/>
+            <a:ext cx="216024" cy="648072"/>
+          </a:xfrm>
+          <a:prstGeom prst="straightConnector1">
+            <a:avLst/>
+          </a:prstGeom>
+          <a:ln>
+            <a:tailEnd type="arrow"/>
+          </a:ln>
+        </p:spPr>
+        <p:style>
+          <a:lnRef idx="1">
+            <a:schemeClr val="accent1"/>
+          </a:lnRef>
+          <a:fillRef idx="0">
+            <a:schemeClr val="accent1"/>
+          </a:fillRef>
+          <a:effectRef idx="0">
+            <a:schemeClr val="accent1"/>
+          </a:effectRef>
+          <a:fontRef idx="minor">
+            <a:schemeClr val="tx1"/>
+          </a:fontRef>
+        </p:style>
+      </p:cxnSp>
+      <p:sp>
+        <p:nvSpPr>
+          <p:cNvPr id="71" name="Прямоугольник 70"/>
+          <p:cNvSpPr/>
+          <p:nvPr/>
+        </p:nvSpPr>
+        <p:spPr>
+          <a:xfrm>
+            <a:off x="6444208" y="3933056"/>
+            <a:ext cx="1440160" cy="720080"/>
+          </a:xfrm>
+          <a:prstGeom prst="rect">
+            <a:avLst/>
+          </a:prstGeom>
+        </p:spPr>
+        <p:style>
+          <a:lnRef idx="2">
+            <a:schemeClr val="accent1">
+              <a:shade val="50000"/>
+            </a:schemeClr>
+          </a:lnRef>
+          <a:fillRef idx="1">
+            <a:schemeClr val="accent1"/>
+          </a:fillRef>
+          <a:effectRef idx="0">
+            <a:schemeClr val="accent1"/>
+          </a:effectRef>
+          <a:fontRef idx="minor">
+            <a:schemeClr val="lt1"/>
+          </a:fontRef>
+        </p:style>
+        <p:txBody>
+          <a:bodyPr rtlCol="0" anchor="ctr"/>
+          <a:lstStyle/>
+          <a:p>
+            <a:pPr algn="ctr"/>
+            <a:r>
+              <a:rPr lang="ru-RU" dirty="0" smtClean="0"/>
+              <a:t>Мобильное приложение</a:t>
+            </a:r>
+            <a:endParaRPr lang="ru-RU" dirty="0"/>
+          </a:p>
+        </p:txBody>
+      </p:sp>
+      <p:cxnSp>
+        <p:nvCxnSpPr>
+          <p:cNvPr id="73" name="Прямая со стрелкой 72"/>
+          <p:cNvCxnSpPr>
+            <a:stCxn id="65" idx="2"/>
+            <a:endCxn id="71" idx="0"/>
+          </p:cNvCxnSpPr>
+          <p:nvPr/>
+        </p:nvCxnSpPr>
+        <p:spPr>
+          <a:xfrm>
+            <a:off x="7092280" y="3284984"/>
+            <a:ext cx="72008" cy="648072"/>
+          </a:xfrm>
+          <a:prstGeom prst="straightConnector1">
+            <a:avLst/>
+          </a:prstGeom>
+          <a:ln>
+            <a:tailEnd type="arrow"/>
+          </a:ln>
+        </p:spPr>
+        <p:style>
+          <a:lnRef idx="1">
+            <a:schemeClr val="accent1"/>
+          </a:lnRef>
+          <a:fillRef idx="0">
+            <a:schemeClr val="accent1"/>
+          </a:fillRef>
+          <a:effectRef idx="0">
+            <a:schemeClr val="accent1"/>
+          </a:effectRef>
+          <a:fontRef idx="minor">
+            <a:schemeClr val="tx1"/>
+          </a:fontRef>
+        </p:style>
+      </p:cxnSp>
     </p:spTree>
   </p:cSld>
   <p:clrMapOvr>
@@ -4965,7 +5205,7 @@
           <a:p>
             <a:r>
               <a:rPr lang="ru-RU" dirty="0" smtClean="0"/>
-              <a:t>Архитектура проекта</a:t>
+              <a:t>Функции сервера</a:t>
             </a:r>
             <a:endParaRPr lang="ru-RU" dirty="0"/>
           </a:p>
@@ -4992,16 +5232,16 @@
       </p:sp>
       <p:sp>
         <p:nvSpPr>
-          <p:cNvPr id="52" name="Прямоугольник 51"/>
+          <p:cNvPr id="4" name="Блок-схема: процесс 3"/>
           <p:cNvSpPr/>
           <p:nvPr/>
         </p:nvSpPr>
         <p:spPr>
           <a:xfrm>
-            <a:off x="1259632" y="2060848"/>
-            <a:ext cx="1728192" cy="1224136"/>
-          </a:xfrm>
-          <a:prstGeom prst="rect">
+            <a:off x="3635896" y="3140968"/>
+            <a:ext cx="1656184" cy="864096"/>
+          </a:xfrm>
+          <a:prstGeom prst="flowChartProcess">
             <a:avLst/>
           </a:prstGeom>
         </p:spPr>
@@ -5028,7 +5268,7 @@
             <a:pPr algn="ctr"/>
             <a:r>
               <a:rPr lang="ru-RU" dirty="0" smtClean="0"/>
-              <a:t>Сервер</a:t>
+              <a:t>Раздача тестов по сети</a:t>
             </a:r>
             <a:endParaRPr lang="ru-RU" dirty="0"/>
           </a:p>
@@ -5036,16 +5276,16 @@
       </p:sp>
       <p:sp>
         <p:nvSpPr>
-          <p:cNvPr id="53" name="Прямоугольник 52"/>
+          <p:cNvPr id="6" name="Блок-схема: процесс 5"/>
           <p:cNvSpPr/>
           <p:nvPr/>
         </p:nvSpPr>
         <p:spPr>
           <a:xfrm>
-            <a:off x="683568" y="3933056"/>
-            <a:ext cx="1440160" cy="720080"/>
-          </a:xfrm>
-          <a:prstGeom prst="rect">
+            <a:off x="3203848" y="1556792"/>
+            <a:ext cx="2448272" cy="1224136"/>
+          </a:xfrm>
+          <a:prstGeom prst="flowChartProcess">
             <a:avLst/>
           </a:prstGeom>
         </p:spPr>
@@ -5072,7 +5312,7 @@
             <a:pPr algn="ctr"/>
             <a:r>
               <a:rPr lang="ru-RU" dirty="0" smtClean="0"/>
-              <a:t>База данных</a:t>
+              <a:t>Хранение информации о тестах и пользователях в базе данных</a:t>
             </a:r>
             <a:endParaRPr lang="ru-RU" dirty="0"/>
           </a:p>
@@ -5080,17 +5320,17 @@
       </p:sp>
       <p:cxnSp>
         <p:nvCxnSpPr>
-          <p:cNvPr id="55" name="Прямая со стрелкой 54"/>
+          <p:cNvPr id="22" name="Прямая со стрелкой 21"/>
           <p:cNvCxnSpPr>
-            <a:stCxn id="52" idx="2"/>
-            <a:endCxn id="53" idx="0"/>
+            <a:stCxn id="6" idx="2"/>
+            <a:endCxn id="4" idx="0"/>
           </p:cNvCxnSpPr>
           <p:nvPr/>
         </p:nvCxnSpPr>
         <p:spPr>
-          <a:xfrm flipH="1">
-            <a:off x="1403648" y="3284984"/>
-            <a:ext cx="720000" cy="648072"/>
+          <a:xfrm>
+            <a:off x="4427984" y="2780928"/>
+            <a:ext cx="36004" cy="360040"/>
           </a:xfrm>
           <a:prstGeom prst="straightConnector1">
             <a:avLst/>
@@ -5116,16 +5356,16 @@
       </p:cxnSp>
       <p:sp>
         <p:nvSpPr>
-          <p:cNvPr id="59" name="Прямоугольник 58"/>
+          <p:cNvPr id="29" name="Блок-схема: процесс 28"/>
           <p:cNvSpPr/>
           <p:nvPr/>
         </p:nvSpPr>
         <p:spPr>
           <a:xfrm>
-            <a:off x="2555776" y="3933056"/>
-            <a:ext cx="1440160" cy="720080"/>
-          </a:xfrm>
-          <a:prstGeom prst="rect">
+            <a:off x="3491880" y="4365104"/>
+            <a:ext cx="2016224" cy="648072"/>
+          </a:xfrm>
+          <a:prstGeom prst="flowChartProcess">
             <a:avLst/>
           </a:prstGeom>
         </p:spPr>
@@ -5152,7 +5392,7 @@
             <a:pPr algn="ctr"/>
             <a:r>
               <a:rPr lang="ru-RU" dirty="0" smtClean="0"/>
-              <a:t>Серверная часть сайта</a:t>
+              <a:t>Обработка запросов</a:t>
             </a:r>
             <a:endParaRPr lang="ru-RU" dirty="0"/>
           </a:p>
@@ -5160,17 +5400,17 @@
       </p:sp>
       <p:cxnSp>
         <p:nvCxnSpPr>
-          <p:cNvPr id="61" name="Прямая со стрелкой 60"/>
+          <p:cNvPr id="31" name="Прямая со стрелкой 30"/>
           <p:cNvCxnSpPr>
-            <a:stCxn id="52" idx="2"/>
-            <a:endCxn id="59" idx="0"/>
+            <a:stCxn id="4" idx="2"/>
+            <a:endCxn id="29" idx="0"/>
           </p:cNvCxnSpPr>
           <p:nvPr/>
         </p:nvCxnSpPr>
         <p:spPr>
           <a:xfrm>
-            <a:off x="2123728" y="3284984"/>
-            <a:ext cx="1152128" cy="648072"/>
+            <a:off x="4463988" y="4005064"/>
+            <a:ext cx="36004" cy="360040"/>
           </a:xfrm>
           <a:prstGeom prst="straightConnector1">
             <a:avLst/>
@@ -5196,16 +5436,16 @@
       </p:cxnSp>
       <p:sp>
         <p:nvSpPr>
-          <p:cNvPr id="64" name="Прямоугольник 63"/>
+          <p:cNvPr id="34" name="Блок-схема: процесс 33"/>
           <p:cNvSpPr/>
           <p:nvPr/>
         </p:nvSpPr>
         <p:spPr>
           <a:xfrm>
-            <a:off x="3851920" y="2060848"/>
-            <a:ext cx="1728192" cy="1224136"/>
-          </a:xfrm>
-          <a:prstGeom prst="rect">
+            <a:off x="3635896" y="5373216"/>
+            <a:ext cx="1656184" cy="576064"/>
+          </a:xfrm>
+          <a:prstGeom prst="flowChartProcess">
             <a:avLst/>
           </a:prstGeom>
         </p:spPr>
@@ -5231,104 +5471,8 @@
           <a:p>
             <a:pPr algn="ctr"/>
             <a:r>
-              <a:rPr lang="ru-RU" dirty="0" err="1" smtClean="0"/>
-              <a:t>Веб</a:t>
-            </a:r>
-            <a:r>
               <a:rPr lang="ru-RU" dirty="0" smtClean="0"/>
-              <a:t> клиент</a:t>
-            </a:r>
-            <a:endParaRPr lang="ru-RU" dirty="0"/>
-          </a:p>
-        </p:txBody>
-      </p:sp>
-      <p:sp>
-        <p:nvSpPr>
-          <p:cNvPr id="65" name="Прямоугольник 64"/>
-          <p:cNvSpPr/>
-          <p:nvPr/>
-        </p:nvSpPr>
-        <p:spPr>
-          <a:xfrm>
-            <a:off x="6228184" y="2060848"/>
-            <a:ext cx="1728192" cy="1224136"/>
-          </a:xfrm>
-          <a:prstGeom prst="rect">
-            <a:avLst/>
-          </a:prstGeom>
-        </p:spPr>
-        <p:style>
-          <a:lnRef idx="2">
-            <a:schemeClr val="accent1">
-              <a:shade val="50000"/>
-            </a:schemeClr>
-          </a:lnRef>
-          <a:fillRef idx="1">
-            <a:schemeClr val="accent1"/>
-          </a:fillRef>
-          <a:effectRef idx="0">
-            <a:schemeClr val="accent1"/>
-          </a:effectRef>
-          <a:fontRef idx="minor">
-            <a:schemeClr val="lt1"/>
-          </a:fontRef>
-        </p:style>
-        <p:txBody>
-          <a:bodyPr rtlCol="0" anchor="ctr"/>
-          <a:lstStyle/>
-          <a:p>
-            <a:pPr algn="ctr"/>
-            <a:r>
-              <a:rPr lang="en-US" dirty="0" smtClean="0"/>
-              <a:t>Android </a:t>
-            </a:r>
-            <a:r>
-              <a:rPr lang="ru-RU" dirty="0" smtClean="0"/>
-              <a:t>клиент</a:t>
-            </a:r>
-            <a:endParaRPr lang="ru-RU" dirty="0"/>
-          </a:p>
-        </p:txBody>
-      </p:sp>
-      <p:sp>
-        <p:nvSpPr>
-          <p:cNvPr id="67" name="Прямоугольник 66"/>
-          <p:cNvSpPr/>
-          <p:nvPr/>
-        </p:nvSpPr>
-        <p:spPr>
-          <a:xfrm>
-            <a:off x="4211960" y="3933056"/>
-            <a:ext cx="1440160" cy="720080"/>
-          </a:xfrm>
-          <a:prstGeom prst="rect">
-            <a:avLst/>
-          </a:prstGeom>
-        </p:spPr>
-        <p:style>
-          <a:lnRef idx="2">
-            <a:schemeClr val="accent1">
-              <a:shade val="50000"/>
-            </a:schemeClr>
-          </a:lnRef>
-          <a:fillRef idx="1">
-            <a:schemeClr val="accent1"/>
-          </a:fillRef>
-          <a:effectRef idx="0">
-            <a:schemeClr val="accent1"/>
-          </a:effectRef>
-          <a:fontRef idx="minor">
-            <a:schemeClr val="lt1"/>
-          </a:fontRef>
-        </p:style>
-        <p:txBody>
-          <a:bodyPr rtlCol="0" anchor="ctr"/>
-          <a:lstStyle/>
-          <a:p>
-            <a:pPr algn="ctr"/>
-            <a:r>
-              <a:rPr lang="ru-RU" dirty="0" smtClean="0"/>
-              <a:t>Клиентская часть сайта</a:t>
+              <a:t>Занесение данных в БД</a:t>
             </a:r>
             <a:endParaRPr lang="ru-RU" dirty="0"/>
           </a:p>
@@ -5336,97 +5480,17 @@
       </p:sp>
       <p:cxnSp>
         <p:nvCxnSpPr>
-          <p:cNvPr id="69" name="Прямая со стрелкой 68"/>
+          <p:cNvPr id="39" name="Прямая со стрелкой 38"/>
           <p:cNvCxnSpPr>
-            <a:stCxn id="64" idx="2"/>
-            <a:endCxn id="67" idx="0"/>
+            <a:stCxn id="29" idx="2"/>
+            <a:endCxn id="34" idx="0"/>
           </p:cNvCxnSpPr>
           <p:nvPr/>
         </p:nvCxnSpPr>
         <p:spPr>
-          <a:xfrm>
-            <a:off x="4716016" y="3284984"/>
-            <a:ext cx="216024" cy="648072"/>
-          </a:xfrm>
-          <a:prstGeom prst="straightConnector1">
-            <a:avLst/>
-          </a:prstGeom>
-          <a:ln>
-            <a:tailEnd type="arrow"/>
-          </a:ln>
-        </p:spPr>
-        <p:style>
-          <a:lnRef idx="1">
-            <a:schemeClr val="accent1"/>
-          </a:lnRef>
-          <a:fillRef idx="0">
-            <a:schemeClr val="accent1"/>
-          </a:fillRef>
-          <a:effectRef idx="0">
-            <a:schemeClr val="accent1"/>
-          </a:effectRef>
-          <a:fontRef idx="minor">
-            <a:schemeClr val="tx1"/>
-          </a:fontRef>
-        </p:style>
-      </p:cxnSp>
-      <p:sp>
-        <p:nvSpPr>
-          <p:cNvPr id="71" name="Прямоугольник 70"/>
-          <p:cNvSpPr/>
-          <p:nvPr/>
-        </p:nvSpPr>
-        <p:spPr>
-          <a:xfrm>
-            <a:off x="6444208" y="3933056"/>
-            <a:ext cx="1440160" cy="720080"/>
-          </a:xfrm>
-          <a:prstGeom prst="rect">
-            <a:avLst/>
-          </a:prstGeom>
-        </p:spPr>
-        <p:style>
-          <a:lnRef idx="2">
-            <a:schemeClr val="accent1">
-              <a:shade val="50000"/>
-            </a:schemeClr>
-          </a:lnRef>
-          <a:fillRef idx="1">
-            <a:schemeClr val="accent1"/>
-          </a:fillRef>
-          <a:effectRef idx="0">
-            <a:schemeClr val="accent1"/>
-          </a:effectRef>
-          <a:fontRef idx="minor">
-            <a:schemeClr val="lt1"/>
-          </a:fontRef>
-        </p:style>
-        <p:txBody>
-          <a:bodyPr rtlCol="0" anchor="ctr"/>
-          <a:lstStyle/>
-          <a:p>
-            <a:pPr algn="ctr"/>
-            <a:r>
-              <a:rPr lang="ru-RU" dirty="0" smtClean="0"/>
-              <a:t>Мобильное приложение</a:t>
-            </a:r>
-            <a:endParaRPr lang="ru-RU" dirty="0"/>
-          </a:p>
-        </p:txBody>
-      </p:sp>
-      <p:cxnSp>
-        <p:nvCxnSpPr>
-          <p:cNvPr id="73" name="Прямая со стрелкой 72"/>
-          <p:cNvCxnSpPr>
-            <a:stCxn id="65" idx="2"/>
-            <a:endCxn id="71" idx="0"/>
-          </p:cNvCxnSpPr>
-          <p:nvPr/>
-        </p:nvCxnSpPr>
-        <p:spPr>
-          <a:xfrm>
-            <a:off x="7092280" y="3284984"/>
-            <a:ext cx="72008" cy="648072"/>
+          <a:xfrm flipH="1">
+            <a:off x="4463988" y="5013176"/>
+            <a:ext cx="36004" cy="360040"/>
           </a:xfrm>
           <a:prstGeom prst="straightConnector1">
             <a:avLst/>
@@ -5494,50 +5558,55 @@
         </p:nvSpPr>
         <p:spPr/>
         <p:txBody>
+          <a:bodyPr>
+            <a:normAutofit/>
+          </a:bodyPr>
+          <a:lstStyle/>
+          <a:p>
+            <a:r>
+              <a:rPr lang="ru-RU" dirty="0" smtClean="0"/>
+              <a:t>Функции клиента</a:t>
+            </a:r>
+            <a:endParaRPr lang="ru-RU" dirty="0"/>
+          </a:p>
+        </p:txBody>
+      </p:sp>
+      <p:sp>
+        <p:nvSpPr>
+          <p:cNvPr id="5" name="Содержимое 4"/>
+          <p:cNvSpPr>
+            <a:spLocks noGrp="1"/>
+          </p:cNvSpPr>
+          <p:nvPr>
+            <p:ph sz="quarter" idx="1"/>
+          </p:nvPr>
+        </p:nvSpPr>
+        <p:spPr/>
+        <p:txBody>
           <a:bodyPr/>
           <a:lstStyle/>
           <a:p>
-            <a:r>
-              <a:rPr lang="ru-RU" dirty="0" smtClean="0"/>
-              <a:t>Функции сервера</a:t>
-            </a:r>
             <a:endParaRPr lang="ru-RU" dirty="0"/>
           </a:p>
         </p:txBody>
       </p:sp>
       <p:sp>
         <p:nvSpPr>
-          <p:cNvPr id="3" name="Содержимое 2"/>
-          <p:cNvSpPr>
-            <a:spLocks noGrp="1"/>
-          </p:cNvSpPr>
-          <p:nvPr>
-            <p:ph sz="quarter" idx="1"/>
-          </p:nvPr>
-        </p:nvSpPr>
-        <p:spPr/>
-        <p:txBody>
-          <a:bodyPr/>
-          <a:lstStyle/>
-          <a:p>
-            <a:endParaRPr lang="ru-RU" dirty="0"/>
-          </a:p>
-        </p:txBody>
-      </p:sp>
-      <p:sp>
-        <p:nvSpPr>
-          <p:cNvPr id="4" name="Блок-схема: процесс 3"/>
+          <p:cNvPr id="6" name="Блок-схема: процесс 5"/>
           <p:cNvSpPr/>
           <p:nvPr/>
         </p:nvSpPr>
         <p:spPr>
           <a:xfrm>
-            <a:off x="3635896" y="3140968"/>
-            <a:ext cx="1656184" cy="864096"/>
+            <a:off x="899592" y="1340768"/>
+            <a:ext cx="7632848" cy="4104456"/>
           </a:xfrm>
           <a:prstGeom prst="flowChartProcess">
             <a:avLst/>
           </a:prstGeom>
+          <a:solidFill>
+            <a:schemeClr val="bg1"/>
+          </a:solidFill>
         </p:spPr>
         <p:style>
           <a:lnRef idx="2">
@@ -5561,23 +5630,35 @@
           <a:p>
             <a:pPr algn="ctr"/>
             <a:r>
-              <a:rPr lang="ru-RU" dirty="0" smtClean="0"/>
-              <a:t>Раздача тестов по сети</a:t>
-            </a:r>
-            <a:endParaRPr lang="ru-RU" dirty="0"/>
-          </a:p>
-        </p:txBody>
-      </p:sp>
-      <p:sp>
-        <p:nvSpPr>
-          <p:cNvPr id="6" name="Блок-схема: процесс 5"/>
+              <a:rPr lang="ru-RU" sz="3200" dirty="0" smtClean="0">
+                <a:solidFill>
+                  <a:schemeClr val="accent2">
+                    <a:lumMod val="75000"/>
+                  </a:schemeClr>
+                </a:solidFill>
+              </a:rPr>
+              <a:t>Клиент</a:t>
+            </a:r>
+            <a:endParaRPr lang="ru-RU" sz="3200" dirty="0">
+              <a:solidFill>
+                <a:schemeClr val="accent2">
+                  <a:lumMod val="75000"/>
+                </a:schemeClr>
+              </a:solidFill>
+            </a:endParaRPr>
+          </a:p>
+        </p:txBody>
+      </p:sp>
+      <p:sp>
+        <p:nvSpPr>
+          <p:cNvPr id="7" name="Блок-схема: процесс 6"/>
           <p:cNvSpPr/>
           <p:nvPr/>
         </p:nvSpPr>
         <p:spPr>
           <a:xfrm>
-            <a:off x="3203848" y="1556792"/>
-            <a:ext cx="2448272" cy="1224136"/>
+            <a:off x="1979712" y="2492896"/>
+            <a:ext cx="1080120" cy="612648"/>
           </a:xfrm>
           <a:prstGeom prst="flowChartProcess">
             <a:avLst/>
@@ -5606,58 +5687,22 @@
             <a:pPr algn="ctr"/>
             <a:r>
               <a:rPr lang="ru-RU" dirty="0" smtClean="0"/>
-              <a:t>Хранение информации о тестах и пользователях в базе данных</a:t>
+              <a:t>Учитель</a:t>
             </a:r>
             <a:endParaRPr lang="ru-RU" dirty="0"/>
           </a:p>
         </p:txBody>
       </p:sp>
-      <p:cxnSp>
-        <p:nvCxnSpPr>
-          <p:cNvPr id="22" name="Прямая со стрелкой 21"/>
-          <p:cNvCxnSpPr>
-            <a:stCxn id="6" idx="2"/>
-            <a:endCxn id="4" idx="0"/>
-          </p:cNvCxnSpPr>
-          <p:nvPr/>
-        </p:nvCxnSpPr>
-        <p:spPr>
-          <a:xfrm>
-            <a:off x="4427984" y="2780928"/>
-            <a:ext cx="36004" cy="360040"/>
-          </a:xfrm>
-          <a:prstGeom prst="straightConnector1">
-            <a:avLst/>
-          </a:prstGeom>
-          <a:ln>
-            <a:tailEnd type="arrow"/>
-          </a:ln>
-        </p:spPr>
-        <p:style>
-          <a:lnRef idx="1">
-            <a:schemeClr val="accent1"/>
-          </a:lnRef>
-          <a:fillRef idx="0">
-            <a:schemeClr val="accent1"/>
-          </a:fillRef>
-          <a:effectRef idx="0">
-            <a:schemeClr val="accent1"/>
-          </a:effectRef>
-          <a:fontRef idx="minor">
-            <a:schemeClr val="tx1"/>
-          </a:fontRef>
-        </p:style>
-      </p:cxnSp>
-      <p:sp>
-        <p:nvSpPr>
-          <p:cNvPr id="29" name="Блок-схема: процесс 28"/>
+      <p:sp>
+        <p:nvSpPr>
+          <p:cNvPr id="8" name="Блок-схема: процесс 7"/>
           <p:cNvSpPr/>
           <p:nvPr/>
         </p:nvSpPr>
         <p:spPr>
           <a:xfrm>
-            <a:off x="3491880" y="4365104"/>
-            <a:ext cx="2016224" cy="648072"/>
+            <a:off x="6300192" y="2564904"/>
+            <a:ext cx="1080120" cy="612648"/>
           </a:xfrm>
           <a:prstGeom prst="flowChartProcess">
             <a:avLst/>
@@ -5686,62 +5731,31 @@
             <a:pPr algn="ctr"/>
             <a:r>
               <a:rPr lang="ru-RU" dirty="0" smtClean="0"/>
-              <a:t>Обработка запросов</a:t>
+              <a:t>Ученик</a:t>
             </a:r>
             <a:endParaRPr lang="ru-RU" dirty="0"/>
           </a:p>
         </p:txBody>
       </p:sp>
-      <p:cxnSp>
-        <p:nvCxnSpPr>
-          <p:cNvPr id="31" name="Прямая со стрелкой 30"/>
-          <p:cNvCxnSpPr>
-            <a:stCxn id="4" idx="2"/>
-            <a:endCxn id="29" idx="0"/>
-          </p:cNvCxnSpPr>
-          <p:nvPr/>
-        </p:nvCxnSpPr>
-        <p:spPr>
-          <a:xfrm>
-            <a:off x="4463988" y="4005064"/>
-            <a:ext cx="36004" cy="360040"/>
-          </a:xfrm>
-          <a:prstGeom prst="straightConnector1">
-            <a:avLst/>
-          </a:prstGeom>
-          <a:ln>
-            <a:tailEnd type="arrow"/>
-          </a:ln>
-        </p:spPr>
-        <p:style>
-          <a:lnRef idx="1">
-            <a:schemeClr val="accent1"/>
-          </a:lnRef>
-          <a:fillRef idx="0">
-            <a:schemeClr val="accent1"/>
-          </a:fillRef>
-          <a:effectRef idx="0">
-            <a:schemeClr val="accent1"/>
-          </a:effectRef>
-          <a:fontRef idx="minor">
-            <a:schemeClr val="tx1"/>
-          </a:fontRef>
-        </p:style>
-      </p:cxnSp>
-      <p:sp>
-        <p:nvSpPr>
-          <p:cNvPr id="34" name="Блок-схема: процесс 33"/>
+      <p:sp>
+        <p:nvSpPr>
+          <p:cNvPr id="9" name="Блок-схема: процесс 8"/>
           <p:cNvSpPr/>
           <p:nvPr/>
         </p:nvSpPr>
         <p:spPr>
           <a:xfrm>
-            <a:off x="3635896" y="5373216"/>
-            <a:ext cx="1656184" cy="576064"/>
+            <a:off x="899592" y="4221088"/>
+            <a:ext cx="1800200" cy="792088"/>
           </a:xfrm>
           <a:prstGeom prst="flowChartProcess">
             <a:avLst/>
           </a:prstGeom>
+          <a:solidFill>
+            <a:schemeClr val="bg2">
+              <a:lumMod val="75000"/>
+            </a:schemeClr>
+          </a:solidFill>
         </p:spPr>
         <p:style>
           <a:lnRef idx="2">
@@ -5766,7 +5780,153 @@
             <a:pPr algn="ctr"/>
             <a:r>
               <a:rPr lang="ru-RU" dirty="0" smtClean="0"/>
-              <a:t>Занесение данных в БД</a:t>
+              <a:t>Создание тестов, редактирование</a:t>
+            </a:r>
+            <a:endParaRPr lang="ru-RU" dirty="0"/>
+          </a:p>
+        </p:txBody>
+      </p:sp>
+      <p:sp>
+        <p:nvSpPr>
+          <p:cNvPr id="11" name="Блок-схема: процесс 10"/>
+          <p:cNvSpPr/>
+          <p:nvPr/>
+        </p:nvSpPr>
+        <p:spPr>
+          <a:xfrm>
+            <a:off x="2915816" y="4221088"/>
+            <a:ext cx="1800200" cy="792088"/>
+          </a:xfrm>
+          <a:prstGeom prst="flowChartProcess">
+            <a:avLst/>
+          </a:prstGeom>
+          <a:solidFill>
+            <a:schemeClr val="bg2">
+              <a:lumMod val="75000"/>
+            </a:schemeClr>
+          </a:solidFill>
+        </p:spPr>
+        <p:style>
+          <a:lnRef idx="2">
+            <a:schemeClr val="accent1">
+              <a:shade val="50000"/>
+            </a:schemeClr>
+          </a:lnRef>
+          <a:fillRef idx="1">
+            <a:schemeClr val="accent1"/>
+          </a:fillRef>
+          <a:effectRef idx="0">
+            <a:schemeClr val="accent1"/>
+          </a:effectRef>
+          <a:fontRef idx="minor">
+            <a:schemeClr val="lt1"/>
+          </a:fontRef>
+        </p:style>
+        <p:txBody>
+          <a:bodyPr rtlCol="0" anchor="ctr"/>
+          <a:lstStyle/>
+          <a:p>
+            <a:pPr algn="ctr"/>
+            <a:r>
+              <a:rPr lang="ru-RU" dirty="0" smtClean="0"/>
+              <a:t>Просмотр результатов и самих тестов.</a:t>
+            </a:r>
+            <a:endParaRPr lang="ru-RU" dirty="0"/>
+          </a:p>
+        </p:txBody>
+      </p:sp>
+      <p:sp>
+        <p:nvSpPr>
+          <p:cNvPr id="13" name="Блок-схема: процесс 12"/>
+          <p:cNvSpPr/>
+          <p:nvPr/>
+        </p:nvSpPr>
+        <p:spPr>
+          <a:xfrm>
+            <a:off x="7092280" y="4221088"/>
+            <a:ext cx="1440160" cy="792088"/>
+          </a:xfrm>
+          <a:prstGeom prst="flowChartProcess">
+            <a:avLst/>
+          </a:prstGeom>
+          <a:solidFill>
+            <a:schemeClr val="bg2">
+              <a:lumMod val="75000"/>
+            </a:schemeClr>
+          </a:solidFill>
+        </p:spPr>
+        <p:style>
+          <a:lnRef idx="2">
+            <a:schemeClr val="accent1">
+              <a:shade val="50000"/>
+            </a:schemeClr>
+          </a:lnRef>
+          <a:fillRef idx="1">
+            <a:schemeClr val="accent1"/>
+          </a:fillRef>
+          <a:effectRef idx="0">
+            <a:schemeClr val="accent1"/>
+          </a:effectRef>
+          <a:fontRef idx="minor">
+            <a:schemeClr val="lt1"/>
+          </a:fontRef>
+        </p:style>
+        <p:txBody>
+          <a:bodyPr rtlCol="0" anchor="ctr"/>
+          <a:lstStyle/>
+          <a:p>
+            <a:pPr algn="ctr"/>
+            <a:r>
+              <a:rPr lang="ru-RU" dirty="0" smtClean="0"/>
+              <a:t>Просмотр результатов</a:t>
+            </a:r>
+          </a:p>
+        </p:txBody>
+      </p:sp>
+      <p:sp>
+        <p:nvSpPr>
+          <p:cNvPr id="14" name="Блок-схема: процесс 13"/>
+          <p:cNvSpPr/>
+          <p:nvPr/>
+        </p:nvSpPr>
+        <p:spPr>
+          <a:xfrm>
+            <a:off x="5004048" y="4221088"/>
+            <a:ext cx="1656184" cy="792088"/>
+          </a:xfrm>
+          <a:prstGeom prst="flowChartProcess">
+            <a:avLst/>
+          </a:prstGeom>
+          <a:solidFill>
+            <a:schemeClr val="bg2">
+              <a:lumMod val="75000"/>
+            </a:schemeClr>
+          </a:solidFill>
+        </p:spPr>
+        <p:style>
+          <a:lnRef idx="2">
+            <a:schemeClr val="accent1">
+              <a:shade val="50000"/>
+            </a:schemeClr>
+          </a:lnRef>
+          <a:fillRef idx="1">
+            <a:schemeClr val="accent1"/>
+          </a:fillRef>
+          <a:effectRef idx="0">
+            <a:schemeClr val="accent1"/>
+          </a:effectRef>
+          <a:fontRef idx="minor">
+            <a:schemeClr val="lt1"/>
+          </a:fontRef>
+        </p:style>
+        <p:txBody>
+          <a:bodyPr rtlCol="0" anchor="ctr"/>
+          <a:lstStyle/>
+          <a:p>
+            <a:pPr algn="ctr"/>
+            <a:r>
+              <a:rPr lang="ru-RU" dirty="0" smtClean="0"/>
+              <a:t>Прохождение тестов</a:t>
             </a:r>
             <a:endParaRPr lang="ru-RU" dirty="0"/>
           </a:p>
@@ -5774,17 +5934,17 @@
       </p:sp>
       <p:cxnSp>
         <p:nvCxnSpPr>
-          <p:cNvPr id="39" name="Прямая со стрелкой 38"/>
+          <p:cNvPr id="20" name="Прямая со стрелкой 19"/>
           <p:cNvCxnSpPr>
-            <a:stCxn id="29" idx="2"/>
-            <a:endCxn id="34" idx="0"/>
+            <a:stCxn id="7" idx="2"/>
+            <a:endCxn id="9" idx="0"/>
           </p:cNvCxnSpPr>
           <p:nvPr/>
         </p:nvCxnSpPr>
         <p:spPr>
           <a:xfrm flipH="1">
-            <a:off x="4463988" y="5013176"/>
-            <a:ext cx="36004" cy="360040"/>
+            <a:off x="1799692" y="3105544"/>
+            <a:ext cx="720080" cy="1115544"/>
           </a:xfrm>
           <a:prstGeom prst="straightConnector1">
             <a:avLst/>
@@ -5808,6 +5968,163 @@
           </a:fontRef>
         </p:style>
       </p:cxnSp>
+      <p:cxnSp>
+        <p:nvCxnSpPr>
+          <p:cNvPr id="22" name="Прямая со стрелкой 21"/>
+          <p:cNvCxnSpPr>
+            <a:stCxn id="7" idx="2"/>
+            <a:endCxn id="11" idx="0"/>
+          </p:cNvCxnSpPr>
+          <p:nvPr/>
+        </p:nvCxnSpPr>
+        <p:spPr>
+          <a:xfrm>
+            <a:off x="2519772" y="3105544"/>
+            <a:ext cx="1296144" cy="1115544"/>
+          </a:xfrm>
+          <a:prstGeom prst="straightConnector1">
+            <a:avLst/>
+          </a:prstGeom>
+          <a:ln>
+            <a:tailEnd type="arrow"/>
+          </a:ln>
+        </p:spPr>
+        <p:style>
+          <a:lnRef idx="1">
+            <a:schemeClr val="accent1"/>
+          </a:lnRef>
+          <a:fillRef idx="0">
+            <a:schemeClr val="accent1"/>
+          </a:fillRef>
+          <a:effectRef idx="0">
+            <a:schemeClr val="accent1"/>
+          </a:effectRef>
+          <a:fontRef idx="minor">
+            <a:schemeClr val="tx1"/>
+          </a:fontRef>
+        </p:style>
+      </p:cxnSp>
+      <p:cxnSp>
+        <p:nvCxnSpPr>
+          <p:cNvPr id="24" name="Прямая со стрелкой 23"/>
+          <p:cNvCxnSpPr>
+            <a:stCxn id="8" idx="2"/>
+            <a:endCxn id="14" idx="0"/>
+          </p:cNvCxnSpPr>
+          <p:nvPr/>
+        </p:nvCxnSpPr>
+        <p:spPr>
+          <a:xfrm flipH="1">
+            <a:off x="5832140" y="3177552"/>
+            <a:ext cx="1008112" cy="1043536"/>
+          </a:xfrm>
+          <a:prstGeom prst="straightConnector1">
+            <a:avLst/>
+          </a:prstGeom>
+          <a:ln>
+            <a:tailEnd type="arrow"/>
+          </a:ln>
+        </p:spPr>
+        <p:style>
+          <a:lnRef idx="1">
+            <a:schemeClr val="accent1"/>
+          </a:lnRef>
+          <a:fillRef idx="0">
+            <a:schemeClr val="accent1"/>
+          </a:fillRef>
+          <a:effectRef idx="0">
+            <a:schemeClr val="accent1"/>
+          </a:effectRef>
+          <a:fontRef idx="minor">
+            <a:schemeClr val="tx1"/>
+          </a:fontRef>
+        </p:style>
+      </p:cxnSp>
+      <p:cxnSp>
+        <p:nvCxnSpPr>
+          <p:cNvPr id="26" name="Прямая со стрелкой 25"/>
+          <p:cNvCxnSpPr>
+            <a:stCxn id="8" idx="2"/>
+            <a:endCxn id="13" idx="0"/>
+          </p:cNvCxnSpPr>
+          <p:nvPr/>
+        </p:nvCxnSpPr>
+        <p:spPr>
+          <a:xfrm>
+            <a:off x="6840252" y="3177552"/>
+            <a:ext cx="972108" cy="1043536"/>
+          </a:xfrm>
+          <a:prstGeom prst="straightConnector1">
+            <a:avLst/>
+          </a:prstGeom>
+          <a:ln>
+            <a:tailEnd type="arrow"/>
+          </a:ln>
+        </p:spPr>
+        <p:style>
+          <a:lnRef idx="1">
+            <a:schemeClr val="accent1"/>
+          </a:lnRef>
+          <a:fillRef idx="0">
+            <a:schemeClr val="accent1"/>
+          </a:fillRef>
+          <a:effectRef idx="0">
+            <a:schemeClr val="accent1"/>
+          </a:effectRef>
+          <a:fontRef idx="minor">
+            <a:schemeClr val="tx1"/>
+          </a:fontRef>
+        </p:style>
+      </p:cxnSp>
+      <p:sp>
+        <p:nvSpPr>
+          <p:cNvPr id="40" name="Прямоугольник 39"/>
+          <p:cNvSpPr/>
+          <p:nvPr/>
+        </p:nvSpPr>
+        <p:spPr>
+          <a:xfrm>
+            <a:off x="3563888" y="1700808"/>
+            <a:ext cx="1800200" cy="504056"/>
+          </a:xfrm>
+          <a:prstGeom prst="rect">
+            <a:avLst/>
+          </a:prstGeom>
+          <a:solidFill>
+            <a:schemeClr val="accent5">
+              <a:lumMod val="75000"/>
+            </a:schemeClr>
+          </a:solidFill>
+        </p:spPr>
+        <p:style>
+          <a:lnRef idx="2">
+            <a:schemeClr val="accent1">
+              <a:shade val="50000"/>
+            </a:schemeClr>
+          </a:lnRef>
+          <a:fillRef idx="1">
+            <a:schemeClr val="accent1"/>
+          </a:fillRef>
+          <a:effectRef idx="0">
+            <a:schemeClr val="accent1"/>
+          </a:effectRef>
+          <a:fontRef idx="minor">
+            <a:schemeClr val="lt1"/>
+          </a:fontRef>
+        </p:style>
+        <p:txBody>
+          <a:bodyPr rtlCol="0" anchor="ctr"/>
+          <a:lstStyle/>
+          <a:p>
+            <a:pPr algn="ctr"/>
+            <a:r>
+              <a:rPr lang="ru-RU" dirty="0" smtClean="0"/>
+              <a:t>Аутентификация</a:t>
+            </a:r>
+            <a:endParaRPr lang="ru-RU" dirty="0"/>
+          </a:p>
+        </p:txBody>
+      </p:sp>
     </p:spTree>
   </p:cSld>
   <p:clrMapOvr>
@@ -5852,569 +6169,241 @@
         </p:nvSpPr>
         <p:spPr/>
         <p:txBody>
+          <a:bodyPr/>
+          <a:lstStyle/>
+          <a:p>
+            <a:r>
+              <a:rPr lang="ru-RU" dirty="0" smtClean="0"/>
+              <a:t>Программная реализация</a:t>
+            </a:r>
+            <a:endParaRPr lang="ru-RU" dirty="0"/>
+          </a:p>
+        </p:txBody>
+      </p:sp>
+      <p:sp>
+        <p:nvSpPr>
+          <p:cNvPr id="3" name="Содержимое 2"/>
+          <p:cNvSpPr>
+            <a:spLocks noGrp="1"/>
+          </p:cNvSpPr>
+          <p:nvPr>
+            <p:ph sz="quarter" idx="1"/>
+          </p:nvPr>
+        </p:nvSpPr>
+        <p:spPr/>
+        <p:txBody>
           <a:bodyPr>
-            <a:normAutofit/>
+            <a:normAutofit lnSpcReduction="10000"/>
           </a:bodyPr>
           <a:lstStyle/>
           <a:p>
             <a:r>
               <a:rPr lang="ru-RU" dirty="0" smtClean="0"/>
-              <a:t>Функции клиента</a:t>
-            </a:r>
-            <a:endParaRPr lang="ru-RU" dirty="0"/>
-          </a:p>
-        </p:txBody>
-      </p:sp>
-      <p:sp>
-        <p:nvSpPr>
-          <p:cNvPr id="5" name="Содержимое 4"/>
-          <p:cNvSpPr>
-            <a:spLocks noGrp="1"/>
-          </p:cNvSpPr>
-          <p:nvPr>
-            <p:ph sz="quarter" idx="1"/>
-          </p:nvPr>
-        </p:nvSpPr>
-        <p:spPr/>
-        <p:txBody>
-          <a:bodyPr/>
-          <a:lstStyle/>
-          <a:p>
-            <a:endParaRPr lang="ru-RU" dirty="0"/>
-          </a:p>
-        </p:txBody>
-      </p:sp>
-      <p:sp>
-        <p:nvSpPr>
-          <p:cNvPr id="6" name="Блок-схема: процесс 5"/>
-          <p:cNvSpPr/>
-          <p:nvPr/>
-        </p:nvSpPr>
-        <p:spPr>
-          <a:xfrm>
-            <a:off x="899592" y="1340768"/>
-            <a:ext cx="7632848" cy="4104456"/>
-          </a:xfrm>
-          <a:prstGeom prst="flowChartProcess">
-            <a:avLst/>
-          </a:prstGeom>
-          <a:solidFill>
-            <a:schemeClr val="bg1"/>
-          </a:solidFill>
-        </p:spPr>
-        <p:style>
-          <a:lnRef idx="2">
-            <a:schemeClr val="accent1">
-              <a:shade val="50000"/>
-            </a:schemeClr>
-          </a:lnRef>
-          <a:fillRef idx="1">
-            <a:schemeClr val="accent1"/>
-          </a:fillRef>
-          <a:effectRef idx="0">
-            <a:schemeClr val="accent1"/>
-          </a:effectRef>
-          <a:fontRef idx="minor">
-            <a:schemeClr val="lt1"/>
-          </a:fontRef>
-        </p:style>
-        <p:txBody>
-          <a:bodyPr rtlCol="0" anchor="ctr"/>
-          <a:lstStyle/>
-          <a:p>
-            <a:pPr algn="ctr"/>
-            <a:r>
-              <a:rPr lang="ru-RU" sz="3200" dirty="0" smtClean="0">
-                <a:solidFill>
-                  <a:schemeClr val="accent2">
-                    <a:lumMod val="75000"/>
-                  </a:schemeClr>
-                </a:solidFill>
-              </a:rPr>
-              <a:t>Клиент</a:t>
-            </a:r>
-            <a:endParaRPr lang="ru-RU" sz="3200" dirty="0">
-              <a:solidFill>
-                <a:schemeClr val="accent2">
-                  <a:lumMod val="75000"/>
-                </a:schemeClr>
-              </a:solidFill>
-            </a:endParaRPr>
-          </a:p>
-        </p:txBody>
-      </p:sp>
-      <p:sp>
-        <p:nvSpPr>
-          <p:cNvPr id="7" name="Блок-схема: процесс 6"/>
-          <p:cNvSpPr/>
-          <p:nvPr/>
-        </p:nvSpPr>
-        <p:spPr>
-          <a:xfrm>
-            <a:off x="1979712" y="2492896"/>
-            <a:ext cx="1080120" cy="612648"/>
-          </a:xfrm>
-          <a:prstGeom prst="flowChartProcess">
-            <a:avLst/>
-          </a:prstGeom>
-        </p:spPr>
-        <p:style>
-          <a:lnRef idx="2">
-            <a:schemeClr val="accent1">
-              <a:shade val="50000"/>
-            </a:schemeClr>
-          </a:lnRef>
-          <a:fillRef idx="1">
-            <a:schemeClr val="accent1"/>
-          </a:fillRef>
-          <a:effectRef idx="0">
-            <a:schemeClr val="accent1"/>
-          </a:effectRef>
-          <a:fontRef idx="minor">
-            <a:schemeClr val="lt1"/>
-          </a:fontRef>
-        </p:style>
-        <p:txBody>
-          <a:bodyPr rtlCol="0" anchor="ctr"/>
-          <a:lstStyle/>
-          <a:p>
-            <a:pPr algn="ctr"/>
+              <a:t>Сайт, сервер:</a:t>
+            </a:r>
+          </a:p>
+          <a:p>
+            <a:pPr lvl="1"/>
             <a:r>
               <a:rPr lang="ru-RU" dirty="0" smtClean="0"/>
-              <a:t>Учитель</a:t>
-            </a:r>
-            <a:endParaRPr lang="ru-RU" dirty="0"/>
-          </a:p>
-        </p:txBody>
-      </p:sp>
-      <p:sp>
-        <p:nvSpPr>
-          <p:cNvPr id="8" name="Блок-схема: процесс 7"/>
-          <p:cNvSpPr/>
-          <p:nvPr/>
-        </p:nvSpPr>
-        <p:spPr>
-          <a:xfrm>
-            <a:off x="6300192" y="2564904"/>
-            <a:ext cx="1080120" cy="612648"/>
-          </a:xfrm>
-          <a:prstGeom prst="flowChartProcess">
-            <a:avLst/>
-          </a:prstGeom>
-        </p:spPr>
-        <p:style>
-          <a:lnRef idx="2">
-            <a:schemeClr val="accent1">
-              <a:shade val="50000"/>
-            </a:schemeClr>
-          </a:lnRef>
-          <a:fillRef idx="1">
-            <a:schemeClr val="accent1"/>
-          </a:fillRef>
-          <a:effectRef idx="0">
-            <a:schemeClr val="accent1"/>
-          </a:effectRef>
-          <a:fontRef idx="minor">
-            <a:schemeClr val="lt1"/>
-          </a:fontRef>
-        </p:style>
-        <p:txBody>
-          <a:bodyPr rtlCol="0" anchor="ctr"/>
-          <a:lstStyle/>
-          <a:p>
-            <a:pPr algn="ctr"/>
+              <a:t>Язык программирования – </a:t>
+            </a:r>
+            <a:r>
+              <a:rPr lang="en-US" dirty="0" smtClean="0"/>
+              <a:t>Python, </a:t>
+            </a:r>
+            <a:r>
+              <a:rPr lang="en-US" dirty="0" err="1" smtClean="0"/>
+              <a:t>Javascript</a:t>
+            </a:r>
+            <a:endParaRPr lang="ru-RU" dirty="0" smtClean="0"/>
+          </a:p>
+          <a:p>
+            <a:pPr lvl="1"/>
             <a:r>
               <a:rPr lang="ru-RU" dirty="0" smtClean="0"/>
-              <a:t>Ученик</a:t>
-            </a:r>
-            <a:endParaRPr lang="ru-RU" dirty="0"/>
-          </a:p>
-        </p:txBody>
-      </p:sp>
-      <p:sp>
-        <p:nvSpPr>
-          <p:cNvPr id="9" name="Блок-схема: процесс 8"/>
-          <p:cNvSpPr/>
-          <p:nvPr/>
-        </p:nvSpPr>
-        <p:spPr>
-          <a:xfrm>
-            <a:off x="899592" y="4221088"/>
-            <a:ext cx="1800200" cy="792088"/>
-          </a:xfrm>
-          <a:prstGeom prst="flowChartProcess">
-            <a:avLst/>
-          </a:prstGeom>
-          <a:solidFill>
-            <a:schemeClr val="bg2">
-              <a:lumMod val="75000"/>
-            </a:schemeClr>
-          </a:solidFill>
-        </p:spPr>
-        <p:style>
-          <a:lnRef idx="2">
-            <a:schemeClr val="accent1">
-              <a:shade val="50000"/>
-            </a:schemeClr>
-          </a:lnRef>
-          <a:fillRef idx="1">
-            <a:schemeClr val="accent1"/>
-          </a:fillRef>
-          <a:effectRef idx="0">
-            <a:schemeClr val="accent1"/>
-          </a:effectRef>
-          <a:fontRef idx="minor">
-            <a:schemeClr val="lt1"/>
-          </a:fontRef>
-        </p:style>
-        <p:txBody>
-          <a:bodyPr rtlCol="0" anchor="ctr"/>
-          <a:lstStyle/>
-          <a:p>
-            <a:pPr algn="ctr"/>
+              <a:t>Языки разметки – </a:t>
+            </a:r>
+            <a:r>
+              <a:rPr lang="en-US" dirty="0" smtClean="0"/>
+              <a:t>HTML, XML, JSON, CSS</a:t>
+            </a:r>
+            <a:endParaRPr lang="ru-RU" dirty="0" smtClean="0"/>
+          </a:p>
+          <a:p>
+            <a:pPr lvl="1"/>
             <a:r>
               <a:rPr lang="ru-RU" dirty="0" smtClean="0"/>
-              <a:t>Создание тестов, редактирование</a:t>
-            </a:r>
-            <a:endParaRPr lang="ru-RU" dirty="0"/>
-          </a:p>
-        </p:txBody>
-      </p:sp>
-      <p:sp>
-        <p:nvSpPr>
-          <p:cNvPr id="11" name="Блок-схема: процесс 10"/>
-          <p:cNvSpPr/>
-          <p:nvPr/>
-        </p:nvSpPr>
-        <p:spPr>
-          <a:xfrm>
-            <a:off x="2915816" y="4221088"/>
-            <a:ext cx="1800200" cy="792088"/>
-          </a:xfrm>
-          <a:prstGeom prst="flowChartProcess">
-            <a:avLst/>
-          </a:prstGeom>
-          <a:solidFill>
-            <a:schemeClr val="bg2">
-              <a:lumMod val="75000"/>
-            </a:schemeClr>
-          </a:solidFill>
-        </p:spPr>
-        <p:style>
-          <a:lnRef idx="2">
-            <a:schemeClr val="accent1">
-              <a:shade val="50000"/>
-            </a:schemeClr>
-          </a:lnRef>
-          <a:fillRef idx="1">
-            <a:schemeClr val="accent1"/>
-          </a:fillRef>
-          <a:effectRef idx="0">
-            <a:schemeClr val="accent1"/>
-          </a:effectRef>
-          <a:fontRef idx="minor">
-            <a:schemeClr val="lt1"/>
-          </a:fontRef>
-        </p:style>
-        <p:txBody>
-          <a:bodyPr rtlCol="0" anchor="ctr"/>
-          <a:lstStyle/>
-          <a:p>
-            <a:pPr algn="ctr"/>
+              <a:t>Платформа – </a:t>
+            </a:r>
+            <a:r>
+              <a:rPr lang="en-US" dirty="0" err="1" smtClean="0"/>
+              <a:t>Django</a:t>
+            </a:r>
+            <a:endParaRPr lang="ru-RU" dirty="0" smtClean="0"/>
+          </a:p>
+          <a:p>
+            <a:pPr lvl="1"/>
             <a:r>
               <a:rPr lang="ru-RU" dirty="0" smtClean="0"/>
-              <a:t>Просмотр результатов и самих тестов.</a:t>
-            </a:r>
-            <a:endParaRPr lang="ru-RU" dirty="0"/>
-          </a:p>
-        </p:txBody>
-      </p:sp>
-      <p:sp>
-        <p:nvSpPr>
-          <p:cNvPr id="13" name="Блок-схема: процесс 12"/>
-          <p:cNvSpPr/>
-          <p:nvPr/>
-        </p:nvSpPr>
-        <p:spPr>
-          <a:xfrm>
-            <a:off x="7092280" y="4221088"/>
-            <a:ext cx="1440160" cy="792088"/>
-          </a:xfrm>
-          <a:prstGeom prst="flowChartProcess">
-            <a:avLst/>
-          </a:prstGeom>
-          <a:solidFill>
-            <a:schemeClr val="bg2">
-              <a:lumMod val="75000"/>
-            </a:schemeClr>
-          </a:solidFill>
-        </p:spPr>
-        <p:style>
-          <a:lnRef idx="2">
-            <a:schemeClr val="accent1">
-              <a:shade val="50000"/>
-            </a:schemeClr>
-          </a:lnRef>
-          <a:fillRef idx="1">
-            <a:schemeClr val="accent1"/>
-          </a:fillRef>
-          <a:effectRef idx="0">
-            <a:schemeClr val="accent1"/>
-          </a:effectRef>
-          <a:fontRef idx="minor">
-            <a:schemeClr val="lt1"/>
-          </a:fontRef>
-        </p:style>
-        <p:txBody>
-          <a:bodyPr rtlCol="0" anchor="ctr"/>
-          <a:lstStyle/>
-          <a:p>
-            <a:pPr algn="ctr"/>
+              <a:t>Среда – </a:t>
+            </a:r>
+            <a:r>
+              <a:rPr lang="en-US" dirty="0" err="1" smtClean="0"/>
+              <a:t>Pycharm</a:t>
+            </a:r>
+            <a:endParaRPr lang="en-US" dirty="0" smtClean="0"/>
+          </a:p>
+          <a:p>
+            <a:pPr lvl="1"/>
             <a:r>
               <a:rPr lang="ru-RU" dirty="0" smtClean="0"/>
-              <a:t>Просмотр результатов</a:t>
-            </a:r>
-          </a:p>
-        </p:txBody>
-      </p:sp>
-      <p:sp>
-        <p:nvSpPr>
-          <p:cNvPr id="14" name="Блок-схема: процесс 13"/>
-          <p:cNvSpPr/>
-          <p:nvPr/>
-        </p:nvSpPr>
-        <p:spPr>
-          <a:xfrm>
-            <a:off x="5004048" y="4221088"/>
-            <a:ext cx="1656184" cy="792088"/>
-          </a:xfrm>
-          <a:prstGeom prst="flowChartProcess">
-            <a:avLst/>
-          </a:prstGeom>
-          <a:solidFill>
-            <a:schemeClr val="bg2">
-              <a:lumMod val="75000"/>
-            </a:schemeClr>
-          </a:solidFill>
-        </p:spPr>
-        <p:style>
-          <a:lnRef idx="2">
-            <a:schemeClr val="accent1">
-              <a:shade val="50000"/>
-            </a:schemeClr>
-          </a:lnRef>
-          <a:fillRef idx="1">
-            <a:schemeClr val="accent1"/>
-          </a:fillRef>
-          <a:effectRef idx="0">
-            <a:schemeClr val="accent1"/>
-          </a:effectRef>
-          <a:fontRef idx="minor">
-            <a:schemeClr val="lt1"/>
-          </a:fontRef>
-        </p:style>
-        <p:txBody>
-          <a:bodyPr rtlCol="0" anchor="ctr"/>
-          <a:lstStyle/>
-          <a:p>
-            <a:pPr algn="ctr"/>
+              <a:t>Основные библиотеки: </a:t>
+            </a:r>
+            <a:r>
+              <a:rPr lang="en-US" dirty="0" err="1" smtClean="0"/>
+              <a:t>tastypie</a:t>
+            </a:r>
+            <a:r>
+              <a:rPr lang="en-US" dirty="0" smtClean="0"/>
+              <a:t> </a:t>
+            </a:r>
+            <a:r>
+              <a:rPr lang="en-US" dirty="0" err="1" smtClean="0"/>
+              <a:t>api</a:t>
+            </a:r>
+            <a:r>
+              <a:rPr lang="en-US" dirty="0" smtClean="0"/>
+              <a:t> – </a:t>
+            </a:r>
+            <a:r>
+              <a:rPr lang="en-US" dirty="0" err="1" smtClean="0"/>
+              <a:t>api</a:t>
+            </a:r>
+            <a:r>
+              <a:rPr lang="en-US" dirty="0" smtClean="0"/>
+              <a:t> </a:t>
+            </a:r>
             <a:r>
               <a:rPr lang="ru-RU" dirty="0" smtClean="0"/>
-              <a:t>Прохождение тестов</a:t>
-            </a:r>
-            <a:endParaRPr lang="ru-RU" dirty="0"/>
-          </a:p>
-        </p:txBody>
-      </p:sp>
-      <p:cxnSp>
-        <p:nvCxnSpPr>
-          <p:cNvPr id="20" name="Прямая со стрелкой 19"/>
-          <p:cNvCxnSpPr>
-            <a:stCxn id="7" idx="2"/>
-            <a:endCxn id="9" idx="0"/>
-          </p:cNvCxnSpPr>
-          <p:nvPr/>
-        </p:nvCxnSpPr>
-        <p:spPr>
-          <a:xfrm flipH="1">
-            <a:off x="1799692" y="3105544"/>
-            <a:ext cx="720080" cy="1115544"/>
-          </a:xfrm>
-          <a:prstGeom prst="straightConnector1">
-            <a:avLst/>
-          </a:prstGeom>
-          <a:ln>
-            <a:tailEnd type="arrow"/>
-          </a:ln>
-        </p:spPr>
-        <p:style>
-          <a:lnRef idx="1">
-            <a:schemeClr val="accent1"/>
-          </a:lnRef>
-          <a:fillRef idx="0">
-            <a:schemeClr val="accent1"/>
-          </a:fillRef>
-          <a:effectRef idx="0">
-            <a:schemeClr val="accent1"/>
-          </a:effectRef>
-          <a:fontRef idx="minor">
-            <a:schemeClr val="tx1"/>
-          </a:fontRef>
-        </p:style>
-      </p:cxnSp>
-      <p:cxnSp>
-        <p:nvCxnSpPr>
-          <p:cNvPr id="22" name="Прямая со стрелкой 21"/>
-          <p:cNvCxnSpPr>
-            <a:stCxn id="7" idx="2"/>
-            <a:endCxn id="11" idx="0"/>
-          </p:cNvCxnSpPr>
-          <p:nvPr/>
-        </p:nvCxnSpPr>
-        <p:spPr>
-          <a:xfrm>
-            <a:off x="2519772" y="3105544"/>
-            <a:ext cx="1296144" cy="1115544"/>
-          </a:xfrm>
-          <a:prstGeom prst="straightConnector1">
-            <a:avLst/>
-          </a:prstGeom>
-          <a:ln>
-            <a:tailEnd type="arrow"/>
-          </a:ln>
-        </p:spPr>
-        <p:style>
-          <a:lnRef idx="1">
-            <a:schemeClr val="accent1"/>
-          </a:lnRef>
-          <a:fillRef idx="0">
-            <a:schemeClr val="accent1"/>
-          </a:fillRef>
-          <a:effectRef idx="0">
-            <a:schemeClr val="accent1"/>
-          </a:effectRef>
-          <a:fontRef idx="minor">
-            <a:schemeClr val="tx1"/>
-          </a:fontRef>
-        </p:style>
-      </p:cxnSp>
-      <p:cxnSp>
-        <p:nvCxnSpPr>
-          <p:cNvPr id="24" name="Прямая со стрелкой 23"/>
-          <p:cNvCxnSpPr>
-            <a:stCxn id="8" idx="2"/>
-            <a:endCxn id="14" idx="0"/>
-          </p:cNvCxnSpPr>
-          <p:nvPr/>
-        </p:nvCxnSpPr>
-        <p:spPr>
-          <a:xfrm flipH="1">
-            <a:off x="5832140" y="3177552"/>
-            <a:ext cx="1008112" cy="1043536"/>
-          </a:xfrm>
-          <a:prstGeom prst="straightConnector1">
-            <a:avLst/>
-          </a:prstGeom>
-          <a:ln>
-            <a:tailEnd type="arrow"/>
-          </a:ln>
-        </p:spPr>
-        <p:style>
-          <a:lnRef idx="1">
-            <a:schemeClr val="accent1"/>
-          </a:lnRef>
-          <a:fillRef idx="0">
-            <a:schemeClr val="accent1"/>
-          </a:fillRef>
-          <a:effectRef idx="0">
-            <a:schemeClr val="accent1"/>
-          </a:effectRef>
-          <a:fontRef idx="minor">
-            <a:schemeClr val="tx1"/>
-          </a:fontRef>
-        </p:style>
-      </p:cxnSp>
-      <p:cxnSp>
-        <p:nvCxnSpPr>
-          <p:cNvPr id="26" name="Прямая со стрелкой 25"/>
-          <p:cNvCxnSpPr>
-            <a:stCxn id="8" idx="2"/>
-            <a:endCxn id="13" idx="0"/>
-          </p:cNvCxnSpPr>
-          <p:nvPr/>
-        </p:nvCxnSpPr>
-        <p:spPr>
-          <a:xfrm>
-            <a:off x="6840252" y="3177552"/>
-            <a:ext cx="972108" cy="1043536"/>
-          </a:xfrm>
-          <a:prstGeom prst="straightConnector1">
-            <a:avLst/>
-          </a:prstGeom>
-          <a:ln>
-            <a:tailEnd type="arrow"/>
-          </a:ln>
-        </p:spPr>
-        <p:style>
-          <a:lnRef idx="1">
-            <a:schemeClr val="accent1"/>
-          </a:lnRef>
-          <a:fillRef idx="0">
-            <a:schemeClr val="accent1"/>
-          </a:fillRef>
-          <a:effectRef idx="0">
-            <a:schemeClr val="accent1"/>
-          </a:effectRef>
-          <a:fontRef idx="minor">
-            <a:schemeClr val="tx1"/>
-          </a:fontRef>
-        </p:style>
-      </p:cxnSp>
-      <p:sp>
-        <p:nvSpPr>
-          <p:cNvPr id="40" name="Прямоугольник 39"/>
-          <p:cNvSpPr/>
-          <p:nvPr/>
-        </p:nvSpPr>
-        <p:spPr>
-          <a:xfrm>
-            <a:off x="3563888" y="1700808"/>
-            <a:ext cx="1800200" cy="504056"/>
-          </a:xfrm>
-          <a:prstGeom prst="rect">
-            <a:avLst/>
-          </a:prstGeom>
-          <a:solidFill>
-            <a:schemeClr val="accent5">
-              <a:lumMod val="75000"/>
-            </a:schemeClr>
-          </a:solidFill>
-        </p:spPr>
-        <p:style>
-          <a:lnRef idx="2">
-            <a:schemeClr val="accent1">
-              <a:shade val="50000"/>
-            </a:schemeClr>
-          </a:lnRef>
-          <a:fillRef idx="1">
-            <a:schemeClr val="accent1"/>
-          </a:fillRef>
-          <a:effectRef idx="0">
-            <a:schemeClr val="accent1"/>
-          </a:effectRef>
-          <a:fontRef idx="minor">
-            <a:schemeClr val="lt1"/>
-          </a:fontRef>
-        </p:style>
-        <p:txBody>
-          <a:bodyPr rtlCol="0" anchor="ctr"/>
-          <a:lstStyle/>
-          <a:p>
-            <a:pPr algn="ctr"/>
+              <a:t>сайта</a:t>
+            </a:r>
+          </a:p>
+          <a:p>
+            <a:pPr lvl="1"/>
             <a:r>
               <a:rPr lang="ru-RU" dirty="0" smtClean="0"/>
-              <a:t>Аутентификация</a:t>
-            </a:r>
+              <a:t>База данных – </a:t>
+            </a:r>
+            <a:r>
+              <a:rPr lang="en-US" dirty="0" err="1" smtClean="0"/>
+              <a:t>Mysql</a:t>
+            </a:r>
+            <a:r>
+              <a:rPr lang="en-US" dirty="0" smtClean="0"/>
+              <a:t> </a:t>
+            </a:r>
+            <a:r>
+              <a:rPr lang="ru-RU" dirty="0" smtClean="0"/>
+              <a:t>с интерфейсом </a:t>
+            </a:r>
+            <a:r>
+              <a:rPr lang="en-US" dirty="0" err="1" smtClean="0"/>
+              <a:t>phpmyadmin</a:t>
+            </a:r>
+            <a:r>
+              <a:rPr lang="en-US" dirty="0" smtClean="0"/>
+              <a:t>.</a:t>
+            </a:r>
+            <a:endParaRPr lang="ru-RU" dirty="0" smtClean="0"/>
+          </a:p>
+          <a:p>
+            <a:pPr lvl="1"/>
+            <a:r>
+              <a:rPr lang="ru-RU" dirty="0" smtClean="0"/>
+              <a:t>Интеграция </a:t>
+            </a:r>
+            <a:r>
+              <a:rPr lang="en-US" dirty="0" smtClean="0"/>
+              <a:t>SCORM/</a:t>
+            </a:r>
+            <a:r>
+              <a:rPr lang="en-US" dirty="0" err="1" smtClean="0"/>
+              <a:t>TinCan</a:t>
+            </a:r>
+            <a:r>
+              <a:rPr lang="en-US" dirty="0" smtClean="0"/>
+              <a:t> </a:t>
+            </a:r>
+            <a:r>
+              <a:rPr lang="ru-RU" dirty="0" smtClean="0"/>
+              <a:t>с помощью </a:t>
+            </a:r>
+            <a:r>
+              <a:rPr lang="en-US" dirty="0" err="1" smtClean="0"/>
+              <a:t>TinCan</a:t>
+            </a:r>
+            <a:r>
+              <a:rPr lang="en-US" dirty="0" smtClean="0"/>
+              <a:t> API</a:t>
+            </a:r>
+            <a:endParaRPr lang="ru-RU" dirty="0" smtClean="0"/>
+          </a:p>
+          <a:p>
+            <a:r>
+              <a:rPr lang="en-US" dirty="0" smtClean="0"/>
+              <a:t>Android </a:t>
+            </a:r>
+            <a:r>
+              <a:rPr lang="ru-RU" dirty="0" smtClean="0"/>
+              <a:t>клиент</a:t>
+            </a:r>
+            <a:r>
+              <a:rPr lang="en-US" dirty="0" smtClean="0"/>
+              <a:t>:</a:t>
+            </a:r>
+            <a:endParaRPr lang="ru-RU" dirty="0" smtClean="0"/>
+          </a:p>
+          <a:p>
+            <a:pPr lvl="1"/>
+            <a:r>
+              <a:rPr lang="ru-RU" dirty="0" smtClean="0"/>
+              <a:t>Язык программирования – </a:t>
+            </a:r>
+            <a:r>
+              <a:rPr lang="en-US" dirty="0" smtClean="0"/>
+              <a:t>Java</a:t>
+            </a:r>
+            <a:endParaRPr lang="ru-RU" dirty="0" smtClean="0"/>
+          </a:p>
+          <a:p>
+            <a:pPr lvl="1"/>
+            <a:r>
+              <a:rPr lang="ru-RU" dirty="0" smtClean="0"/>
+              <a:t>Среда – </a:t>
+            </a:r>
+            <a:r>
+              <a:rPr lang="en-US" dirty="0" err="1" smtClean="0"/>
+              <a:t>Intellij</a:t>
+            </a:r>
+            <a:r>
+              <a:rPr lang="en-US" dirty="0" smtClean="0"/>
+              <a:t> Idea, Android Studio</a:t>
+            </a:r>
+          </a:p>
+          <a:p>
+            <a:pPr lvl="1"/>
+            <a:r>
+              <a:rPr lang="ru-RU" dirty="0" smtClean="0"/>
+              <a:t>Основные библиотеки: </a:t>
+            </a:r>
+            <a:r>
+              <a:rPr lang="en-US" dirty="0" smtClean="0"/>
+              <a:t>Doc xml</a:t>
+            </a:r>
+          </a:p>
+          <a:p>
+            <a:pPr lvl="1"/>
             <a:endParaRPr lang="ru-RU" dirty="0"/>
           </a:p>
         </p:txBody>
@@ -6468,7 +6457,7 @@
           <a:p>
             <a:r>
               <a:rPr lang="ru-RU" dirty="0" smtClean="0"/>
-              <a:t>Программная реализация</a:t>
+              <a:t>Выводы</a:t>
             </a:r>
             <a:endParaRPr lang="ru-RU" dirty="0"/>
           </a:p>
@@ -6486,247 +6475,13 @@
         </p:nvSpPr>
         <p:spPr/>
         <p:txBody>
-          <a:bodyPr>
-            <a:normAutofit lnSpcReduction="10000"/>
-          </a:bodyPr>
+          <a:bodyPr/>
           <a:lstStyle/>
           <a:p>
             <a:r>
               <a:rPr lang="ru-RU" dirty="0" smtClean="0"/>
-              <a:t>Сайт, сервер:</a:t>
-            </a:r>
-          </a:p>
-          <a:p>
-            <a:pPr lvl="1"/>
-            <a:r>
-              <a:rPr lang="ru-RU" dirty="0" smtClean="0"/>
-              <a:t>Язык программирования – </a:t>
-            </a:r>
-            <a:r>
-              <a:rPr lang="en-US" dirty="0" smtClean="0"/>
-              <a:t>P</a:t>
-            </a:r>
-            <a:r>
-              <a:rPr lang="en-US" dirty="0" smtClean="0"/>
-              <a:t>ython</a:t>
-            </a:r>
-            <a:r>
-              <a:rPr lang="en-US" dirty="0" smtClean="0"/>
-              <a:t>, </a:t>
-            </a:r>
-            <a:r>
-              <a:rPr lang="en-US" dirty="0" err="1" smtClean="0"/>
-              <a:t>J</a:t>
-            </a:r>
-            <a:r>
-              <a:rPr lang="en-US" dirty="0" err="1" smtClean="0"/>
-              <a:t>avascript</a:t>
-            </a:r>
-            <a:endParaRPr lang="ru-RU" dirty="0" smtClean="0"/>
-          </a:p>
-          <a:p>
-            <a:pPr lvl="1"/>
-            <a:r>
-              <a:rPr lang="ru-RU" dirty="0" smtClean="0"/>
-              <a:t>Языки разметки – </a:t>
-            </a:r>
-            <a:r>
-              <a:rPr lang="en-US" dirty="0" smtClean="0"/>
-              <a:t>HTML, XML, JSON, CSS</a:t>
-            </a:r>
-            <a:endParaRPr lang="ru-RU" dirty="0" smtClean="0"/>
-          </a:p>
-          <a:p>
-            <a:pPr lvl="1"/>
-            <a:r>
-              <a:rPr lang="ru-RU" dirty="0" smtClean="0"/>
-              <a:t>Платформа – </a:t>
-            </a:r>
-            <a:r>
-              <a:rPr lang="en-US" dirty="0" err="1" smtClean="0"/>
-              <a:t>D</a:t>
-            </a:r>
-            <a:r>
-              <a:rPr lang="en-US" dirty="0" err="1" smtClean="0"/>
-              <a:t>jango</a:t>
-            </a:r>
-            <a:endParaRPr lang="ru-RU" dirty="0" smtClean="0"/>
-          </a:p>
-          <a:p>
-            <a:pPr lvl="1"/>
-            <a:r>
-              <a:rPr lang="ru-RU" dirty="0" smtClean="0"/>
-              <a:t>Среда – </a:t>
-            </a:r>
-            <a:r>
-              <a:rPr lang="en-US" dirty="0" err="1" smtClean="0"/>
-              <a:t>Pycharm</a:t>
-            </a:r>
-            <a:endParaRPr lang="en-US" dirty="0" smtClean="0"/>
-          </a:p>
-          <a:p>
-            <a:pPr lvl="1"/>
-            <a:r>
-              <a:rPr lang="ru-RU" dirty="0" smtClean="0"/>
-              <a:t>Основные библиотеки: </a:t>
-            </a:r>
-            <a:r>
-              <a:rPr lang="en-US" dirty="0" err="1" smtClean="0"/>
-              <a:t>tastypie</a:t>
-            </a:r>
-            <a:r>
-              <a:rPr lang="en-US" dirty="0" smtClean="0"/>
-              <a:t> </a:t>
-            </a:r>
-            <a:r>
-              <a:rPr lang="en-US" dirty="0" err="1" smtClean="0"/>
-              <a:t>api</a:t>
-            </a:r>
-            <a:r>
-              <a:rPr lang="en-US" dirty="0" smtClean="0"/>
-              <a:t> – </a:t>
-            </a:r>
-            <a:r>
-              <a:rPr lang="en-US" dirty="0" err="1" smtClean="0"/>
-              <a:t>api</a:t>
-            </a:r>
-            <a:r>
-              <a:rPr lang="en-US" dirty="0" smtClean="0"/>
-              <a:t> </a:t>
-            </a:r>
-            <a:r>
-              <a:rPr lang="ru-RU" dirty="0" smtClean="0"/>
-              <a:t>сайта</a:t>
-            </a:r>
-          </a:p>
-          <a:p>
-            <a:pPr lvl="1"/>
-            <a:r>
-              <a:rPr lang="ru-RU" dirty="0" smtClean="0"/>
-              <a:t>База данных – </a:t>
-            </a:r>
-            <a:r>
-              <a:rPr lang="en-US" dirty="0" err="1" smtClean="0"/>
-              <a:t>Mysql</a:t>
-            </a:r>
-            <a:r>
-              <a:rPr lang="en-US" dirty="0" smtClean="0"/>
-              <a:t> </a:t>
-            </a:r>
-            <a:r>
-              <a:rPr lang="ru-RU" dirty="0" smtClean="0"/>
-              <a:t>с интерфейсом </a:t>
-            </a:r>
-            <a:r>
-              <a:rPr lang="en-US" dirty="0" err="1" smtClean="0"/>
-              <a:t>phpmyadmin</a:t>
-            </a:r>
-            <a:r>
-              <a:rPr lang="en-US" dirty="0" smtClean="0"/>
-              <a:t>.</a:t>
-            </a:r>
-            <a:endParaRPr lang="ru-RU" dirty="0" smtClean="0"/>
-          </a:p>
-          <a:p>
-            <a:pPr lvl="1"/>
-            <a:r>
-              <a:rPr lang="ru-RU" dirty="0" smtClean="0"/>
-              <a:t>Интеграция </a:t>
-            </a:r>
-            <a:r>
-              <a:rPr lang="en-US" dirty="0" smtClean="0"/>
-              <a:t>SCORM/</a:t>
-            </a:r>
-            <a:r>
-              <a:rPr lang="en-US" dirty="0" err="1" smtClean="0"/>
-              <a:t>TinCan</a:t>
-            </a:r>
-            <a:r>
-              <a:rPr lang="en-US" dirty="0" smtClean="0"/>
-              <a:t> </a:t>
-            </a:r>
-            <a:r>
-              <a:rPr lang="ru-RU" dirty="0" smtClean="0"/>
-              <a:t>с помощью </a:t>
-            </a:r>
-            <a:r>
-              <a:rPr lang="en-US" dirty="0" err="1" smtClean="0"/>
-              <a:t>TinCan</a:t>
-            </a:r>
-            <a:r>
-              <a:rPr lang="en-US" dirty="0" smtClean="0"/>
-              <a:t> API</a:t>
-            </a:r>
-            <a:endParaRPr lang="ru-RU" dirty="0" smtClean="0"/>
-          </a:p>
-          <a:p>
-            <a:r>
-              <a:rPr lang="en-US" dirty="0" smtClean="0"/>
-              <a:t>Android </a:t>
-            </a:r>
-            <a:r>
-              <a:rPr lang="ru-RU" dirty="0" smtClean="0"/>
-              <a:t>клиент</a:t>
-            </a:r>
-            <a:r>
-              <a:rPr lang="en-US" dirty="0" smtClean="0"/>
-              <a:t>:</a:t>
-            </a:r>
-            <a:endParaRPr lang="ru-RU" dirty="0" smtClean="0"/>
-          </a:p>
-          <a:p>
-            <a:pPr lvl="1"/>
-            <a:r>
-              <a:rPr lang="ru-RU" dirty="0" smtClean="0"/>
-              <a:t>Язык программирования – </a:t>
-            </a:r>
-            <a:r>
-              <a:rPr lang="en-US" dirty="0" smtClean="0"/>
-              <a:t>Java</a:t>
-            </a:r>
-            <a:endParaRPr lang="ru-RU" dirty="0" smtClean="0"/>
-          </a:p>
-          <a:p>
-            <a:pPr lvl="1"/>
-            <a:r>
-              <a:rPr lang="ru-RU" dirty="0" smtClean="0"/>
-              <a:t>Среда – </a:t>
-            </a:r>
-            <a:r>
-              <a:rPr lang="en-US" dirty="0" err="1" smtClean="0"/>
-              <a:t>Intellij</a:t>
-            </a:r>
-            <a:r>
-              <a:rPr lang="en-US" dirty="0" smtClean="0"/>
-              <a:t> </a:t>
-            </a:r>
-            <a:r>
-              <a:rPr lang="en-US" dirty="0" smtClean="0"/>
-              <a:t>Idea, Android Studio</a:t>
-            </a:r>
-            <a:endParaRPr lang="en-US" dirty="0" smtClean="0"/>
-          </a:p>
-          <a:p>
-            <a:pPr lvl="1"/>
-            <a:r>
-              <a:rPr lang="ru-RU" dirty="0" smtClean="0"/>
-              <a:t>Основные библиотеки: </a:t>
-            </a:r>
-            <a:r>
-              <a:rPr lang="en-US" dirty="0" smtClean="0"/>
-              <a:t>D</a:t>
-            </a:r>
-            <a:r>
-              <a:rPr lang="en-US" dirty="0" smtClean="0"/>
-              <a:t>oc </a:t>
-            </a:r>
-            <a:r>
-              <a:rPr lang="en-US" dirty="0" smtClean="0"/>
-              <a:t>xml</a:t>
-            </a:r>
-          </a:p>
-          <a:p>
-            <a:pPr lvl="1"/>
+              <a:t>В результате была получена универсальная система тестирования, которая позволяет проводить оценку знаний учащихся лицея, учащихся различных школ, а также проводить социологические опросы.</a:t>
+            </a:r>
             <a:endParaRPr lang="ru-RU" dirty="0"/>
           </a:p>
         </p:txBody>
@@ -6780,7 +6535,7 @@
           <a:p>
             <a:r>
               <a:rPr lang="ru-RU" dirty="0" smtClean="0"/>
-              <a:t>Выводы</a:t>
+              <a:t>Направления дальнейших разработок</a:t>
             </a:r>
             <a:endParaRPr lang="ru-RU" dirty="0"/>
           </a:p>
@@ -6798,12 +6553,80 @@
         </p:nvSpPr>
         <p:spPr/>
         <p:txBody>
-          <a:bodyPr/>
+          <a:bodyPr>
+            <a:normAutofit lnSpcReduction="10000"/>
+          </a:bodyPr>
           <a:lstStyle/>
           <a:p>
             <a:r>
               <a:rPr lang="ru-RU" dirty="0" smtClean="0"/>
-              <a:t>В результате была получена универсальная система тестирования, которая позволяет проводить оценку знаний учащихся лицея, учащихся различных школ, а также проводить социологические опросы.</a:t>
+              <a:t>Фильтрация реальных пользователей</a:t>
+            </a:r>
+          </a:p>
+          <a:p>
+            <a:r>
+              <a:rPr lang="ru-RU" dirty="0" smtClean="0"/>
+              <a:t>Приближение функционала </a:t>
+            </a:r>
+            <a:r>
+              <a:rPr lang="ru-RU" dirty="0" err="1" smtClean="0"/>
+              <a:t>Android</a:t>
+            </a:r>
+            <a:r>
+              <a:rPr lang="ru-RU" dirty="0" smtClean="0"/>
+              <a:t> приложения к функционалу сайта</a:t>
+            </a:r>
+          </a:p>
+          <a:p>
+            <a:r>
+              <a:rPr lang="ru-RU" dirty="0" smtClean="0"/>
+              <a:t> Реализовать еще несколько видов теста</a:t>
+            </a:r>
+          </a:p>
+          <a:p>
+            <a:r>
+              <a:rPr lang="ru-RU" dirty="0" smtClean="0"/>
+              <a:t> Большее применение </a:t>
+            </a:r>
+            <a:r>
+              <a:rPr lang="ru-RU" dirty="0" err="1" smtClean="0"/>
+              <a:t>ajax</a:t>
+            </a:r>
+            <a:r>
+              <a:rPr lang="ru-RU" dirty="0" smtClean="0"/>
+              <a:t> технологий </a:t>
+            </a:r>
+          </a:p>
+          <a:p>
+            <a:r>
+              <a:rPr lang="ru-RU" dirty="0" smtClean="0"/>
+              <a:t> Добавить функцию массового добавления изображений</a:t>
+            </a:r>
+          </a:p>
+          <a:p>
+            <a:r>
+              <a:rPr lang="ru-RU" dirty="0" smtClean="0"/>
+              <a:t> Добавить функцию выбора картинки в качестве ответа</a:t>
+            </a:r>
+          </a:p>
+          <a:p>
+            <a:r>
+              <a:rPr lang="ru-RU" dirty="0" smtClean="0"/>
+              <a:t> Дополнить возможности личных настроек</a:t>
+            </a:r>
+          </a:p>
+          <a:p>
+            <a:r>
+              <a:rPr lang="ru-RU" dirty="0" smtClean="0"/>
+              <a:t>Дополнить систему «</a:t>
+            </a:r>
+            <a:r>
+              <a:rPr lang="ru-RU" dirty="0" err="1" smtClean="0"/>
+              <a:t>кликер</a:t>
+            </a:r>
+            <a:r>
+              <a:rPr lang="ru-RU" dirty="0" smtClean="0"/>
+              <a:t>»</a:t>
             </a:r>
             <a:endParaRPr lang="ru-RU" dirty="0"/>
           </a:p>
@@ -6814,13 +6637,6 @@
   <p:clrMapOvr>
     <a:masterClrMapping/>
   </p:clrMapOvr>
-  <p:timing>
-    <p:tnLst>
-      <p:par>
-        <p:cTn id="1" dur="indefinite" restart="never" nodeType="tmRoot"/>
-      </p:par>
-    </p:tnLst>
-  </p:timing>
 </p:sld>
 </file>
 
